--- a/Slides/Lesson 0.3 Academic Honesty.pptx
+++ b/Slides/Lesson 0.3 Academic Honesty.pptx
@@ -5,24 +5,31 @@
     <p:sldMasterId id="2147483667" r:id="rId1"/>
   </p:sldMasterIdLst>
   <p:notesMasterIdLst>
-    <p:notesMasterId r:id="rId17"/>
+    <p:notesMasterId r:id="rId24"/>
   </p:notesMasterIdLst>
   <p:sldIdLst>
     <p:sldId id="256" r:id="rId2"/>
-    <p:sldId id="257" r:id="rId3"/>
-    <p:sldId id="258" r:id="rId4"/>
-    <p:sldId id="259" r:id="rId5"/>
-    <p:sldId id="260" r:id="rId6"/>
-    <p:sldId id="261" r:id="rId7"/>
-    <p:sldId id="262" r:id="rId8"/>
-    <p:sldId id="263" r:id="rId9"/>
-    <p:sldId id="264" r:id="rId10"/>
-    <p:sldId id="265" r:id="rId11"/>
-    <p:sldId id="266" r:id="rId12"/>
-    <p:sldId id="267" r:id="rId13"/>
-    <p:sldId id="268" r:id="rId14"/>
-    <p:sldId id="269" r:id="rId15"/>
-    <p:sldId id="270" r:id="rId16"/>
+    <p:sldId id="275" r:id="rId3"/>
+    <p:sldId id="257" r:id="rId4"/>
+    <p:sldId id="258" r:id="rId5"/>
+    <p:sldId id="259" r:id="rId6"/>
+    <p:sldId id="271" r:id="rId7"/>
+    <p:sldId id="260" r:id="rId8"/>
+    <p:sldId id="261" r:id="rId9"/>
+    <p:sldId id="262" r:id="rId10"/>
+    <p:sldId id="263" r:id="rId11"/>
+    <p:sldId id="264" r:id="rId12"/>
+    <p:sldId id="265" r:id="rId13"/>
+    <p:sldId id="272" r:id="rId14"/>
+    <p:sldId id="266" r:id="rId15"/>
+    <p:sldId id="273" r:id="rId16"/>
+    <p:sldId id="267" r:id="rId17"/>
+    <p:sldId id="268" r:id="rId18"/>
+    <p:sldId id="269" r:id="rId19"/>
+    <p:sldId id="274" r:id="rId20"/>
+    <p:sldId id="270" r:id="rId21"/>
+    <p:sldId id="276" r:id="rId22"/>
+    <p:sldId id="277" r:id="rId23"/>
   </p:sldIdLst>
   <p:sldSz cx="9144000" cy="6858000" type="screen4x3"/>
   <p:notesSz cx="6858000" cy="9144000"/>
@@ -11044,6 +11051,18 @@
                 <a:buNone/>
               </a:pPr>
               <a:r>
+                <a:rPr lang="en" sz="1000" b="0" i="0" u="none" strike="noStrike" cap="none" baseline="0" dirty="0">
+                  <a:solidFill>
+                    <a:srgbClr val="000000"/>
+                  </a:solidFill>
+                  <a:latin typeface="Calibri"/>
+                  <a:ea typeface="Calibri"/>
+                  <a:cs typeface="Calibri"/>
+                  <a:sym typeface="Calibri"/>
+                </a:rPr>
+                <a:t>© </a:t>
+              </a:r>
+              <a:r>
                 <a:rPr lang="en" sz="1000" b="0" i="0" u="none" strike="noStrike" cap="none" baseline="0">
                   <a:solidFill>
                     <a:srgbClr val="000000"/>
@@ -11053,7 +11072,19 @@
                   <a:cs typeface="Calibri"/>
                   <a:sym typeface="Calibri"/>
                 </a:rPr>
-                <a:t>© Mitchell Wand, 2012-2013</a:t>
+                <a:t>Mitchell Wand and William Clinger, </a:t>
+              </a:r>
+              <a:r>
+                <a:rPr lang="en" sz="1000" b="0" i="0" u="none" strike="noStrike" cap="none" baseline="0" dirty="0">
+                  <a:solidFill>
+                    <a:srgbClr val="000000"/>
+                  </a:solidFill>
+                  <a:latin typeface="Calibri"/>
+                  <a:ea typeface="Calibri"/>
+                  <a:cs typeface="Calibri"/>
+                  <a:sym typeface="Calibri"/>
+                </a:rPr>
+                <a:t>2012-2017</a:t>
               </a:r>
             </a:p>
             <a:p>
@@ -11062,7 +11093,7 @@
                 <a:buNone/>
               </a:pPr>
               <a:r>
-                <a:rPr lang="en" sz="1000" b="0" i="0" u="none" strike="noStrike" cap="none" baseline="0">
+                <a:rPr lang="en" sz="1000" b="0" i="0" u="none" strike="noStrike" cap="none" baseline="0" dirty="0">
                   <a:solidFill>
                     <a:srgbClr val="000000"/>
                   </a:solidFill>
@@ -11074,7 +11105,7 @@
                 <a:t>This work is licensed under a </a:t>
               </a:r>
               <a:r>
-                <a:rPr lang="en" sz="1000" b="0" i="0" u="sng" strike="noStrike" cap="none" baseline="0">
+                <a:rPr lang="en" sz="1000" b="0" i="0" u="sng" strike="noStrike" cap="none" baseline="0" dirty="0">
                   <a:solidFill>
                     <a:srgbClr val="0000FF"/>
                   </a:solidFill>
@@ -11087,7 +11118,7 @@
                 <a:t>Creative Commons Attribution-NonCommercial 3.0 Unported License</a:t>
               </a:r>
               <a:r>
-                <a:rPr lang="en" sz="1000" b="0" i="0" u="none" strike="noStrike" cap="none" baseline="0">
+                <a:rPr lang="en" sz="1000" b="0" i="0" u="none" strike="noStrike" cap="none" baseline="0" dirty="0">
                   <a:solidFill>
                     <a:srgbClr val="000000"/>
                   </a:solidFill>
@@ -11127,42 +11158,6 @@
           </p:spPr>
         </p:sp>
       </p:grpSp>
-      <p:sp>
-        <p:nvSpPr>
-          <p:cNvPr id="2" name="TextBox 1"/>
-          <p:cNvSpPr txBox="1"/>
-          <p:nvPr/>
-        </p:nvSpPr>
-        <p:spPr>
-          <a:xfrm>
-            <a:off x="4169229" y="566057"/>
-            <a:ext cx="2601685" cy="738664"/>
-          </a:xfrm>
-          <a:prstGeom prst="rect">
-            <a:avLst/>
-          </a:prstGeom>
-          <a:solidFill>
-            <a:srgbClr val="FFFF00"/>
-          </a:solidFill>
-          <a:ln>
-            <a:solidFill>
-              <a:schemeClr val="accent1"/>
-            </a:solidFill>
-          </a:ln>
-        </p:spPr>
-        <p:txBody>
-          <a:bodyPr wrap="square" rtlCol="0">
-            <a:spAutoFit/>
-          </a:bodyPr>
-          <a:lstStyle/>
-          <a:p>
-            <a:r>
-              <a:rPr lang="en-US" dirty="0"/>
-              <a:t>Add stuff about not using github.com and other sharing sites</a:t>
-            </a:r>
-          </a:p>
-        </p:txBody>
-      </p:sp>
     </p:spTree>
   </p:cSld>
   <p:clrMapOvr>
@@ -11175,2466 +11170,6 @@
 </file>
 
 <file path=ppt/slides/slide10.xml><?xml version="1.0" encoding="utf-8"?>
-<p:sld xmlns:a="http://schemas.openxmlformats.org/drawingml/2006/main" xmlns:r="http://schemas.openxmlformats.org/officeDocument/2006/relationships" xmlns:p="http://schemas.openxmlformats.org/presentationml/2006/main">
-  <p:cSld>
-    <p:spTree>
-      <p:nvGrpSpPr>
-        <p:cNvPr id="1" name="Shape 162"/>
-        <p:cNvGrpSpPr/>
-        <p:nvPr/>
-      </p:nvGrpSpPr>
-      <p:grpSpPr>
-        <a:xfrm>
-          <a:off x="0" y="0"/>
-          <a:ext cx="0" cy="0"/>
-          <a:chOff x="0" y="0"/>
-          <a:chExt cx="0" cy="0"/>
-        </a:xfrm>
-      </p:grpSpPr>
-      <p:sp>
-        <p:nvSpPr>
-          <p:cNvPr id="163" name="Shape 163"/>
-          <p:cNvSpPr txBox="1">
-            <a:spLocks noGrp="1"/>
-          </p:cNvSpPr>
-          <p:nvPr>
-            <p:ph type="title"/>
-          </p:nvPr>
-        </p:nvSpPr>
-        <p:spPr>
-          <a:xfrm>
-            <a:off x="457200" y="274637"/>
-            <a:ext cx="8229600" cy="1143000"/>
-          </a:xfrm>
-          <a:prstGeom prst="rect">
-            <a:avLst/>
-          </a:prstGeom>
-        </p:spPr>
-        <p:txBody>
-          <a:bodyPr lIns="91425" tIns="91425" rIns="91425" bIns="91425" anchor="ctr" anchorCtr="0">
-            <a:noAutofit/>
-          </a:bodyPr>
-          <a:lstStyle/>
-          <a:p>
-            <a:pPr lvl="0" rtl="0">
-              <a:buNone/>
-            </a:pPr>
-            <a:r>
-              <a:rPr lang="en"/>
-              <a:t>Typical scenarios (3)</a:t>
-            </a:r>
-          </a:p>
-        </p:txBody>
-      </p:sp>
-      <p:sp>
-        <p:nvSpPr>
-          <p:cNvPr id="164" name="Shape 164"/>
-          <p:cNvSpPr txBox="1">
-            <a:spLocks noGrp="1"/>
-          </p:cNvSpPr>
-          <p:nvPr>
-            <p:ph type="body" idx="1"/>
-          </p:nvPr>
-        </p:nvSpPr>
-        <p:spPr>
-          <a:xfrm>
-            <a:off x="457200" y="1600200"/>
-            <a:ext cx="8229600" cy="4526100"/>
-          </a:xfrm>
-          <a:prstGeom prst="rect">
-            <a:avLst/>
-          </a:prstGeom>
-        </p:spPr>
-        <p:txBody>
-          <a:bodyPr lIns="91425" tIns="91425" rIns="91425" bIns="91425" anchor="t" anchorCtr="0">
-            <a:noAutofit/>
-          </a:bodyPr>
-          <a:lstStyle/>
-          <a:p>
-            <a:pPr marL="457200" lvl="0" indent="-381000" rtl="0">
-              <a:lnSpc>
-                <a:spcPct val="100000"/>
-              </a:lnSpc>
-              <a:spcBef>
-                <a:spcPts val="0"/>
-              </a:spcBef>
-              <a:buClr>
-                <a:srgbClr val="000000"/>
-              </a:buClr>
-              <a:buSzPct val="166666"/>
-              <a:buFont typeface="Arial"/>
-              <a:buChar char="•"/>
-            </a:pPr>
-            <a:r>
-              <a:rPr lang="en" sz="2400">
-                <a:solidFill>
-                  <a:srgbClr val="000000"/>
-                </a:solidFill>
-              </a:rPr>
-              <a:t>You are sitting in the library with a group of people and you write some test cases on the whiteboard.</a:t>
-            </a:r>
-          </a:p>
-          <a:p>
-            <a:pPr marL="457200" lvl="0" indent="-381000" rtl="0">
-              <a:lnSpc>
-                <a:spcPct val="100000"/>
-              </a:lnSpc>
-              <a:spcBef>
-                <a:spcPts val="0"/>
-              </a:spcBef>
-              <a:buClr>
-                <a:srgbClr val="000000"/>
-              </a:buClr>
-              <a:buSzPct val="166666"/>
-              <a:buFont typeface="Arial"/>
-              <a:buChar char="•"/>
-            </a:pPr>
-            <a:r>
-              <a:rPr lang="en" sz="2400">
-                <a:solidFill>
-                  <a:srgbClr val="000000"/>
-                </a:solidFill>
-              </a:rPr>
-              <a:t>And then you all submit the same test cases, maybe with the numbers changed.</a:t>
-            </a:r>
-          </a:p>
-          <a:p>
-            <a:pPr marL="457200" lvl="0" indent="-381000" rtl="0">
-              <a:lnSpc>
-                <a:spcPct val="100000"/>
-              </a:lnSpc>
-              <a:spcBef>
-                <a:spcPts val="0"/>
-              </a:spcBef>
-              <a:buClr>
-                <a:srgbClr val="000000"/>
-              </a:buClr>
-              <a:buSzPct val="166666"/>
-              <a:buFont typeface="Arial"/>
-              <a:buChar char="•"/>
-            </a:pPr>
-            <a:r>
-              <a:rPr lang="en" sz="2400">
-                <a:solidFill>
-                  <a:srgbClr val="000000"/>
-                </a:solidFill>
-              </a:rPr>
-              <a:t>What happens next?</a:t>
-            </a:r>
-          </a:p>
-          <a:p>
-            <a:pPr marL="457200" lvl="0" indent="-381000" rtl="0">
-              <a:lnSpc>
-                <a:spcPct val="100000"/>
-              </a:lnSpc>
-              <a:spcBef>
-                <a:spcPts val="0"/>
-              </a:spcBef>
-              <a:buClr>
-                <a:srgbClr val="000000"/>
-              </a:buClr>
-              <a:buSzPct val="166666"/>
-              <a:buFont typeface="Arial"/>
-              <a:buChar char="•"/>
-            </a:pPr>
-            <a:r>
-              <a:rPr lang="en" sz="2400">
-                <a:solidFill>
-                  <a:srgbClr val="000000"/>
-                </a:solidFill>
-              </a:rPr>
-              <a:t>You all will be sent to OSCCR.</a:t>
-            </a:r>
-          </a:p>
-          <a:p>
-            <a:endParaRPr lang="en" sz="2400">
-              <a:solidFill>
-                <a:srgbClr val="000000"/>
-              </a:solidFill>
-            </a:endParaRPr>
-          </a:p>
-        </p:txBody>
-      </p:sp>
-    </p:spTree>
-  </p:cSld>
-  <p:clrMapOvr>
-    <a:masterClrMapping/>
-  </p:clrMapOvr>
-  <p:transition spd="slow">
-    <p:cut/>
-  </p:transition>
-  <p:timing>
-    <p:tnLst>
-      <p:par>
-        <p:cTn id="1" dur="indefinite" restart="never" nodeType="tmRoot">
-          <p:childTnLst>
-            <p:seq concurrent="1" nextAc="seek">
-              <p:cTn id="2" dur="indefinite" nodeType="mainSeq">
-                <p:childTnLst>
-                  <p:par>
-                    <p:cTn id="3" fill="hold">
-                      <p:stCondLst>
-                        <p:cond delay="indefinite"/>
-                      </p:stCondLst>
-                      <p:childTnLst>
-                        <p:par>
-                          <p:cTn id="4" fill="hold">
-                            <p:stCondLst>
-                              <p:cond delay="0"/>
-                            </p:stCondLst>
-                            <p:childTnLst>
-                              <p:par>
-                                <p:cTn id="5" presetID="10" presetClass="entr" presetSubtype="0" fill="hold" nodeType="clickEffect">
-                                  <p:stCondLst>
-                                    <p:cond delay="0"/>
-                                  </p:stCondLst>
-                                  <p:childTnLst>
-                                    <p:set>
-                                      <p:cBhvr>
-                                        <p:cTn id="6" dur="1" fill="hold">
-                                          <p:stCondLst>
-                                            <p:cond delay="0"/>
-                                          </p:stCondLst>
-                                        </p:cTn>
-                                        <p:tgtEl>
-                                          <p:spTgt spid="164">
-                                            <p:txEl>
-                                              <p:pRg st="0" end="0"/>
-                                            </p:txEl>
-                                          </p:spTgt>
-                                        </p:tgtEl>
-                                        <p:attrNameLst>
-                                          <p:attrName>style.visibility</p:attrName>
-                                        </p:attrNameLst>
-                                      </p:cBhvr>
-                                      <p:to>
-                                        <p:strVal val="visible"/>
-                                      </p:to>
-                                    </p:set>
-                                    <p:animEffect transition="in" filter="fade">
-                                      <p:cBhvr>
-                                        <p:cTn id="7" dur="1000"/>
-                                        <p:tgtEl>
-                                          <p:spTgt spid="164">
-                                            <p:txEl>
-                                              <p:pRg st="0" end="0"/>
-                                            </p:txEl>
-                                          </p:spTgt>
-                                        </p:tgtEl>
-                                      </p:cBhvr>
-                                    </p:animEffect>
-                                  </p:childTnLst>
-                                </p:cTn>
-                              </p:par>
-                            </p:childTnLst>
-                          </p:cTn>
-                        </p:par>
-                      </p:childTnLst>
-                    </p:cTn>
-                  </p:par>
-                  <p:par>
-                    <p:cTn id="8" fill="hold">
-                      <p:stCondLst>
-                        <p:cond delay="indefinite"/>
-                      </p:stCondLst>
-                      <p:childTnLst>
-                        <p:par>
-                          <p:cTn id="9" fill="hold">
-                            <p:stCondLst>
-                              <p:cond delay="0"/>
-                            </p:stCondLst>
-                            <p:childTnLst>
-                              <p:par>
-                                <p:cTn id="10" presetID="10" presetClass="entr" presetSubtype="0" fill="hold" nodeType="clickEffect">
-                                  <p:stCondLst>
-                                    <p:cond delay="0"/>
-                                  </p:stCondLst>
-                                  <p:childTnLst>
-                                    <p:set>
-                                      <p:cBhvr>
-                                        <p:cTn id="11" dur="1" fill="hold">
-                                          <p:stCondLst>
-                                            <p:cond delay="0"/>
-                                          </p:stCondLst>
-                                        </p:cTn>
-                                        <p:tgtEl>
-                                          <p:spTgt spid="164">
-                                            <p:txEl>
-                                              <p:pRg st="1" end="1"/>
-                                            </p:txEl>
-                                          </p:spTgt>
-                                        </p:tgtEl>
-                                        <p:attrNameLst>
-                                          <p:attrName>style.visibility</p:attrName>
-                                        </p:attrNameLst>
-                                      </p:cBhvr>
-                                      <p:to>
-                                        <p:strVal val="visible"/>
-                                      </p:to>
-                                    </p:set>
-                                    <p:animEffect transition="in" filter="fade">
-                                      <p:cBhvr>
-                                        <p:cTn id="12" dur="1000"/>
-                                        <p:tgtEl>
-                                          <p:spTgt spid="164">
-                                            <p:txEl>
-                                              <p:pRg st="1" end="1"/>
-                                            </p:txEl>
-                                          </p:spTgt>
-                                        </p:tgtEl>
-                                      </p:cBhvr>
-                                    </p:animEffect>
-                                  </p:childTnLst>
-                                </p:cTn>
-                              </p:par>
-                            </p:childTnLst>
-                          </p:cTn>
-                        </p:par>
-                      </p:childTnLst>
-                    </p:cTn>
-                  </p:par>
-                  <p:par>
-                    <p:cTn id="13" fill="hold">
-                      <p:stCondLst>
-                        <p:cond delay="indefinite"/>
-                      </p:stCondLst>
-                      <p:childTnLst>
-                        <p:par>
-                          <p:cTn id="14" fill="hold">
-                            <p:stCondLst>
-                              <p:cond delay="0"/>
-                            </p:stCondLst>
-                            <p:childTnLst>
-                              <p:par>
-                                <p:cTn id="15" presetID="10" presetClass="entr" presetSubtype="0" fill="hold" nodeType="clickEffect">
-                                  <p:stCondLst>
-                                    <p:cond delay="0"/>
-                                  </p:stCondLst>
-                                  <p:childTnLst>
-                                    <p:set>
-                                      <p:cBhvr>
-                                        <p:cTn id="16" dur="1" fill="hold">
-                                          <p:stCondLst>
-                                            <p:cond delay="0"/>
-                                          </p:stCondLst>
-                                        </p:cTn>
-                                        <p:tgtEl>
-                                          <p:spTgt spid="164">
-                                            <p:txEl>
-                                              <p:pRg st="2" end="2"/>
-                                            </p:txEl>
-                                          </p:spTgt>
-                                        </p:tgtEl>
-                                        <p:attrNameLst>
-                                          <p:attrName>style.visibility</p:attrName>
-                                        </p:attrNameLst>
-                                      </p:cBhvr>
-                                      <p:to>
-                                        <p:strVal val="visible"/>
-                                      </p:to>
-                                    </p:set>
-                                    <p:animEffect transition="in" filter="fade">
-                                      <p:cBhvr>
-                                        <p:cTn id="17" dur="1000"/>
-                                        <p:tgtEl>
-                                          <p:spTgt spid="164">
-                                            <p:txEl>
-                                              <p:pRg st="2" end="2"/>
-                                            </p:txEl>
-                                          </p:spTgt>
-                                        </p:tgtEl>
-                                      </p:cBhvr>
-                                    </p:animEffect>
-                                  </p:childTnLst>
-                                </p:cTn>
-                              </p:par>
-                            </p:childTnLst>
-                          </p:cTn>
-                        </p:par>
-                      </p:childTnLst>
-                    </p:cTn>
-                  </p:par>
-                  <p:par>
-                    <p:cTn id="18" fill="hold">
-                      <p:stCondLst>
-                        <p:cond delay="indefinite"/>
-                      </p:stCondLst>
-                      <p:childTnLst>
-                        <p:par>
-                          <p:cTn id="19" fill="hold">
-                            <p:stCondLst>
-                              <p:cond delay="0"/>
-                            </p:stCondLst>
-                            <p:childTnLst>
-                              <p:par>
-                                <p:cTn id="20" presetID="10" presetClass="entr" presetSubtype="0" fill="hold" nodeType="clickEffect">
-                                  <p:stCondLst>
-                                    <p:cond delay="0"/>
-                                  </p:stCondLst>
-                                  <p:childTnLst>
-                                    <p:set>
-                                      <p:cBhvr>
-                                        <p:cTn id="21" dur="1" fill="hold">
-                                          <p:stCondLst>
-                                            <p:cond delay="0"/>
-                                          </p:stCondLst>
-                                        </p:cTn>
-                                        <p:tgtEl>
-                                          <p:spTgt spid="164">
-                                            <p:txEl>
-                                              <p:pRg st="3" end="3"/>
-                                            </p:txEl>
-                                          </p:spTgt>
-                                        </p:tgtEl>
-                                        <p:attrNameLst>
-                                          <p:attrName>style.visibility</p:attrName>
-                                        </p:attrNameLst>
-                                      </p:cBhvr>
-                                      <p:to>
-                                        <p:strVal val="visible"/>
-                                      </p:to>
-                                    </p:set>
-                                    <p:animEffect transition="in" filter="fade">
-                                      <p:cBhvr>
-                                        <p:cTn id="22" dur="1000"/>
-                                        <p:tgtEl>
-                                          <p:spTgt spid="164">
-                                            <p:txEl>
-                                              <p:pRg st="3" end="3"/>
-                                            </p:txEl>
-                                          </p:spTgt>
-                                        </p:tgtEl>
-                                      </p:cBhvr>
-                                    </p:animEffect>
-                                  </p:childTnLst>
-                                </p:cTn>
-                              </p:par>
-                            </p:childTnLst>
-                          </p:cTn>
-                        </p:par>
-                      </p:childTnLst>
-                    </p:cTn>
-                  </p:par>
-                  <p:par>
-                    <p:cTn id="23" fill="hold">
-                      <p:stCondLst>
-                        <p:cond delay="indefinite"/>
-                      </p:stCondLst>
-                      <p:childTnLst>
-                        <p:par>
-                          <p:cTn id="24" fill="hold">
-                            <p:stCondLst>
-                              <p:cond delay="0"/>
-                            </p:stCondLst>
-                            <p:childTnLst>
-                              <p:par>
-                                <p:cTn id="25" presetID="10" presetClass="entr" presetSubtype="0" fill="hold" nodeType="clickEffect">
-                                  <p:stCondLst>
-                                    <p:cond delay="0"/>
-                                  </p:stCondLst>
-                                  <p:childTnLst>
-                                    <p:set>
-                                      <p:cBhvr>
-                                        <p:cTn id="26" dur="1" fill="hold">
-                                          <p:stCondLst>
-                                            <p:cond delay="0"/>
-                                          </p:stCondLst>
-                                        </p:cTn>
-                                        <p:tgtEl>
-                                          <p:spTgt spid="164">
-                                            <p:txEl>
-                                              <p:pRg st="4" end="4"/>
-                                            </p:txEl>
-                                          </p:spTgt>
-                                        </p:tgtEl>
-                                        <p:attrNameLst>
-                                          <p:attrName>style.visibility</p:attrName>
-                                        </p:attrNameLst>
-                                      </p:cBhvr>
-                                      <p:to>
-                                        <p:strVal val="visible"/>
-                                      </p:to>
-                                    </p:set>
-                                    <p:animEffect transition="in" filter="fade">
-                                      <p:cBhvr>
-                                        <p:cTn id="27" dur="1000"/>
-                                        <p:tgtEl>
-                                          <p:spTgt spid="164">
-                                            <p:txEl>
-                                              <p:pRg st="4" end="4"/>
-                                            </p:txEl>
-                                          </p:spTgt>
-                                        </p:tgtEl>
-                                      </p:cBhvr>
-                                    </p:animEffect>
-                                  </p:childTnLst>
-                                </p:cTn>
-                              </p:par>
-                            </p:childTnLst>
-                          </p:cTn>
-                        </p:par>
-                      </p:childTnLst>
-                    </p:cTn>
-                  </p:par>
-                </p:childTnLst>
-              </p:cTn>
-              <p:prevCondLst>
-                <p:cond evt="onPrev" delay="0">
-                  <p:tgtEl>
-                    <p:sldTgt/>
-                  </p:tgtEl>
-                </p:cond>
-              </p:prevCondLst>
-              <p:nextCondLst>
-                <p:cond evt="onNext" delay="0">
-                  <p:tgtEl>
-                    <p:sldTgt/>
-                  </p:tgtEl>
-                </p:cond>
-              </p:nextCondLst>
-            </p:seq>
-          </p:childTnLst>
-        </p:cTn>
-      </p:par>
-    </p:tnLst>
-  </p:timing>
-</p:sld>
-</file>
-
-<file path=ppt/slides/slide11.xml><?xml version="1.0" encoding="utf-8"?>
-<p:sld xmlns:a="http://schemas.openxmlformats.org/drawingml/2006/main" xmlns:r="http://schemas.openxmlformats.org/officeDocument/2006/relationships" xmlns:p="http://schemas.openxmlformats.org/presentationml/2006/main">
-  <p:cSld>
-    <p:spTree>
-      <p:nvGrpSpPr>
-        <p:cNvPr id="1" name="Shape 168"/>
-        <p:cNvGrpSpPr/>
-        <p:nvPr/>
-      </p:nvGrpSpPr>
-      <p:grpSpPr>
-        <a:xfrm>
-          <a:off x="0" y="0"/>
-          <a:ext cx="0" cy="0"/>
-          <a:chOff x="0" y="0"/>
-          <a:chExt cx="0" cy="0"/>
-        </a:xfrm>
-      </p:grpSpPr>
-      <p:sp>
-        <p:nvSpPr>
-          <p:cNvPr id="169" name="Shape 169"/>
-          <p:cNvSpPr txBox="1">
-            <a:spLocks noGrp="1"/>
-          </p:cNvSpPr>
-          <p:nvPr>
-            <p:ph type="title"/>
-          </p:nvPr>
-        </p:nvSpPr>
-        <p:spPr>
-          <a:xfrm>
-            <a:off x="457200" y="274637"/>
-            <a:ext cx="8229600" cy="1143000"/>
-          </a:xfrm>
-          <a:prstGeom prst="rect">
-            <a:avLst/>
-          </a:prstGeom>
-        </p:spPr>
-        <p:txBody>
-          <a:bodyPr lIns="91425" tIns="91425" rIns="91425" bIns="91425" anchor="ctr" anchorCtr="0">
-            <a:noAutofit/>
-          </a:bodyPr>
-          <a:lstStyle/>
-          <a:p>
-            <a:pPr>
-              <a:buNone/>
-            </a:pPr>
-            <a:r>
-              <a:rPr lang="en"/>
-              <a:t>What happens if I get caught?</a:t>
-            </a:r>
-          </a:p>
-        </p:txBody>
-      </p:sp>
-      <p:sp>
-        <p:nvSpPr>
-          <p:cNvPr id="170" name="Shape 170"/>
-          <p:cNvSpPr txBox="1">
-            <a:spLocks noGrp="1"/>
-          </p:cNvSpPr>
-          <p:nvPr>
-            <p:ph type="body" idx="1"/>
-          </p:nvPr>
-        </p:nvSpPr>
-        <p:spPr>
-          <a:xfrm>
-            <a:off x="457200" y="1600200"/>
-            <a:ext cx="8229600" cy="4526100"/>
-          </a:xfrm>
-          <a:prstGeom prst="rect">
-            <a:avLst/>
-          </a:prstGeom>
-        </p:spPr>
-        <p:txBody>
-          <a:bodyPr lIns="91425" tIns="91425" rIns="91425" bIns="91425" anchor="t" anchorCtr="0">
-            <a:noAutofit/>
-          </a:bodyPr>
-          <a:lstStyle/>
-          <a:p>
-            <a:pPr marL="457200" lvl="0" indent="-381000" rtl="0">
-              <a:buClr>
-                <a:schemeClr val="dk1"/>
-              </a:buClr>
-              <a:buSzPct val="100000"/>
-              <a:buFont typeface="Calibri"/>
-              <a:buChar char="●"/>
-            </a:pPr>
-            <a:r>
-              <a:rPr lang="en" sz="2400"/>
-              <a:t>You will get called to my office and I will show you what you did.</a:t>
-            </a:r>
-          </a:p>
-          <a:p>
-            <a:pPr marL="457200" lvl="0" indent="-381000" rtl="0">
-              <a:buClr>
-                <a:schemeClr val="dk1"/>
-              </a:buClr>
-              <a:buSzPct val="100000"/>
-              <a:buFont typeface="Calibri"/>
-              <a:buChar char="●"/>
-            </a:pPr>
-            <a:r>
-              <a:rPr lang="en" sz="2400"/>
-              <a:t>You will receive a grade penalty in the course.</a:t>
-            </a:r>
-          </a:p>
-          <a:p>
-            <a:pPr marL="457200" lvl="0" indent="-381000" rtl="0">
-              <a:buClr>
-                <a:schemeClr val="dk1"/>
-              </a:buClr>
-              <a:buSzPct val="100000"/>
-              <a:buFont typeface="Calibri"/>
-              <a:buChar char="●"/>
-            </a:pPr>
-            <a:r>
-              <a:rPr lang="en" sz="2400"/>
-              <a:t>You will be sent to OSCCR.</a:t>
-            </a:r>
-          </a:p>
-          <a:p>
-            <a:pPr marL="914400" lvl="1" indent="-381000" rtl="0">
-              <a:buClr>
-                <a:schemeClr val="dk1"/>
-              </a:buClr>
-              <a:buSzPct val="100000"/>
-              <a:buFont typeface="Calibri"/>
-              <a:buChar char="○"/>
-            </a:pPr>
-            <a:r>
-              <a:rPr lang="en" sz="2400"/>
-              <a:t>They will assign a non-academic penalty (typically some form of suspension, possibly deferred if there are no future violations)</a:t>
-            </a:r>
-          </a:p>
-          <a:p>
-            <a:pPr marL="914400" lvl="1" indent="-381000" rtl="0">
-              <a:buClr>
-                <a:schemeClr val="dk1"/>
-              </a:buClr>
-              <a:buSzPct val="100000"/>
-              <a:buFont typeface="Calibri"/>
-              <a:buChar char="○"/>
-            </a:pPr>
-            <a:r>
-              <a:rPr lang="en" sz="2400"/>
-              <a:t>A second OSCCR violation typically results in expulsion from the University.</a:t>
-            </a:r>
-          </a:p>
-          <a:p>
-            <a:pPr marL="1371600" lvl="2" indent="-381000">
-              <a:buClr>
-                <a:schemeClr val="dk1"/>
-              </a:buClr>
-              <a:buSzPct val="75000"/>
-              <a:buFont typeface="Calibri"/>
-              <a:buChar char="■"/>
-            </a:pPr>
-            <a:r>
-              <a:rPr lang="en"/>
-              <a:t>I have seen this happen!</a:t>
-            </a:r>
-          </a:p>
-        </p:txBody>
-      </p:sp>
-    </p:spTree>
-  </p:cSld>
-  <p:clrMapOvr>
-    <a:masterClrMapping/>
-  </p:clrMapOvr>
-  <p:transition spd="slow">
-    <p:cut/>
-  </p:transition>
-</p:sld>
-</file>
-
-<file path=ppt/slides/slide12.xml><?xml version="1.0" encoding="utf-8"?>
-<p:sld xmlns:a="http://schemas.openxmlformats.org/drawingml/2006/main" xmlns:r="http://schemas.openxmlformats.org/officeDocument/2006/relationships" xmlns:p="http://schemas.openxmlformats.org/presentationml/2006/main">
-  <p:cSld>
-    <p:spTree>
-      <p:nvGrpSpPr>
-        <p:cNvPr id="1" name="Shape 174"/>
-        <p:cNvGrpSpPr/>
-        <p:nvPr/>
-      </p:nvGrpSpPr>
-      <p:grpSpPr>
-        <a:xfrm>
-          <a:off x="0" y="0"/>
-          <a:ext cx="0" cy="0"/>
-          <a:chOff x="0" y="0"/>
-          <a:chExt cx="0" cy="0"/>
-        </a:xfrm>
-      </p:grpSpPr>
-      <p:sp>
-        <p:nvSpPr>
-          <p:cNvPr id="175" name="Shape 175"/>
-          <p:cNvSpPr txBox="1">
-            <a:spLocks noGrp="1"/>
-          </p:cNvSpPr>
-          <p:nvPr>
-            <p:ph type="title"/>
-          </p:nvPr>
-        </p:nvSpPr>
-        <p:spPr>
-          <a:xfrm>
-            <a:off x="457200" y="274637"/>
-            <a:ext cx="8229600" cy="1143000"/>
-          </a:xfrm>
-          <a:prstGeom prst="rect">
-            <a:avLst/>
-          </a:prstGeom>
-        </p:spPr>
-        <p:txBody>
-          <a:bodyPr lIns="91425" tIns="91425" rIns="91425" bIns="91425" anchor="ctr" anchorCtr="0">
-            <a:noAutofit/>
-          </a:bodyPr>
-          <a:lstStyle/>
-          <a:p>
-            <a:pPr>
-              <a:buNone/>
-            </a:pPr>
-            <a:r>
-              <a:rPr lang="en" sz="4000" dirty="0"/>
-              <a:t>What happens if I don’t get caught?</a:t>
-            </a:r>
-          </a:p>
-        </p:txBody>
-      </p:sp>
-      <p:sp>
-        <p:nvSpPr>
-          <p:cNvPr id="176" name="Shape 176"/>
-          <p:cNvSpPr txBox="1">
-            <a:spLocks noGrp="1"/>
-          </p:cNvSpPr>
-          <p:nvPr>
-            <p:ph type="body" idx="1"/>
-          </p:nvPr>
-        </p:nvSpPr>
-        <p:spPr>
-          <a:xfrm>
-            <a:off x="457200" y="1600200"/>
-            <a:ext cx="8229600" cy="4526100"/>
-          </a:xfrm>
-          <a:prstGeom prst="rect">
-            <a:avLst/>
-          </a:prstGeom>
-        </p:spPr>
-        <p:txBody>
-          <a:bodyPr lIns="91425" tIns="91425" rIns="91425" bIns="91425" anchor="t" anchorCtr="0">
-            <a:noAutofit/>
-          </a:bodyPr>
-          <a:lstStyle/>
-          <a:p>
-            <a:pPr marL="457200" lvl="0" indent="-419100" rtl="0">
-              <a:buClr>
-                <a:schemeClr val="dk1"/>
-              </a:buClr>
-              <a:buSzPct val="100000"/>
-              <a:buFont typeface="Calibri"/>
-              <a:buChar char="●"/>
-            </a:pPr>
-            <a:r>
-              <a:rPr lang="en" sz="3000" dirty="0"/>
-              <a:t>You go on to the next course, and do poorly because you are unprepared</a:t>
-            </a:r>
-          </a:p>
-          <a:p>
-            <a:pPr marL="457200" lvl="0" indent="-419100" rtl="0">
-              <a:buClr>
-                <a:schemeClr val="dk1"/>
-              </a:buClr>
-              <a:buSzPct val="100000"/>
-              <a:buFont typeface="Calibri"/>
-              <a:buChar char="●"/>
-            </a:pPr>
-            <a:r>
-              <a:rPr lang="en" sz="3000" dirty="0"/>
-              <a:t>You go out on an interview, and do poorly because you are unprepared</a:t>
-            </a:r>
-          </a:p>
-          <a:p>
-            <a:pPr marL="457200" lvl="0" indent="-419100" rtl="0">
-              <a:buClr>
-                <a:schemeClr val="dk1"/>
-              </a:buClr>
-              <a:buSzPct val="100000"/>
-              <a:buFont typeface="Calibri"/>
-              <a:buChar char="●"/>
-            </a:pPr>
-            <a:r>
-              <a:rPr lang="en" sz="3000" dirty="0"/>
-              <a:t>You manage to get a job, but do poorly because you are unprepared.</a:t>
-            </a:r>
-          </a:p>
-          <a:p>
-            <a:pPr marL="457200" lvl="0" indent="-419100">
-              <a:buClr>
-                <a:schemeClr val="dk1"/>
-              </a:buClr>
-              <a:buSzPct val="100000"/>
-              <a:buFont typeface="Calibri"/>
-              <a:buChar char="●"/>
-            </a:pPr>
-            <a:r>
-              <a:rPr lang="en" sz="3000" dirty="0"/>
-              <a:t>Your co-op employer is so disappointed by your performance that he decides not to interview any more NU students.</a:t>
-            </a:r>
-          </a:p>
-        </p:txBody>
-      </p:sp>
-    </p:spTree>
-  </p:cSld>
-  <p:clrMapOvr>
-    <a:masterClrMapping/>
-  </p:clrMapOvr>
-  <p:transition spd="slow">
-    <p:cut/>
-  </p:transition>
-</p:sld>
-</file>
-
-<file path=ppt/slides/slide13.xml><?xml version="1.0" encoding="utf-8"?>
-<p:sld xmlns:a="http://schemas.openxmlformats.org/drawingml/2006/main" xmlns:r="http://schemas.openxmlformats.org/officeDocument/2006/relationships" xmlns:p="http://schemas.openxmlformats.org/presentationml/2006/main">
-  <p:cSld>
-    <p:spTree>
-      <p:nvGrpSpPr>
-        <p:cNvPr id="1" name="Shape 180"/>
-        <p:cNvGrpSpPr/>
-        <p:nvPr/>
-      </p:nvGrpSpPr>
-      <p:grpSpPr>
-        <a:xfrm>
-          <a:off x="0" y="0"/>
-          <a:ext cx="0" cy="0"/>
-          <a:chOff x="0" y="0"/>
-          <a:chExt cx="0" cy="0"/>
-        </a:xfrm>
-      </p:grpSpPr>
-      <p:sp>
-        <p:nvSpPr>
-          <p:cNvPr id="181" name="Shape 181"/>
-          <p:cNvSpPr txBox="1">
-            <a:spLocks noGrp="1"/>
-          </p:cNvSpPr>
-          <p:nvPr>
-            <p:ph type="title"/>
-          </p:nvPr>
-        </p:nvSpPr>
-        <p:spPr>
-          <a:xfrm>
-            <a:off x="457200" y="274637"/>
-            <a:ext cx="8229600" cy="1143000"/>
-          </a:xfrm>
-          <a:prstGeom prst="rect">
-            <a:avLst/>
-          </a:prstGeom>
-        </p:spPr>
-        <p:txBody>
-          <a:bodyPr lIns="91425" tIns="91425" rIns="91425" bIns="91425" anchor="ctr" anchorCtr="0">
-            <a:noAutofit/>
-          </a:bodyPr>
-          <a:lstStyle/>
-          <a:p>
-            <a:pPr>
-              <a:buNone/>
-            </a:pPr>
-            <a:r>
-              <a:rPr lang="en"/>
-              <a:t>Avoiding Problems (1)</a:t>
-            </a:r>
-          </a:p>
-        </p:txBody>
-      </p:sp>
-      <p:sp>
-        <p:nvSpPr>
-          <p:cNvPr id="182" name="Shape 182"/>
-          <p:cNvSpPr txBox="1">
-            <a:spLocks noGrp="1"/>
-          </p:cNvSpPr>
-          <p:nvPr>
-            <p:ph type="body" idx="1"/>
-          </p:nvPr>
-        </p:nvSpPr>
-        <p:spPr>
-          <a:xfrm>
-            <a:off x="457200" y="1600200"/>
-            <a:ext cx="8229600" cy="4526100"/>
-          </a:xfrm>
-          <a:prstGeom prst="rect">
-            <a:avLst/>
-          </a:prstGeom>
-        </p:spPr>
-        <p:txBody>
-          <a:bodyPr lIns="91425" tIns="91425" rIns="91425" bIns="91425" anchor="t" anchorCtr="0">
-            <a:noAutofit/>
-          </a:bodyPr>
-          <a:lstStyle/>
-          <a:p>
-            <a:pPr marL="457200" lvl="0" indent="-419100" rtl="0">
-              <a:buClr>
-                <a:schemeClr val="dk1"/>
-              </a:buClr>
-              <a:buSzPct val="100000"/>
-              <a:buFont typeface="Calibri"/>
-              <a:buChar char="●"/>
-            </a:pPr>
-            <a:r>
-              <a:rPr lang="en" sz="3000">
-                <a:solidFill>
-                  <a:srgbClr val="000000"/>
-                </a:solidFill>
-              </a:rPr>
-              <a:t>Students typically report that this course requires about 20 hours of work per week, so budget your time accordingly. </a:t>
-            </a:r>
-          </a:p>
-          <a:p>
-            <a:pPr marL="457200" lvl="0" indent="-419100" rtl="0">
-              <a:buClr>
-                <a:schemeClr val="dk1"/>
-              </a:buClr>
-              <a:buSzPct val="100000"/>
-              <a:buFont typeface="Calibri"/>
-              <a:buChar char="●"/>
-            </a:pPr>
-            <a:r>
-              <a:rPr lang="en" sz="3000">
-                <a:solidFill>
-                  <a:srgbClr val="000000"/>
-                </a:solidFill>
-              </a:rPr>
-              <a:t>We know that students who are under time pressure are far more likely to resort to theft. </a:t>
-            </a:r>
-          </a:p>
-          <a:p>
-            <a:pPr marL="457200" lvl="0" indent="-419100" rtl="0">
-              <a:buClr>
-                <a:schemeClr val="dk1"/>
-              </a:buClr>
-              <a:buSzPct val="100000"/>
-              <a:buFont typeface="Calibri"/>
-              <a:buChar char="●"/>
-            </a:pPr>
-            <a:r>
-              <a:rPr lang="en" sz="3000">
-                <a:solidFill>
-                  <a:srgbClr val="000000"/>
-                </a:solidFill>
-              </a:rPr>
-              <a:t>Time pressure or stress is not an acceptable excuse. </a:t>
-            </a:r>
-          </a:p>
-          <a:p>
-            <a:pPr marL="457200" lvl="0" indent="-419100">
-              <a:buClr>
-                <a:schemeClr val="dk1"/>
-              </a:buClr>
-              <a:buSzPct val="100000"/>
-              <a:buFont typeface="Calibri"/>
-              <a:buChar char="●"/>
-            </a:pPr>
-            <a:r>
-              <a:rPr lang="en" sz="3000" b="1">
-                <a:solidFill>
-                  <a:srgbClr val="FF0000"/>
-                </a:solidFill>
-              </a:rPr>
-              <a:t>The measure of character is not what you do when things are easy; it is what you do when things get tough.</a:t>
-            </a:r>
-          </a:p>
-        </p:txBody>
-      </p:sp>
-    </p:spTree>
-  </p:cSld>
-  <p:clrMapOvr>
-    <a:masterClrMapping/>
-  </p:clrMapOvr>
-  <p:transition spd="slow">
-    <p:cut/>
-  </p:transition>
-</p:sld>
-</file>
-
-<file path=ppt/slides/slide14.xml><?xml version="1.0" encoding="utf-8"?>
-<p:sld xmlns:a="http://schemas.openxmlformats.org/drawingml/2006/main" xmlns:r="http://schemas.openxmlformats.org/officeDocument/2006/relationships" xmlns:p="http://schemas.openxmlformats.org/presentationml/2006/main">
-  <p:cSld>
-    <p:spTree>
-      <p:nvGrpSpPr>
-        <p:cNvPr id="1" name="Shape 186"/>
-        <p:cNvGrpSpPr/>
-        <p:nvPr/>
-      </p:nvGrpSpPr>
-      <p:grpSpPr>
-        <a:xfrm>
-          <a:off x="0" y="0"/>
-          <a:ext cx="0" cy="0"/>
-          <a:chOff x="0" y="0"/>
-          <a:chExt cx="0" cy="0"/>
-        </a:xfrm>
-      </p:grpSpPr>
-      <p:sp>
-        <p:nvSpPr>
-          <p:cNvPr id="187" name="Shape 187"/>
-          <p:cNvSpPr txBox="1">
-            <a:spLocks noGrp="1"/>
-          </p:cNvSpPr>
-          <p:nvPr>
-            <p:ph type="title"/>
-          </p:nvPr>
-        </p:nvSpPr>
-        <p:spPr>
-          <a:xfrm>
-            <a:off x="457200" y="274637"/>
-            <a:ext cx="8229600" cy="1143000"/>
-          </a:xfrm>
-          <a:prstGeom prst="rect">
-            <a:avLst/>
-          </a:prstGeom>
-        </p:spPr>
-        <p:txBody>
-          <a:bodyPr lIns="91425" tIns="91425" rIns="91425" bIns="91425" anchor="ctr" anchorCtr="0">
-            <a:noAutofit/>
-          </a:bodyPr>
-          <a:lstStyle/>
-          <a:p>
-            <a:pPr>
-              <a:buNone/>
-            </a:pPr>
-            <a:r>
-              <a:rPr lang="en"/>
-              <a:t>Avoiding Problems (2)</a:t>
-            </a:r>
-          </a:p>
-        </p:txBody>
-      </p:sp>
-      <p:sp>
-        <p:nvSpPr>
-          <p:cNvPr id="188" name="Shape 188"/>
-          <p:cNvSpPr txBox="1">
-            <a:spLocks noGrp="1"/>
-          </p:cNvSpPr>
-          <p:nvPr>
-            <p:ph type="body" idx="1"/>
-          </p:nvPr>
-        </p:nvSpPr>
-        <p:spPr>
-          <a:xfrm>
-            <a:off x="457200" y="1600200"/>
-            <a:ext cx="8229600" cy="4526100"/>
-          </a:xfrm>
-          <a:prstGeom prst="rect">
-            <a:avLst/>
-          </a:prstGeom>
-        </p:spPr>
-        <p:txBody>
-          <a:bodyPr lIns="91425" tIns="91425" rIns="91425" bIns="91425" anchor="t" anchorCtr="0">
-            <a:noAutofit/>
-          </a:bodyPr>
-          <a:lstStyle/>
-          <a:p>
-            <a:pPr marL="457200" lvl="0" indent="-381000" rtl="0">
-              <a:buClr>
-                <a:srgbClr val="000000"/>
-              </a:buClr>
-              <a:buSzPct val="100000"/>
-              <a:buFont typeface="Calibri"/>
-              <a:buChar char="●"/>
-            </a:pPr>
-            <a:r>
-              <a:rPr lang="en" sz="2400" dirty="0">
-                <a:solidFill>
-                  <a:srgbClr val="000000"/>
-                </a:solidFill>
-              </a:rPr>
-              <a:t>Guard your work! </a:t>
-            </a:r>
-          </a:p>
-          <a:p>
-            <a:pPr marL="457200" lvl="0" indent="-381000" rtl="0">
-              <a:buClr>
-                <a:srgbClr val="000000"/>
-              </a:buClr>
-              <a:buSzPct val="100000"/>
-              <a:buFont typeface="Calibri"/>
-              <a:buChar char="●"/>
-            </a:pPr>
-            <a:r>
-              <a:rPr lang="en" sz="2400" dirty="0">
-                <a:solidFill>
-                  <a:srgbClr val="000000"/>
-                </a:solidFill>
-              </a:rPr>
-              <a:t>If you keep your work on your home machine, be sure your machine is secure, both from Internet hostiles and from your roommates, etc.</a:t>
-            </a:r>
-          </a:p>
-          <a:p>
-            <a:pPr marL="914400" lvl="1" indent="-381000" rtl="0">
-              <a:buClr>
-                <a:srgbClr val="000000"/>
-              </a:buClr>
-              <a:buSzPct val="100000"/>
-              <a:buFont typeface="Calibri"/>
-              <a:buChar char="○"/>
-            </a:pPr>
-            <a:r>
-              <a:rPr lang="en" sz="2400" dirty="0">
-                <a:solidFill>
-                  <a:srgbClr val="000000"/>
-                </a:solidFill>
-              </a:rPr>
-              <a:t>Keep your machine locked! It only takes a minute for your roommate, or for the person sitting next to you in the hallway, to stick a USB drive in your machine and steal your work. </a:t>
-            </a:r>
-          </a:p>
-          <a:p>
-            <a:pPr marL="457200" lvl="0" indent="-381000" rtl="0">
-              <a:buClr>
-                <a:srgbClr val="000000"/>
-              </a:buClr>
-              <a:buSzPct val="100000"/>
-              <a:buFont typeface="Calibri"/>
-              <a:buChar char="●"/>
-            </a:pPr>
-            <a:r>
-              <a:rPr lang="en" sz="2400" b="1" dirty="0">
-                <a:solidFill>
-                  <a:srgbClr val="000000"/>
-                </a:solidFill>
-              </a:rPr>
-              <a:t>Don't discount this; we have encountered theft by roommates on a regular basis in the past.</a:t>
-            </a:r>
-          </a:p>
-          <a:p>
-            <a:pPr marL="914400" lvl="1" indent="-381000">
-              <a:buClr>
-                <a:srgbClr val="000000"/>
-              </a:buClr>
-              <a:buSzPct val="100000"/>
-              <a:buFont typeface="Calibri"/>
-              <a:buChar char="○"/>
-            </a:pPr>
-            <a:r>
-              <a:rPr lang="en" sz="2400" dirty="0">
-                <a:solidFill>
-                  <a:srgbClr val="000000"/>
-                </a:solidFill>
-              </a:rPr>
-              <a:t>Remember that physical security is a prerequisite for information security.</a:t>
-            </a:r>
-          </a:p>
-        </p:txBody>
-      </p:sp>
-    </p:spTree>
-  </p:cSld>
-  <p:clrMapOvr>
-    <a:masterClrMapping/>
-  </p:clrMapOvr>
-  <p:transition spd="slow">
-    <p:cut/>
-  </p:transition>
-</p:sld>
-</file>
-
-<file path=ppt/slides/slide15.xml><?xml version="1.0" encoding="utf-8"?>
-<p:sld xmlns:a="http://schemas.openxmlformats.org/drawingml/2006/main" xmlns:r="http://schemas.openxmlformats.org/officeDocument/2006/relationships" xmlns:p="http://schemas.openxmlformats.org/presentationml/2006/main">
-  <p:cSld>
-    <p:spTree>
-      <p:nvGrpSpPr>
-        <p:cNvPr id="1" name="Shape 192"/>
-        <p:cNvGrpSpPr/>
-        <p:nvPr/>
-      </p:nvGrpSpPr>
-      <p:grpSpPr>
-        <a:xfrm>
-          <a:off x="0" y="0"/>
-          <a:ext cx="0" cy="0"/>
-          <a:chOff x="0" y="0"/>
-          <a:chExt cx="0" cy="0"/>
-        </a:xfrm>
-      </p:grpSpPr>
-      <p:sp>
-        <p:nvSpPr>
-          <p:cNvPr id="193" name="Shape 193"/>
-          <p:cNvSpPr txBox="1">
-            <a:spLocks noGrp="1"/>
-          </p:cNvSpPr>
-          <p:nvPr>
-            <p:ph type="title"/>
-          </p:nvPr>
-        </p:nvSpPr>
-        <p:spPr>
-          <a:xfrm>
-            <a:off x="457200" y="274637"/>
-            <a:ext cx="8229600" cy="1143000"/>
-          </a:xfrm>
-          <a:prstGeom prst="rect">
-            <a:avLst/>
-          </a:prstGeom>
-        </p:spPr>
-        <p:txBody>
-          <a:bodyPr lIns="91425" tIns="91425" rIns="91425" bIns="91425" anchor="ctr" anchorCtr="0">
-            <a:noAutofit/>
-          </a:bodyPr>
-          <a:lstStyle/>
-          <a:p>
-            <a:pPr>
-              <a:buNone/>
-            </a:pPr>
-            <a:r>
-              <a:rPr lang="en"/>
-              <a:t>Sorry about that...</a:t>
-            </a:r>
-          </a:p>
-        </p:txBody>
-      </p:sp>
-      <p:sp>
-        <p:nvSpPr>
-          <p:cNvPr id="194" name="Shape 194"/>
-          <p:cNvSpPr txBox="1">
-            <a:spLocks noGrp="1"/>
-          </p:cNvSpPr>
-          <p:nvPr>
-            <p:ph type="body" idx="1"/>
-          </p:nvPr>
-        </p:nvSpPr>
-        <p:spPr>
-          <a:xfrm>
-            <a:off x="457200" y="1600200"/>
-            <a:ext cx="8229600" cy="4526100"/>
-          </a:xfrm>
-          <a:prstGeom prst="rect">
-            <a:avLst/>
-          </a:prstGeom>
-        </p:spPr>
-        <p:txBody>
-          <a:bodyPr lIns="91425" tIns="91425" rIns="91425" bIns="91425" anchor="t" anchorCtr="0">
-            <a:noAutofit/>
-          </a:bodyPr>
-          <a:lstStyle/>
-          <a:p>
-            <a:pPr marL="457200" lvl="0" indent="-419100" rtl="0">
-              <a:buClr>
-                <a:schemeClr val="dk1"/>
-              </a:buClr>
-              <a:buSzPct val="100000"/>
-              <a:buFont typeface="Calibri"/>
-              <a:buChar char="●"/>
-            </a:pPr>
-            <a:r>
-              <a:rPr lang="en" sz="3000"/>
-              <a:t>I know that most of you are honest, and none of this will apply to you</a:t>
-            </a:r>
-          </a:p>
-          <a:p>
-            <a:pPr marL="457200" lvl="0" indent="-419100" rtl="0">
-              <a:buClr>
-                <a:schemeClr val="dk1"/>
-              </a:buClr>
-              <a:buSzPct val="100000"/>
-              <a:buFont typeface="Calibri"/>
-              <a:buChar char="●"/>
-            </a:pPr>
-            <a:r>
-              <a:rPr lang="en" sz="3000"/>
-              <a:t>BUT cheating happens often enough that we need to have policies about it, and you need to know them.</a:t>
-            </a:r>
-          </a:p>
-          <a:p>
-            <a:pPr marL="457200" lvl="0" indent="-419100" rtl="0">
-              <a:buClr>
-                <a:schemeClr val="dk1"/>
-              </a:buClr>
-              <a:buSzPct val="100000"/>
-              <a:buFont typeface="Calibri"/>
-              <a:buChar char="●"/>
-            </a:pPr>
-            <a:r>
-              <a:rPr lang="en" sz="3000"/>
-              <a:t>If you have any questions about any actions that you have done or are thinking about, please come talk to the course staff immediately.</a:t>
-            </a:r>
-          </a:p>
-          <a:p>
-            <a:pPr marL="457200" lvl="0" indent="-419100">
-              <a:buClr>
-                <a:schemeClr val="dk1"/>
-              </a:buClr>
-              <a:buSzPct val="100000"/>
-              <a:buFont typeface="Calibri"/>
-              <a:buChar char="●"/>
-            </a:pPr>
-            <a:r>
-              <a:rPr lang="en" sz="3000"/>
-              <a:t>You can send me a private message on Piazza. </a:t>
-            </a:r>
-          </a:p>
-        </p:txBody>
-      </p:sp>
-    </p:spTree>
-  </p:cSld>
-  <p:clrMapOvr>
-    <a:masterClrMapping/>
-  </p:clrMapOvr>
-  <p:transition spd="slow">
-    <p:cut/>
-  </p:transition>
-</p:sld>
-</file>
-
-<file path=ppt/slides/slide2.xml><?xml version="1.0" encoding="utf-8"?>
-<p:sld xmlns:a="http://schemas.openxmlformats.org/drawingml/2006/main" xmlns:r="http://schemas.openxmlformats.org/officeDocument/2006/relationships" xmlns:p="http://schemas.openxmlformats.org/presentationml/2006/main">
-  <p:cSld>
-    <p:spTree>
-      <p:nvGrpSpPr>
-        <p:cNvPr id="1" name="Shape 114"/>
-        <p:cNvGrpSpPr/>
-        <p:nvPr/>
-      </p:nvGrpSpPr>
-      <p:grpSpPr>
-        <a:xfrm>
-          <a:off x="0" y="0"/>
-          <a:ext cx="0" cy="0"/>
-          <a:chOff x="0" y="0"/>
-          <a:chExt cx="0" cy="0"/>
-        </a:xfrm>
-      </p:grpSpPr>
-      <p:sp>
-        <p:nvSpPr>
-          <p:cNvPr id="115" name="Shape 115"/>
-          <p:cNvSpPr txBox="1">
-            <a:spLocks noGrp="1"/>
-          </p:cNvSpPr>
-          <p:nvPr>
-            <p:ph type="title"/>
-          </p:nvPr>
-        </p:nvSpPr>
-        <p:spPr>
-          <a:xfrm>
-            <a:off x="457200" y="274637"/>
-            <a:ext cx="8229600" cy="1143000"/>
-          </a:xfrm>
-          <a:prstGeom prst="rect">
-            <a:avLst/>
-          </a:prstGeom>
-        </p:spPr>
-        <p:txBody>
-          <a:bodyPr lIns="91425" tIns="91425" rIns="91425" bIns="91425" anchor="ctr" anchorCtr="0">
-            <a:noAutofit/>
-          </a:bodyPr>
-          <a:lstStyle/>
-          <a:p>
-            <a:pPr>
-              <a:buNone/>
-            </a:pPr>
-            <a:r>
-              <a:rPr lang="en" dirty="0"/>
-              <a:t>Why is Academic Honesty Important?</a:t>
-            </a:r>
-          </a:p>
-        </p:txBody>
-      </p:sp>
-      <p:sp>
-        <p:nvSpPr>
-          <p:cNvPr id="116" name="Shape 116"/>
-          <p:cNvSpPr txBox="1">
-            <a:spLocks noGrp="1"/>
-          </p:cNvSpPr>
-          <p:nvPr>
-            <p:ph type="body" idx="1"/>
-          </p:nvPr>
-        </p:nvSpPr>
-        <p:spPr>
-          <a:xfrm>
-            <a:off x="457200" y="1600200"/>
-            <a:ext cx="8229600" cy="4526100"/>
-          </a:xfrm>
-          <a:prstGeom prst="rect">
-            <a:avLst/>
-          </a:prstGeom>
-        </p:spPr>
-        <p:txBody>
-          <a:bodyPr lIns="91425" tIns="91425" rIns="91425" bIns="91425" anchor="t" anchorCtr="0">
-            <a:noAutofit/>
-          </a:bodyPr>
-          <a:lstStyle/>
-          <a:p>
-            <a:pPr marL="457200" lvl="0" indent="-419100" rtl="0">
-              <a:buClr>
-                <a:schemeClr val="dk1"/>
-              </a:buClr>
-              <a:buSzPct val="100000"/>
-              <a:buFont typeface="Calibri"/>
-              <a:buChar char="●"/>
-            </a:pPr>
-            <a:r>
-              <a:rPr lang="en" sz="3000">
-                <a:solidFill>
-                  <a:srgbClr val="FF0000"/>
-                </a:solidFill>
-              </a:rPr>
-              <a:t>Your</a:t>
-            </a:r>
-            <a:r>
-              <a:rPr lang="en" sz="3000"/>
-              <a:t> diploma represents the University’s certification that </a:t>
-            </a:r>
-            <a:r>
-              <a:rPr lang="en" sz="3000" i="1">
-                <a:solidFill>
-                  <a:srgbClr val="FF0000"/>
-                </a:solidFill>
-              </a:rPr>
-              <a:t>you</a:t>
-            </a:r>
-            <a:r>
-              <a:rPr lang="en" sz="3000"/>
-              <a:t> have attained a certain level of knowledge in your program.</a:t>
-            </a:r>
-          </a:p>
-          <a:p>
-            <a:pPr marL="457200" lvl="0" indent="-419100" rtl="0">
-              <a:buClr>
-                <a:schemeClr val="dk1"/>
-              </a:buClr>
-              <a:buSzPct val="100000"/>
-              <a:buFont typeface="Calibri"/>
-              <a:buChar char="●"/>
-            </a:pPr>
-            <a:r>
-              <a:rPr lang="en" sz="3000">
-                <a:solidFill>
-                  <a:srgbClr val="FF0000"/>
-                </a:solidFill>
-              </a:rPr>
-              <a:t>Your</a:t>
-            </a:r>
-            <a:r>
-              <a:rPr lang="en" sz="3000"/>
-              <a:t> grade in this course represents my certification that </a:t>
-            </a:r>
-            <a:r>
-              <a:rPr lang="en" sz="3000" i="1">
-                <a:solidFill>
-                  <a:srgbClr val="FF0000"/>
-                </a:solidFill>
-              </a:rPr>
-              <a:t>you</a:t>
-            </a:r>
-            <a:r>
-              <a:rPr lang="en" sz="3000"/>
-              <a:t> have attained a certain level of knowledge in this course.</a:t>
-            </a:r>
-          </a:p>
-          <a:p>
-            <a:pPr marL="457200" lvl="0" indent="-419100">
-              <a:buClr>
-                <a:schemeClr val="dk1"/>
-              </a:buClr>
-              <a:buSzPct val="100000"/>
-              <a:buFont typeface="Calibri"/>
-              <a:buChar char="●"/>
-            </a:pPr>
-            <a:r>
-              <a:rPr lang="en" sz="3000"/>
-              <a:t>“</a:t>
-            </a:r>
-            <a:r>
-              <a:rPr lang="en" sz="3000" i="1">
-                <a:solidFill>
-                  <a:srgbClr val="FF0000"/>
-                </a:solidFill>
-              </a:rPr>
-              <a:t>You</a:t>
-            </a:r>
-            <a:r>
-              <a:rPr lang="en" sz="3000"/>
-              <a:t>” means </a:t>
-            </a:r>
-            <a:r>
-              <a:rPr lang="en" sz="3000" i="1">
-                <a:solidFill>
-                  <a:srgbClr val="FF0000"/>
-                </a:solidFill>
-              </a:rPr>
-              <a:t>you</a:t>
-            </a:r>
-            <a:r>
-              <a:rPr lang="en" sz="3000"/>
-              <a:t>, not “you with a little help from your friends.”</a:t>
-            </a:r>
-          </a:p>
-        </p:txBody>
-      </p:sp>
-    </p:spTree>
-  </p:cSld>
-  <p:clrMapOvr>
-    <a:masterClrMapping/>
-  </p:clrMapOvr>
-  <p:transition spd="slow">
-    <p:cut/>
-  </p:transition>
-</p:sld>
-</file>
-
-<file path=ppt/slides/slide3.xml><?xml version="1.0" encoding="utf-8"?>
-<p:sld xmlns:a="http://schemas.openxmlformats.org/drawingml/2006/main" xmlns:r="http://schemas.openxmlformats.org/officeDocument/2006/relationships" xmlns:p="http://schemas.openxmlformats.org/presentationml/2006/main">
-  <p:cSld>
-    <p:spTree>
-      <p:nvGrpSpPr>
-        <p:cNvPr id="1" name="Shape 120"/>
-        <p:cNvGrpSpPr/>
-        <p:nvPr/>
-      </p:nvGrpSpPr>
-      <p:grpSpPr>
-        <a:xfrm>
-          <a:off x="0" y="0"/>
-          <a:ext cx="0" cy="0"/>
-          <a:chOff x="0" y="0"/>
-          <a:chExt cx="0" cy="0"/>
-        </a:xfrm>
-      </p:grpSpPr>
-      <p:sp>
-        <p:nvSpPr>
-          <p:cNvPr id="121" name="Shape 121"/>
-          <p:cNvSpPr txBox="1">
-            <a:spLocks noGrp="1"/>
-          </p:cNvSpPr>
-          <p:nvPr>
-            <p:ph type="title"/>
-          </p:nvPr>
-        </p:nvSpPr>
-        <p:spPr>
-          <a:xfrm>
-            <a:off x="457200" y="274637"/>
-            <a:ext cx="8229600" cy="1143000"/>
-          </a:xfrm>
-          <a:prstGeom prst="rect">
-            <a:avLst/>
-          </a:prstGeom>
-        </p:spPr>
-        <p:txBody>
-          <a:bodyPr lIns="91425" tIns="91425" rIns="91425" bIns="91425" anchor="ctr" anchorCtr="0">
-            <a:noAutofit/>
-          </a:bodyPr>
-          <a:lstStyle/>
-          <a:p>
-            <a:pPr>
-              <a:buNone/>
-            </a:pPr>
-            <a:r>
-              <a:rPr lang="en"/>
-              <a:t>Who cares?</a:t>
-            </a:r>
-          </a:p>
-        </p:txBody>
-      </p:sp>
-      <p:sp>
-        <p:nvSpPr>
-          <p:cNvPr id="122" name="Shape 122"/>
-          <p:cNvSpPr txBox="1">
-            <a:spLocks noGrp="1"/>
-          </p:cNvSpPr>
-          <p:nvPr>
-            <p:ph type="body" idx="1"/>
-          </p:nvPr>
-        </p:nvSpPr>
-        <p:spPr>
-          <a:xfrm>
-            <a:off x="457200" y="1600200"/>
-            <a:ext cx="8229600" cy="4526100"/>
-          </a:xfrm>
-          <a:prstGeom prst="rect">
-            <a:avLst/>
-          </a:prstGeom>
-        </p:spPr>
-        <p:txBody>
-          <a:bodyPr lIns="91425" tIns="91425" rIns="91425" bIns="91425" anchor="t" anchorCtr="0">
-            <a:noAutofit/>
-          </a:bodyPr>
-          <a:lstStyle/>
-          <a:p>
-            <a:pPr marL="457200" lvl="0" indent="-419100" rtl="0">
-              <a:buClr>
-                <a:schemeClr val="dk1"/>
-              </a:buClr>
-              <a:buSzPct val="100000"/>
-              <a:buFont typeface="Calibri"/>
-              <a:buChar char="●"/>
-            </a:pPr>
-            <a:r>
-              <a:rPr lang="en" sz="3000"/>
-              <a:t>Employers care. </a:t>
-            </a:r>
-          </a:p>
-          <a:p>
-            <a:pPr marL="914400" lvl="1" indent="-419100" rtl="0">
-              <a:buClr>
-                <a:schemeClr val="dk1"/>
-              </a:buClr>
-              <a:buSzPct val="100000"/>
-              <a:buFont typeface="Calibri"/>
-              <a:buChar char="○"/>
-            </a:pPr>
-            <a:r>
-              <a:rPr lang="en" sz="3000"/>
-              <a:t>When they see an NU diploma, they expect </a:t>
-            </a:r>
-            <a:r>
-              <a:rPr lang="en" sz="3000" i="1">
-                <a:solidFill>
-                  <a:srgbClr val="FF0000"/>
-                </a:solidFill>
-              </a:rPr>
-              <a:t>that individual</a:t>
-            </a:r>
-            <a:r>
-              <a:rPr lang="en" sz="3000"/>
-              <a:t> to have reached a certain level of achievement</a:t>
-            </a:r>
-          </a:p>
-          <a:p>
-            <a:pPr marL="457200" lvl="0" indent="-419100" rtl="0">
-              <a:buClr>
-                <a:schemeClr val="dk1"/>
-              </a:buClr>
-              <a:buSzPct val="100000"/>
-              <a:buFont typeface="Calibri"/>
-              <a:buChar char="●"/>
-            </a:pPr>
-            <a:r>
-              <a:rPr lang="en" sz="3000"/>
-              <a:t>Faculty and Advisors care.</a:t>
-            </a:r>
-          </a:p>
-          <a:p>
-            <a:pPr marL="914400" lvl="1" indent="-419100">
-              <a:buClr>
-                <a:schemeClr val="dk1"/>
-              </a:buClr>
-              <a:buSzPct val="100000"/>
-              <a:buFont typeface="Calibri"/>
-              <a:buChar char="○"/>
-            </a:pPr>
-            <a:r>
-              <a:rPr lang="en" sz="3000"/>
-              <a:t>When they see a grade in this course, they expect </a:t>
-            </a:r>
-            <a:r>
-              <a:rPr lang="en" sz="3000" i="1">
-                <a:solidFill>
-                  <a:srgbClr val="FF0000"/>
-                </a:solidFill>
-              </a:rPr>
-              <a:t>that individual</a:t>
-            </a:r>
-            <a:r>
-              <a:rPr lang="en" sz="3000"/>
-              <a:t> to have reached a certain level of knowledge.</a:t>
-            </a:r>
-          </a:p>
-        </p:txBody>
-      </p:sp>
-    </p:spTree>
-  </p:cSld>
-  <p:clrMapOvr>
-    <a:masterClrMapping/>
-  </p:clrMapOvr>
-  <p:transition spd="slow">
-    <p:cut/>
-  </p:transition>
-</p:sld>
-</file>
-
-<file path=ppt/slides/slide4.xml><?xml version="1.0" encoding="utf-8"?>
-<p:sld xmlns:a="http://schemas.openxmlformats.org/drawingml/2006/main" xmlns:r="http://schemas.openxmlformats.org/officeDocument/2006/relationships" xmlns:p="http://schemas.openxmlformats.org/presentationml/2006/main">
-  <p:cSld>
-    <p:spTree>
-      <p:nvGrpSpPr>
-        <p:cNvPr id="1" name="Shape 126"/>
-        <p:cNvGrpSpPr/>
-        <p:nvPr/>
-      </p:nvGrpSpPr>
-      <p:grpSpPr>
-        <a:xfrm>
-          <a:off x="0" y="0"/>
-          <a:ext cx="0" cy="0"/>
-          <a:chOff x="0" y="0"/>
-          <a:chExt cx="0" cy="0"/>
-        </a:xfrm>
-      </p:grpSpPr>
-      <p:sp>
-        <p:nvSpPr>
-          <p:cNvPr id="127" name="Shape 127"/>
-          <p:cNvSpPr txBox="1">
-            <a:spLocks noGrp="1"/>
-          </p:cNvSpPr>
-          <p:nvPr>
-            <p:ph type="title"/>
-          </p:nvPr>
-        </p:nvSpPr>
-        <p:spPr>
-          <a:xfrm>
-            <a:off x="457200" y="274637"/>
-            <a:ext cx="8229600" cy="1143000"/>
-          </a:xfrm>
-          <a:prstGeom prst="rect">
-            <a:avLst/>
-          </a:prstGeom>
-        </p:spPr>
-        <p:txBody>
-          <a:bodyPr lIns="91425" tIns="91425" rIns="91425" bIns="91425" anchor="ctr" anchorCtr="0">
-            <a:noAutofit/>
-          </a:bodyPr>
-          <a:lstStyle/>
-          <a:p>
-            <a:pPr>
-              <a:buNone/>
-            </a:pPr>
-            <a:r>
-              <a:rPr lang="en"/>
-              <a:t>Who else cares?</a:t>
-            </a:r>
-          </a:p>
-        </p:txBody>
-      </p:sp>
-      <p:sp>
-        <p:nvSpPr>
-          <p:cNvPr id="128" name="Shape 128"/>
-          <p:cNvSpPr txBox="1">
-            <a:spLocks noGrp="1"/>
-          </p:cNvSpPr>
-          <p:nvPr>
-            <p:ph type="body" idx="1"/>
-          </p:nvPr>
-        </p:nvSpPr>
-        <p:spPr>
-          <a:xfrm>
-            <a:off x="457200" y="1600200"/>
-            <a:ext cx="8229600" cy="4526100"/>
-          </a:xfrm>
-          <a:prstGeom prst="rect">
-            <a:avLst/>
-          </a:prstGeom>
-        </p:spPr>
-        <p:txBody>
-          <a:bodyPr lIns="91425" tIns="91425" rIns="91425" bIns="91425" anchor="t" anchorCtr="0">
-            <a:noAutofit/>
-          </a:bodyPr>
-          <a:lstStyle/>
-          <a:p>
-            <a:pPr marL="457200" lvl="0" indent="-419100" rtl="0">
-              <a:buClr>
-                <a:schemeClr val="dk1"/>
-              </a:buClr>
-              <a:buSzPct val="100000"/>
-              <a:buFont typeface="Calibri"/>
-              <a:buChar char="●"/>
-            </a:pPr>
-            <a:r>
-              <a:rPr lang="en" sz="3000"/>
-              <a:t>Your classmates care.</a:t>
-            </a:r>
-          </a:p>
-          <a:p>
-            <a:pPr marL="914400" lvl="1" indent="-419100" rtl="0">
-              <a:buClr>
-                <a:schemeClr val="dk1"/>
-              </a:buClr>
-              <a:buSzPct val="100000"/>
-              <a:buFont typeface="Calibri"/>
-              <a:buChar char="○"/>
-            </a:pPr>
-            <a:r>
-              <a:rPr lang="en" sz="3000"/>
-              <a:t>An honest student gets angry when his or her classmate gets a reward without putting in the effort.</a:t>
-            </a:r>
-          </a:p>
-          <a:p>
-            <a:pPr marL="457200" lvl="0" indent="-419100" rtl="0">
-              <a:buClr>
-                <a:schemeClr val="dk1"/>
-              </a:buClr>
-              <a:buSzPct val="100000"/>
-              <a:buFont typeface="Calibri"/>
-              <a:buChar char="●"/>
-            </a:pPr>
-            <a:r>
-              <a:rPr lang="en" sz="3000"/>
-              <a:t>The University cares.</a:t>
-            </a:r>
-          </a:p>
-          <a:p>
-            <a:pPr marL="914400" lvl="1" indent="-419100">
-              <a:buClr>
-                <a:schemeClr val="dk1"/>
-              </a:buClr>
-              <a:buSzPct val="100000"/>
-              <a:buFont typeface="Calibri"/>
-              <a:buChar char="○"/>
-            </a:pPr>
-            <a:r>
-              <a:rPr lang="en" sz="3000"/>
-              <a:t>Every time a student goes out into the world with an NU diploma and doesn’t perform well, it makes the whole University look bad.</a:t>
-            </a:r>
-          </a:p>
-        </p:txBody>
-      </p:sp>
-    </p:spTree>
-  </p:cSld>
-  <p:clrMapOvr>
-    <a:masterClrMapping/>
-  </p:clrMapOvr>
-  <p:transition spd="slow">
-    <p:cut/>
-  </p:transition>
-</p:sld>
-</file>
-
-<file path=ppt/slides/slide5.xml><?xml version="1.0" encoding="utf-8"?>
-<p:sld xmlns:a="http://schemas.openxmlformats.org/drawingml/2006/main" xmlns:r="http://schemas.openxmlformats.org/officeDocument/2006/relationships" xmlns:p="http://schemas.openxmlformats.org/presentationml/2006/main">
-  <p:cSld>
-    <p:spTree>
-      <p:nvGrpSpPr>
-        <p:cNvPr id="1" name="Shape 132"/>
-        <p:cNvGrpSpPr/>
-        <p:nvPr/>
-      </p:nvGrpSpPr>
-      <p:grpSpPr>
-        <a:xfrm>
-          <a:off x="0" y="0"/>
-          <a:ext cx="0" cy="0"/>
-          <a:chOff x="0" y="0"/>
-          <a:chExt cx="0" cy="0"/>
-        </a:xfrm>
-      </p:grpSpPr>
-      <p:sp>
-        <p:nvSpPr>
-          <p:cNvPr id="133" name="Shape 133"/>
-          <p:cNvSpPr txBox="1">
-            <a:spLocks noGrp="1"/>
-          </p:cNvSpPr>
-          <p:nvPr>
-            <p:ph type="title"/>
-          </p:nvPr>
-        </p:nvSpPr>
-        <p:spPr>
-          <a:xfrm>
-            <a:off x="457200" y="274637"/>
-            <a:ext cx="8229600" cy="1143000"/>
-          </a:xfrm>
-          <a:prstGeom prst="rect">
-            <a:avLst/>
-          </a:prstGeom>
-        </p:spPr>
-        <p:txBody>
-          <a:bodyPr lIns="91425" tIns="91425" rIns="91425" bIns="91425" anchor="ctr" anchorCtr="0">
-            <a:noAutofit/>
-          </a:bodyPr>
-          <a:lstStyle/>
-          <a:p>
-            <a:pPr>
-              <a:buNone/>
-            </a:pPr>
-            <a:r>
-              <a:rPr lang="en"/>
-              <a:t>CCIS Cheating Policy</a:t>
-            </a:r>
-          </a:p>
-        </p:txBody>
-      </p:sp>
-      <p:sp>
-        <p:nvSpPr>
-          <p:cNvPr id="134" name="Shape 134"/>
-          <p:cNvSpPr txBox="1">
-            <a:spLocks noGrp="1"/>
-          </p:cNvSpPr>
-          <p:nvPr>
-            <p:ph type="body" idx="1"/>
-          </p:nvPr>
-        </p:nvSpPr>
-        <p:spPr>
-          <a:xfrm>
-            <a:off x="457200" y="1600200"/>
-            <a:ext cx="8229600" cy="4526100"/>
-          </a:xfrm>
-          <a:prstGeom prst="rect">
-            <a:avLst/>
-          </a:prstGeom>
-        </p:spPr>
-        <p:txBody>
-          <a:bodyPr lIns="91425" tIns="91425" rIns="91425" bIns="91425" anchor="t" anchorCtr="0">
-            <a:noAutofit/>
-          </a:bodyPr>
-          <a:lstStyle/>
-          <a:p>
-            <a:pPr marL="457200" lvl="0" indent="-419100" rtl="0">
-              <a:buClr>
-                <a:schemeClr val="dk1"/>
-              </a:buClr>
-              <a:buSzPct val="100000"/>
-              <a:buFont typeface="Calibri"/>
-              <a:buChar char="●"/>
-            </a:pPr>
-            <a:r>
-              <a:rPr lang="en" sz="3000" dirty="0"/>
-              <a:t>All violations of the University academic integrity policy </a:t>
-            </a:r>
-            <a:r>
-              <a:rPr lang="en" sz="3000" dirty="0">
-                <a:solidFill>
-                  <a:srgbClr val="FF0000"/>
-                </a:solidFill>
-              </a:rPr>
-              <a:t>must</a:t>
-            </a:r>
-            <a:r>
-              <a:rPr lang="en" sz="3000" dirty="0"/>
-              <a:t> be reported to OSCCR.</a:t>
-            </a:r>
-          </a:p>
-          <a:p>
-            <a:pPr marL="914400" lvl="1" indent="-419100" rtl="0">
-              <a:buClr>
-                <a:schemeClr val="dk1"/>
-              </a:buClr>
-              <a:buSzPct val="100000"/>
-              <a:buFont typeface="Calibri"/>
-              <a:buChar char="○"/>
-            </a:pPr>
-            <a:r>
-              <a:rPr lang="en" sz="3000" dirty="0"/>
-              <a:t>OSCCR = </a:t>
-            </a:r>
-            <a:r>
-              <a:rPr lang="en" sz="3000" u="sng" dirty="0">
-                <a:solidFill>
-                  <a:schemeClr val="hlink"/>
-                </a:solidFill>
-                <a:hlinkClick r:id="rId3"/>
-              </a:rPr>
-              <a:t>Office of Student Conduct and Conflict Resolution</a:t>
-            </a:r>
-            <a:r>
-              <a:rPr lang="en" sz="3000" dirty="0"/>
-              <a:t>.</a:t>
-            </a:r>
-          </a:p>
-          <a:p>
-            <a:pPr marL="457200" lvl="0" indent="-419100">
-              <a:buClr>
-                <a:schemeClr val="dk1"/>
-              </a:buClr>
-              <a:buSzPct val="100000"/>
-              <a:buFont typeface="Calibri"/>
-              <a:buChar char="●"/>
-            </a:pPr>
-            <a:r>
-              <a:rPr lang="en" sz="3000" dirty="0"/>
-              <a:t>Students who cheat often do so in multiple courses.  By reporting all violations to OSCCR, we guarantee that such students are suitably punished.</a:t>
-            </a:r>
-          </a:p>
-        </p:txBody>
-      </p:sp>
-    </p:spTree>
-  </p:cSld>
-  <p:clrMapOvr>
-    <a:masterClrMapping/>
-  </p:clrMapOvr>
-  <p:transition spd="slow">
-    <p:cut/>
-  </p:transition>
-</p:sld>
-</file>
-
-<file path=ppt/slides/slide6.xml><?xml version="1.0" encoding="utf-8"?>
-<p:sld xmlns:a="http://schemas.openxmlformats.org/drawingml/2006/main" xmlns:r="http://schemas.openxmlformats.org/officeDocument/2006/relationships" xmlns:p="http://schemas.openxmlformats.org/presentationml/2006/main">
-  <p:cSld>
-    <p:spTree>
-      <p:nvGrpSpPr>
-        <p:cNvPr id="1" name="Shape 138"/>
-        <p:cNvGrpSpPr/>
-        <p:nvPr/>
-      </p:nvGrpSpPr>
-      <p:grpSpPr>
-        <a:xfrm>
-          <a:off x="0" y="0"/>
-          <a:ext cx="0" cy="0"/>
-          <a:chOff x="0" y="0"/>
-          <a:chExt cx="0" cy="0"/>
-        </a:xfrm>
-      </p:grpSpPr>
-      <p:sp>
-        <p:nvSpPr>
-          <p:cNvPr id="139" name="Shape 139"/>
-          <p:cNvSpPr txBox="1">
-            <a:spLocks noGrp="1"/>
-          </p:cNvSpPr>
-          <p:nvPr>
-            <p:ph type="title"/>
-          </p:nvPr>
-        </p:nvSpPr>
-        <p:spPr>
-          <a:xfrm>
-            <a:off x="457200" y="274637"/>
-            <a:ext cx="8229600" cy="1143000"/>
-          </a:xfrm>
-          <a:prstGeom prst="rect">
-            <a:avLst/>
-          </a:prstGeom>
-        </p:spPr>
-        <p:txBody>
-          <a:bodyPr lIns="91425" tIns="91425" rIns="91425" bIns="91425" anchor="ctr" anchorCtr="0">
-            <a:noAutofit/>
-          </a:bodyPr>
-          <a:lstStyle/>
-          <a:p>
-            <a:pPr>
-              <a:buNone/>
-            </a:pPr>
-            <a:r>
-              <a:rPr lang="en" sz="4000" dirty="0"/>
-              <a:t>University Academic Integrity Policy</a:t>
-            </a:r>
-          </a:p>
-        </p:txBody>
-      </p:sp>
-      <p:sp>
-        <p:nvSpPr>
-          <p:cNvPr id="140" name="Shape 140"/>
-          <p:cNvSpPr txBox="1">
-            <a:spLocks noGrp="1"/>
-          </p:cNvSpPr>
-          <p:nvPr>
-            <p:ph type="body" idx="1"/>
-          </p:nvPr>
-        </p:nvSpPr>
-        <p:spPr>
-          <a:xfrm>
-            <a:off x="457200" y="1600200"/>
-            <a:ext cx="8229600" cy="4526100"/>
-          </a:xfrm>
-          <a:prstGeom prst="rect">
-            <a:avLst/>
-          </a:prstGeom>
-        </p:spPr>
-        <p:txBody>
-          <a:bodyPr lIns="91425" tIns="91425" rIns="91425" bIns="91425" anchor="t" anchorCtr="0">
-            <a:noAutofit/>
-          </a:bodyPr>
-          <a:lstStyle/>
-          <a:p>
-            <a:pPr marL="0" lvl="0" indent="0" rtl="0">
-              <a:buNone/>
-            </a:pPr>
-            <a:r>
-              <a:rPr lang="en" sz="1400">
-                <a:solidFill>
-                  <a:srgbClr val="333333"/>
-                </a:solidFill>
-              </a:rPr>
-              <a:t>The following is a broad overview, but not an all-encompassing definition, of what constitutes a violation of academic integrity. [</a:t>
-            </a:r>
-            <a:r>
-              <a:rPr lang="en" sz="1400" u="sng">
-                <a:solidFill>
-                  <a:schemeClr val="hlink"/>
-                </a:solidFill>
-                <a:hlinkClick r:id="rId3"/>
-              </a:rPr>
-              <a:t>from OSCCR website</a:t>
-            </a:r>
-            <a:r>
-              <a:rPr lang="en" sz="1400">
-                <a:solidFill>
-                  <a:srgbClr val="333333"/>
-                </a:solidFill>
-              </a:rPr>
-              <a:t>] </a:t>
-            </a:r>
-          </a:p>
-          <a:p>
-            <a:pPr marL="0" lvl="0" indent="0" rtl="0">
-              <a:buNone/>
-            </a:pPr>
-            <a:r>
-              <a:rPr lang="en" sz="1400" b="1">
-                <a:solidFill>
-                  <a:srgbClr val="333333"/>
-                </a:solidFill>
-              </a:rPr>
-              <a:t>Cheating:</a:t>
-            </a:r>
-            <a:r>
-              <a:rPr lang="en" sz="1400">
-                <a:solidFill>
-                  <a:srgbClr val="333333"/>
-                </a:solidFill>
-              </a:rPr>
-              <a:t> The University defines cheating as using or attempting to use unauthorized materials, information, or study aids in any academic exercise. </a:t>
-            </a:r>
-            <a:r>
-              <a:rPr lang="en" sz="1400" b="1">
-                <a:solidFill>
-                  <a:srgbClr val="FF0000"/>
-                </a:solidFill>
-              </a:rPr>
-              <a:t>When completing any academic assignment, a student shall rely on his or her own mastery of the subject.</a:t>
-            </a:r>
-            <a:r>
-              <a:rPr lang="en" sz="1400" b="1">
-                <a:solidFill>
-                  <a:srgbClr val="000000"/>
-                </a:solidFill>
-              </a:rPr>
-              <a:t> </a:t>
-            </a:r>
-            <a:r>
-              <a:rPr lang="en" sz="1400">
-                <a:solidFill>
-                  <a:srgbClr val="000000"/>
-                </a:solidFill>
-              </a:rPr>
-              <a:t>[emphasis added]</a:t>
-            </a:r>
-          </a:p>
-          <a:p>
-            <a:pPr marL="0" lvl="0" indent="0" rtl="0">
-              <a:buNone/>
-            </a:pPr>
-            <a:r>
-              <a:rPr lang="en" sz="1400" b="1">
-                <a:solidFill>
-                  <a:srgbClr val="333333"/>
-                </a:solidFill>
-              </a:rPr>
-              <a:t>Fabrication:</a:t>
-            </a:r>
-            <a:r>
-              <a:rPr lang="en" sz="1400">
-                <a:solidFill>
-                  <a:srgbClr val="333333"/>
-                </a:solidFill>
-              </a:rPr>
-              <a:t> The University defines fabrication as falsification, misrepresentation, or invention of any information, data, or citation in an academic exercise.  </a:t>
-            </a:r>
-          </a:p>
-          <a:p>
-            <a:pPr marL="0" lvl="0" indent="0" rtl="0">
-              <a:buNone/>
-            </a:pPr>
-            <a:r>
-              <a:rPr lang="en" sz="1400" b="1">
-                <a:solidFill>
-                  <a:srgbClr val="333333"/>
-                </a:solidFill>
-              </a:rPr>
-              <a:t>Plagiarism:</a:t>
-            </a:r>
-            <a:r>
-              <a:rPr lang="en" sz="1400">
-                <a:solidFill>
-                  <a:srgbClr val="333333"/>
-                </a:solidFill>
-              </a:rPr>
-              <a:t> The University defines plagiarism as using as one’s own the words, ideas, data, code, or other original academic material of another without providing proper citation or attribution. Plagiarism can apply to any assignment, either final or drafted copies, and it can occur either accidentally or deliberately. Claiming that one has “forgotten” to document ideas or material taken from another source does not exempt one from plagiarizing. </a:t>
-            </a:r>
-          </a:p>
-          <a:p>
-            <a:pPr marL="0" lvl="0" indent="0" rtl="0">
-              <a:spcAft>
-                <a:spcPts val="1000"/>
-              </a:spcAft>
-              <a:buNone/>
-            </a:pPr>
-            <a:r>
-              <a:rPr lang="en" sz="1400" b="1">
-                <a:solidFill>
-                  <a:srgbClr val="333333"/>
-                </a:solidFill>
-              </a:rPr>
-              <a:t>Unauthorized Collaboration:</a:t>
-            </a:r>
-            <a:r>
-              <a:rPr lang="en" sz="1400">
-                <a:solidFill>
-                  <a:srgbClr val="333333"/>
-                </a:solidFill>
-              </a:rPr>
-              <a:t> The University defines unauthorized collaboration as instances when students submit individual academic works that are substantially similar to one another. While several students may have the same source material, any analysis, interpretation, or reporting of data required by an assignment </a:t>
-            </a:r>
-            <a:r>
-              <a:rPr lang="en" sz="1400" b="1">
-                <a:solidFill>
-                  <a:srgbClr val="FF0000"/>
-                </a:solidFill>
-              </a:rPr>
-              <a:t>must be each individual’s independent work unless the instructor has explicitly granted permission for group work. </a:t>
-            </a:r>
-            <a:r>
-              <a:rPr lang="en" sz="1400">
-                <a:solidFill>
-                  <a:srgbClr val="333333"/>
-                </a:solidFill>
-              </a:rPr>
-              <a:t>  [emphasis added]</a:t>
-            </a:r>
-          </a:p>
-          <a:p>
-            <a:pPr marL="0" lvl="0" indent="0" rtl="0">
-              <a:lnSpc>
-                <a:spcPct val="100000"/>
-              </a:lnSpc>
-              <a:spcBef>
-                <a:spcPts val="0"/>
-              </a:spcBef>
-              <a:spcAft>
-                <a:spcPts val="1700"/>
-              </a:spcAft>
-              <a:buNone/>
-            </a:pPr>
-            <a:r>
-              <a:rPr lang="en" sz="1400" b="1">
-                <a:solidFill>
-                  <a:srgbClr val="333333"/>
-                </a:solidFill>
-              </a:rPr>
-              <a:t>Participation in Academically Dishonest Activities:</a:t>
-            </a:r>
-            <a:r>
-              <a:rPr lang="en" sz="1400">
-                <a:solidFill>
-                  <a:srgbClr val="333333"/>
-                </a:solidFill>
-              </a:rPr>
-              <a:t> The University defines participation in academically dishonest activities as  any action taken by a student with the intention of gaining an unfair advantage over other students.  </a:t>
-            </a:r>
-          </a:p>
-        </p:txBody>
-      </p:sp>
-    </p:spTree>
-  </p:cSld>
-  <p:clrMapOvr>
-    <a:masterClrMapping/>
-  </p:clrMapOvr>
-  <p:transition spd="slow">
-    <p:cut/>
-  </p:transition>
-</p:sld>
-</file>
-
-<file path=ppt/slides/slide7.xml><?xml version="1.0" encoding="utf-8"?>
-<p:sld xmlns:a="http://schemas.openxmlformats.org/drawingml/2006/main" xmlns:r="http://schemas.openxmlformats.org/officeDocument/2006/relationships" xmlns:p="http://schemas.openxmlformats.org/presentationml/2006/main">
-  <p:cSld>
-    <p:spTree>
-      <p:nvGrpSpPr>
-        <p:cNvPr id="1" name="Shape 144"/>
-        <p:cNvGrpSpPr/>
-        <p:nvPr/>
-      </p:nvGrpSpPr>
-      <p:grpSpPr>
-        <a:xfrm>
-          <a:off x="0" y="0"/>
-          <a:ext cx="0" cy="0"/>
-          <a:chOff x="0" y="0"/>
-          <a:chExt cx="0" cy="0"/>
-        </a:xfrm>
-      </p:grpSpPr>
-      <p:sp>
-        <p:nvSpPr>
-          <p:cNvPr id="145" name="Shape 145"/>
-          <p:cNvSpPr txBox="1">
-            <a:spLocks noGrp="1"/>
-          </p:cNvSpPr>
-          <p:nvPr>
-            <p:ph type="title"/>
-          </p:nvPr>
-        </p:nvSpPr>
-        <p:spPr>
-          <a:xfrm>
-            <a:off x="457200" y="274637"/>
-            <a:ext cx="8229600" cy="1143000"/>
-          </a:xfrm>
-          <a:prstGeom prst="rect">
-            <a:avLst/>
-          </a:prstGeom>
-        </p:spPr>
-        <p:txBody>
-          <a:bodyPr lIns="91425" tIns="91425" rIns="91425" bIns="91425" anchor="ctr" anchorCtr="0">
-            <a:noAutofit/>
-          </a:bodyPr>
-          <a:lstStyle/>
-          <a:p>
-            <a:pPr>
-              <a:buNone/>
-            </a:pPr>
-            <a:r>
-              <a:rPr lang="en"/>
-              <a:t>The Short Version:</a:t>
-            </a:r>
-          </a:p>
-        </p:txBody>
-      </p:sp>
-      <p:sp>
-        <p:nvSpPr>
-          <p:cNvPr id="146" name="Shape 146"/>
-          <p:cNvSpPr txBox="1">
-            <a:spLocks noGrp="1"/>
-          </p:cNvSpPr>
-          <p:nvPr>
-            <p:ph type="body" idx="1"/>
-          </p:nvPr>
-        </p:nvSpPr>
-        <p:spPr>
-          <a:xfrm>
-            <a:off x="457200" y="1600200"/>
-            <a:ext cx="8229600" cy="4526100"/>
-          </a:xfrm>
-          <a:prstGeom prst="rect">
-            <a:avLst/>
-          </a:prstGeom>
-        </p:spPr>
-        <p:txBody>
-          <a:bodyPr lIns="91425" tIns="91425" rIns="91425" bIns="91425" anchor="t" anchorCtr="0">
-            <a:noAutofit/>
-          </a:bodyPr>
-          <a:lstStyle/>
-          <a:p>
-            <a:pPr marL="0" lvl="0" indent="0" algn="ctr" rtl="0">
-              <a:lnSpc>
-                <a:spcPct val="115000"/>
-              </a:lnSpc>
-              <a:spcBef>
-                <a:spcPts val="2400"/>
-              </a:spcBef>
-              <a:spcAft>
-                <a:spcPts val="600"/>
-              </a:spcAft>
-              <a:buClr>
-                <a:srgbClr val="000000"/>
-              </a:buClr>
-              <a:buSzPct val="25000"/>
-              <a:buFont typeface="Arial"/>
-              <a:buNone/>
-            </a:pPr>
-            <a:r>
-              <a:rPr lang="en" sz="4800" b="1">
-                <a:solidFill>
-                  <a:srgbClr val="FF0000"/>
-                </a:solidFill>
-                <a:latin typeface="Arial"/>
-                <a:ea typeface="Arial"/>
-                <a:cs typeface="Arial"/>
-                <a:sym typeface="Arial"/>
-              </a:rPr>
-              <a:t>DON'T SHARE BITS</a:t>
-            </a:r>
-          </a:p>
-          <a:p>
-            <a:endParaRPr lang="en" sz="4800" b="1">
-              <a:solidFill>
-                <a:srgbClr val="FF0000"/>
-              </a:solidFill>
-              <a:latin typeface="Arial"/>
-              <a:ea typeface="Arial"/>
-              <a:cs typeface="Arial"/>
-              <a:sym typeface="Arial"/>
-            </a:endParaRPr>
-          </a:p>
-          <a:p>
-            <a:pPr marL="0" lvl="0" indent="0" rtl="0">
-              <a:lnSpc>
-                <a:spcPct val="100000"/>
-              </a:lnSpc>
-              <a:spcBef>
-                <a:spcPts val="0"/>
-              </a:spcBef>
-              <a:buNone/>
-            </a:pPr>
-            <a:r>
-              <a:rPr lang="en" sz="2400">
-                <a:solidFill>
-                  <a:srgbClr val="000000"/>
-                </a:solidFill>
-              </a:rPr>
-              <a:t>If you share files or even portions of files with somebody else, we </a:t>
-            </a:r>
-            <a:r>
-              <a:rPr lang="en" sz="2400" i="1">
-                <a:solidFill>
-                  <a:srgbClr val="000000"/>
-                </a:solidFill>
-              </a:rPr>
-              <a:t>will</a:t>
-            </a:r>
-            <a:r>
-              <a:rPr lang="en" sz="2400">
-                <a:solidFill>
-                  <a:srgbClr val="000000"/>
-                </a:solidFill>
-              </a:rPr>
-              <a:t> detect it and you </a:t>
-            </a:r>
-            <a:r>
-              <a:rPr lang="en" sz="2400" i="1">
-                <a:solidFill>
-                  <a:srgbClr val="000000"/>
-                </a:solidFill>
-              </a:rPr>
-              <a:t>will</a:t>
-            </a:r>
-            <a:r>
-              <a:rPr lang="en" sz="2400">
-                <a:solidFill>
-                  <a:srgbClr val="000000"/>
-                </a:solidFill>
-              </a:rPr>
-              <a:t> get sent to OSCCR. Period. End of story.</a:t>
-            </a:r>
-          </a:p>
-          <a:p>
-            <a:endParaRPr lang="en" sz="2400">
-              <a:solidFill>
-                <a:srgbClr val="000000"/>
-              </a:solidFill>
-            </a:endParaRPr>
-          </a:p>
-        </p:txBody>
-      </p:sp>
-    </p:spTree>
-  </p:cSld>
-  <p:clrMapOvr>
-    <a:masterClrMapping/>
-  </p:clrMapOvr>
-  <p:transition spd="slow">
-    <p:cut/>
-  </p:transition>
-</p:sld>
-</file>
-
-<file path=ppt/slides/slide8.xml><?xml version="1.0" encoding="utf-8"?>
 <p:sld xmlns:a="http://schemas.openxmlformats.org/drawingml/2006/main" xmlns:r="http://schemas.openxmlformats.org/officeDocument/2006/relationships" xmlns:p="http://schemas.openxmlformats.org/presentationml/2006/main">
   <p:cSld>
     <p:spTree>
@@ -13775,23 +11310,7 @@
                   <a:srgbClr val="000000"/>
                 </a:solidFill>
               </a:rPr>
-              <a:t>Tell him that the University policy requires that you tell him "no." If you give him or her your files, you </a:t>
-            </a:r>
-            <a:r>
-              <a:rPr lang="en" sz="2200" i="1" dirty="0">
-                <a:solidFill>
-                  <a:srgbClr val="000000"/>
-                </a:solidFill>
-              </a:rPr>
-              <a:t>will</a:t>
-            </a:r>
-            <a:r>
-              <a:rPr lang="en" sz="2200" dirty="0">
-                <a:solidFill>
-                  <a:srgbClr val="000000"/>
-                </a:solidFill>
-              </a:rPr>
-              <a:t> be sent to OSCCR. (And of course he will be sent to OSCCR.)</a:t>
+              <a:t>Tell him that the University policy requires that you tell him "no." If you let him or her look at your files, you will both be sent to OSCCR.</a:t>
             </a:r>
           </a:p>
           <a:p>
@@ -13860,7 +11379,7 @@
 </p:sld>
 </file>
 
-<file path=ppt/slides/slide9.xml><?xml version="1.0" encoding="utf-8"?>
+<file path=ppt/slides/slide11.xml><?xml version="1.0" encoding="utf-8"?>
 <p:sld xmlns:a="http://schemas.openxmlformats.org/drawingml/2006/main" xmlns:r="http://schemas.openxmlformats.org/officeDocument/2006/relationships" xmlns:p="http://schemas.openxmlformats.org/presentationml/2006/main">
   <p:cSld>
     <p:spTree>
@@ -14561,6 +12080,3228 @@
       </p:par>
     </p:tnLst>
   </p:timing>
+</p:sld>
+</file>
+
+<file path=ppt/slides/slide12.xml><?xml version="1.0" encoding="utf-8"?>
+<p:sld xmlns:a="http://schemas.openxmlformats.org/drawingml/2006/main" xmlns:r="http://schemas.openxmlformats.org/officeDocument/2006/relationships" xmlns:p="http://schemas.openxmlformats.org/presentationml/2006/main">
+  <p:cSld>
+    <p:spTree>
+      <p:nvGrpSpPr>
+        <p:cNvPr id="1" name="Shape 162"/>
+        <p:cNvGrpSpPr/>
+        <p:nvPr/>
+      </p:nvGrpSpPr>
+      <p:grpSpPr>
+        <a:xfrm>
+          <a:off x="0" y="0"/>
+          <a:ext cx="0" cy="0"/>
+          <a:chOff x="0" y="0"/>
+          <a:chExt cx="0" cy="0"/>
+        </a:xfrm>
+      </p:grpSpPr>
+      <p:sp>
+        <p:nvSpPr>
+          <p:cNvPr id="163" name="Shape 163"/>
+          <p:cNvSpPr txBox="1">
+            <a:spLocks noGrp="1"/>
+          </p:cNvSpPr>
+          <p:nvPr>
+            <p:ph type="title"/>
+          </p:nvPr>
+        </p:nvSpPr>
+        <p:spPr>
+          <a:xfrm>
+            <a:off x="457200" y="274637"/>
+            <a:ext cx="8229600" cy="1143000"/>
+          </a:xfrm>
+          <a:prstGeom prst="rect">
+            <a:avLst/>
+          </a:prstGeom>
+        </p:spPr>
+        <p:txBody>
+          <a:bodyPr lIns="91425" tIns="91425" rIns="91425" bIns="91425" anchor="ctr" anchorCtr="0">
+            <a:noAutofit/>
+          </a:bodyPr>
+          <a:lstStyle/>
+          <a:p>
+            <a:pPr lvl="0" rtl="0">
+              <a:buNone/>
+            </a:pPr>
+            <a:r>
+              <a:rPr lang="en"/>
+              <a:t>Typical scenarios (3)</a:t>
+            </a:r>
+          </a:p>
+        </p:txBody>
+      </p:sp>
+      <p:sp>
+        <p:nvSpPr>
+          <p:cNvPr id="164" name="Shape 164"/>
+          <p:cNvSpPr txBox="1">
+            <a:spLocks noGrp="1"/>
+          </p:cNvSpPr>
+          <p:nvPr>
+            <p:ph type="body" idx="1"/>
+          </p:nvPr>
+        </p:nvSpPr>
+        <p:spPr>
+          <a:xfrm>
+            <a:off x="457200" y="1600200"/>
+            <a:ext cx="8229600" cy="4526100"/>
+          </a:xfrm>
+          <a:prstGeom prst="rect">
+            <a:avLst/>
+          </a:prstGeom>
+        </p:spPr>
+        <p:txBody>
+          <a:bodyPr lIns="91425" tIns="91425" rIns="91425" bIns="91425" anchor="t" anchorCtr="0">
+            <a:noAutofit/>
+          </a:bodyPr>
+          <a:lstStyle/>
+          <a:p>
+            <a:pPr marL="457200" lvl="0" indent="-381000" rtl="0">
+              <a:lnSpc>
+                <a:spcPct val="100000"/>
+              </a:lnSpc>
+              <a:spcBef>
+                <a:spcPts val="0"/>
+              </a:spcBef>
+              <a:buClr>
+                <a:srgbClr val="000000"/>
+              </a:buClr>
+              <a:buSzPct val="166666"/>
+              <a:buFont typeface="Arial"/>
+              <a:buChar char="•"/>
+            </a:pPr>
+            <a:r>
+              <a:rPr lang="en" sz="2400">
+                <a:solidFill>
+                  <a:srgbClr val="000000"/>
+                </a:solidFill>
+              </a:rPr>
+              <a:t>You are sitting in the library with a group of people and you write some test cases on the whiteboard.</a:t>
+            </a:r>
+          </a:p>
+          <a:p>
+            <a:pPr marL="457200" lvl="0" indent="-381000" rtl="0">
+              <a:lnSpc>
+                <a:spcPct val="100000"/>
+              </a:lnSpc>
+              <a:spcBef>
+                <a:spcPts val="0"/>
+              </a:spcBef>
+              <a:buClr>
+                <a:srgbClr val="000000"/>
+              </a:buClr>
+              <a:buSzPct val="166666"/>
+              <a:buFont typeface="Arial"/>
+              <a:buChar char="•"/>
+            </a:pPr>
+            <a:r>
+              <a:rPr lang="en" sz="2400">
+                <a:solidFill>
+                  <a:srgbClr val="000000"/>
+                </a:solidFill>
+              </a:rPr>
+              <a:t>And then you all submit the same test cases, maybe with the numbers changed.</a:t>
+            </a:r>
+          </a:p>
+          <a:p>
+            <a:pPr marL="457200" lvl="0" indent="-381000" rtl="0">
+              <a:lnSpc>
+                <a:spcPct val="100000"/>
+              </a:lnSpc>
+              <a:spcBef>
+                <a:spcPts val="0"/>
+              </a:spcBef>
+              <a:buClr>
+                <a:srgbClr val="000000"/>
+              </a:buClr>
+              <a:buSzPct val="166666"/>
+              <a:buFont typeface="Arial"/>
+              <a:buChar char="•"/>
+            </a:pPr>
+            <a:r>
+              <a:rPr lang="en" sz="2400">
+                <a:solidFill>
+                  <a:srgbClr val="000000"/>
+                </a:solidFill>
+              </a:rPr>
+              <a:t>What happens next?</a:t>
+            </a:r>
+          </a:p>
+          <a:p>
+            <a:pPr marL="457200" lvl="0" indent="-381000" rtl="0">
+              <a:lnSpc>
+                <a:spcPct val="100000"/>
+              </a:lnSpc>
+              <a:spcBef>
+                <a:spcPts val="0"/>
+              </a:spcBef>
+              <a:buClr>
+                <a:srgbClr val="000000"/>
+              </a:buClr>
+              <a:buSzPct val="166666"/>
+              <a:buFont typeface="Arial"/>
+              <a:buChar char="•"/>
+            </a:pPr>
+            <a:r>
+              <a:rPr lang="en" sz="2400">
+                <a:solidFill>
+                  <a:srgbClr val="000000"/>
+                </a:solidFill>
+              </a:rPr>
+              <a:t>You all will be sent to OSCCR.</a:t>
+            </a:r>
+          </a:p>
+          <a:p>
+            <a:endParaRPr lang="en" sz="2400">
+              <a:solidFill>
+                <a:srgbClr val="000000"/>
+              </a:solidFill>
+            </a:endParaRPr>
+          </a:p>
+        </p:txBody>
+      </p:sp>
+    </p:spTree>
+  </p:cSld>
+  <p:clrMapOvr>
+    <a:masterClrMapping/>
+  </p:clrMapOvr>
+  <p:transition spd="slow">
+    <p:cut/>
+  </p:transition>
+  <p:timing>
+    <p:tnLst>
+      <p:par>
+        <p:cTn id="1" dur="indefinite" restart="never" nodeType="tmRoot">
+          <p:childTnLst>
+            <p:seq concurrent="1" nextAc="seek">
+              <p:cTn id="2" dur="indefinite" nodeType="mainSeq">
+                <p:childTnLst>
+                  <p:par>
+                    <p:cTn id="3" fill="hold">
+                      <p:stCondLst>
+                        <p:cond delay="indefinite"/>
+                      </p:stCondLst>
+                      <p:childTnLst>
+                        <p:par>
+                          <p:cTn id="4" fill="hold">
+                            <p:stCondLst>
+                              <p:cond delay="0"/>
+                            </p:stCondLst>
+                            <p:childTnLst>
+                              <p:par>
+                                <p:cTn id="5" presetID="10" presetClass="entr" presetSubtype="0" fill="hold" nodeType="clickEffect">
+                                  <p:stCondLst>
+                                    <p:cond delay="0"/>
+                                  </p:stCondLst>
+                                  <p:childTnLst>
+                                    <p:set>
+                                      <p:cBhvr>
+                                        <p:cTn id="6" dur="1" fill="hold">
+                                          <p:stCondLst>
+                                            <p:cond delay="0"/>
+                                          </p:stCondLst>
+                                        </p:cTn>
+                                        <p:tgtEl>
+                                          <p:spTgt spid="164">
+                                            <p:txEl>
+                                              <p:pRg st="0" end="0"/>
+                                            </p:txEl>
+                                          </p:spTgt>
+                                        </p:tgtEl>
+                                        <p:attrNameLst>
+                                          <p:attrName>style.visibility</p:attrName>
+                                        </p:attrNameLst>
+                                      </p:cBhvr>
+                                      <p:to>
+                                        <p:strVal val="visible"/>
+                                      </p:to>
+                                    </p:set>
+                                    <p:animEffect transition="in" filter="fade">
+                                      <p:cBhvr>
+                                        <p:cTn id="7" dur="1000"/>
+                                        <p:tgtEl>
+                                          <p:spTgt spid="164">
+                                            <p:txEl>
+                                              <p:pRg st="0" end="0"/>
+                                            </p:txEl>
+                                          </p:spTgt>
+                                        </p:tgtEl>
+                                      </p:cBhvr>
+                                    </p:animEffect>
+                                  </p:childTnLst>
+                                </p:cTn>
+                              </p:par>
+                            </p:childTnLst>
+                          </p:cTn>
+                        </p:par>
+                      </p:childTnLst>
+                    </p:cTn>
+                  </p:par>
+                  <p:par>
+                    <p:cTn id="8" fill="hold">
+                      <p:stCondLst>
+                        <p:cond delay="indefinite"/>
+                      </p:stCondLst>
+                      <p:childTnLst>
+                        <p:par>
+                          <p:cTn id="9" fill="hold">
+                            <p:stCondLst>
+                              <p:cond delay="0"/>
+                            </p:stCondLst>
+                            <p:childTnLst>
+                              <p:par>
+                                <p:cTn id="10" presetID="10" presetClass="entr" presetSubtype="0" fill="hold" nodeType="clickEffect">
+                                  <p:stCondLst>
+                                    <p:cond delay="0"/>
+                                  </p:stCondLst>
+                                  <p:childTnLst>
+                                    <p:set>
+                                      <p:cBhvr>
+                                        <p:cTn id="11" dur="1" fill="hold">
+                                          <p:stCondLst>
+                                            <p:cond delay="0"/>
+                                          </p:stCondLst>
+                                        </p:cTn>
+                                        <p:tgtEl>
+                                          <p:spTgt spid="164">
+                                            <p:txEl>
+                                              <p:pRg st="1" end="1"/>
+                                            </p:txEl>
+                                          </p:spTgt>
+                                        </p:tgtEl>
+                                        <p:attrNameLst>
+                                          <p:attrName>style.visibility</p:attrName>
+                                        </p:attrNameLst>
+                                      </p:cBhvr>
+                                      <p:to>
+                                        <p:strVal val="visible"/>
+                                      </p:to>
+                                    </p:set>
+                                    <p:animEffect transition="in" filter="fade">
+                                      <p:cBhvr>
+                                        <p:cTn id="12" dur="1000"/>
+                                        <p:tgtEl>
+                                          <p:spTgt spid="164">
+                                            <p:txEl>
+                                              <p:pRg st="1" end="1"/>
+                                            </p:txEl>
+                                          </p:spTgt>
+                                        </p:tgtEl>
+                                      </p:cBhvr>
+                                    </p:animEffect>
+                                  </p:childTnLst>
+                                </p:cTn>
+                              </p:par>
+                            </p:childTnLst>
+                          </p:cTn>
+                        </p:par>
+                      </p:childTnLst>
+                    </p:cTn>
+                  </p:par>
+                  <p:par>
+                    <p:cTn id="13" fill="hold">
+                      <p:stCondLst>
+                        <p:cond delay="indefinite"/>
+                      </p:stCondLst>
+                      <p:childTnLst>
+                        <p:par>
+                          <p:cTn id="14" fill="hold">
+                            <p:stCondLst>
+                              <p:cond delay="0"/>
+                            </p:stCondLst>
+                            <p:childTnLst>
+                              <p:par>
+                                <p:cTn id="15" presetID="10" presetClass="entr" presetSubtype="0" fill="hold" nodeType="clickEffect">
+                                  <p:stCondLst>
+                                    <p:cond delay="0"/>
+                                  </p:stCondLst>
+                                  <p:childTnLst>
+                                    <p:set>
+                                      <p:cBhvr>
+                                        <p:cTn id="16" dur="1" fill="hold">
+                                          <p:stCondLst>
+                                            <p:cond delay="0"/>
+                                          </p:stCondLst>
+                                        </p:cTn>
+                                        <p:tgtEl>
+                                          <p:spTgt spid="164">
+                                            <p:txEl>
+                                              <p:pRg st="2" end="2"/>
+                                            </p:txEl>
+                                          </p:spTgt>
+                                        </p:tgtEl>
+                                        <p:attrNameLst>
+                                          <p:attrName>style.visibility</p:attrName>
+                                        </p:attrNameLst>
+                                      </p:cBhvr>
+                                      <p:to>
+                                        <p:strVal val="visible"/>
+                                      </p:to>
+                                    </p:set>
+                                    <p:animEffect transition="in" filter="fade">
+                                      <p:cBhvr>
+                                        <p:cTn id="17" dur="1000"/>
+                                        <p:tgtEl>
+                                          <p:spTgt spid="164">
+                                            <p:txEl>
+                                              <p:pRg st="2" end="2"/>
+                                            </p:txEl>
+                                          </p:spTgt>
+                                        </p:tgtEl>
+                                      </p:cBhvr>
+                                    </p:animEffect>
+                                  </p:childTnLst>
+                                </p:cTn>
+                              </p:par>
+                            </p:childTnLst>
+                          </p:cTn>
+                        </p:par>
+                      </p:childTnLst>
+                    </p:cTn>
+                  </p:par>
+                  <p:par>
+                    <p:cTn id="18" fill="hold">
+                      <p:stCondLst>
+                        <p:cond delay="indefinite"/>
+                      </p:stCondLst>
+                      <p:childTnLst>
+                        <p:par>
+                          <p:cTn id="19" fill="hold">
+                            <p:stCondLst>
+                              <p:cond delay="0"/>
+                            </p:stCondLst>
+                            <p:childTnLst>
+                              <p:par>
+                                <p:cTn id="20" presetID="10" presetClass="entr" presetSubtype="0" fill="hold" nodeType="clickEffect">
+                                  <p:stCondLst>
+                                    <p:cond delay="0"/>
+                                  </p:stCondLst>
+                                  <p:childTnLst>
+                                    <p:set>
+                                      <p:cBhvr>
+                                        <p:cTn id="21" dur="1" fill="hold">
+                                          <p:stCondLst>
+                                            <p:cond delay="0"/>
+                                          </p:stCondLst>
+                                        </p:cTn>
+                                        <p:tgtEl>
+                                          <p:spTgt spid="164">
+                                            <p:txEl>
+                                              <p:pRg st="3" end="3"/>
+                                            </p:txEl>
+                                          </p:spTgt>
+                                        </p:tgtEl>
+                                        <p:attrNameLst>
+                                          <p:attrName>style.visibility</p:attrName>
+                                        </p:attrNameLst>
+                                      </p:cBhvr>
+                                      <p:to>
+                                        <p:strVal val="visible"/>
+                                      </p:to>
+                                    </p:set>
+                                    <p:animEffect transition="in" filter="fade">
+                                      <p:cBhvr>
+                                        <p:cTn id="22" dur="1000"/>
+                                        <p:tgtEl>
+                                          <p:spTgt spid="164">
+                                            <p:txEl>
+                                              <p:pRg st="3" end="3"/>
+                                            </p:txEl>
+                                          </p:spTgt>
+                                        </p:tgtEl>
+                                      </p:cBhvr>
+                                    </p:animEffect>
+                                  </p:childTnLst>
+                                </p:cTn>
+                              </p:par>
+                            </p:childTnLst>
+                          </p:cTn>
+                        </p:par>
+                      </p:childTnLst>
+                    </p:cTn>
+                  </p:par>
+                  <p:par>
+                    <p:cTn id="23" fill="hold">
+                      <p:stCondLst>
+                        <p:cond delay="indefinite"/>
+                      </p:stCondLst>
+                      <p:childTnLst>
+                        <p:par>
+                          <p:cTn id="24" fill="hold">
+                            <p:stCondLst>
+                              <p:cond delay="0"/>
+                            </p:stCondLst>
+                            <p:childTnLst>
+                              <p:par>
+                                <p:cTn id="25" presetID="10" presetClass="entr" presetSubtype="0" fill="hold" nodeType="clickEffect">
+                                  <p:stCondLst>
+                                    <p:cond delay="0"/>
+                                  </p:stCondLst>
+                                  <p:childTnLst>
+                                    <p:set>
+                                      <p:cBhvr>
+                                        <p:cTn id="26" dur="1" fill="hold">
+                                          <p:stCondLst>
+                                            <p:cond delay="0"/>
+                                          </p:stCondLst>
+                                        </p:cTn>
+                                        <p:tgtEl>
+                                          <p:spTgt spid="164">
+                                            <p:txEl>
+                                              <p:pRg st="4" end="4"/>
+                                            </p:txEl>
+                                          </p:spTgt>
+                                        </p:tgtEl>
+                                        <p:attrNameLst>
+                                          <p:attrName>style.visibility</p:attrName>
+                                        </p:attrNameLst>
+                                      </p:cBhvr>
+                                      <p:to>
+                                        <p:strVal val="visible"/>
+                                      </p:to>
+                                    </p:set>
+                                    <p:animEffect transition="in" filter="fade">
+                                      <p:cBhvr>
+                                        <p:cTn id="27" dur="1000"/>
+                                        <p:tgtEl>
+                                          <p:spTgt spid="164">
+                                            <p:txEl>
+                                              <p:pRg st="4" end="4"/>
+                                            </p:txEl>
+                                          </p:spTgt>
+                                        </p:tgtEl>
+                                      </p:cBhvr>
+                                    </p:animEffect>
+                                  </p:childTnLst>
+                                </p:cTn>
+                              </p:par>
+                            </p:childTnLst>
+                          </p:cTn>
+                        </p:par>
+                      </p:childTnLst>
+                    </p:cTn>
+                  </p:par>
+                </p:childTnLst>
+              </p:cTn>
+              <p:prevCondLst>
+                <p:cond evt="onPrev" delay="0">
+                  <p:tgtEl>
+                    <p:sldTgt/>
+                  </p:tgtEl>
+                </p:cond>
+              </p:prevCondLst>
+              <p:nextCondLst>
+                <p:cond evt="onNext" delay="0">
+                  <p:tgtEl>
+                    <p:sldTgt/>
+                  </p:tgtEl>
+                </p:cond>
+              </p:nextCondLst>
+            </p:seq>
+          </p:childTnLst>
+        </p:cTn>
+      </p:par>
+    </p:tnLst>
+  </p:timing>
+</p:sld>
+</file>
+
+<file path=ppt/slides/slide13.xml><?xml version="1.0" encoding="utf-8"?>
+<p:sld xmlns:a="http://schemas.openxmlformats.org/drawingml/2006/main" xmlns:r="http://schemas.openxmlformats.org/officeDocument/2006/relationships" xmlns:p="http://schemas.openxmlformats.org/presentationml/2006/main">
+  <p:cSld>
+    <p:spTree>
+      <p:nvGrpSpPr>
+        <p:cNvPr id="1" name=""/>
+        <p:cNvGrpSpPr/>
+        <p:nvPr/>
+      </p:nvGrpSpPr>
+      <p:grpSpPr>
+        <a:xfrm>
+          <a:off x="0" y="0"/>
+          <a:ext cx="0" cy="0"/>
+          <a:chOff x="0" y="0"/>
+          <a:chExt cx="0" cy="0"/>
+        </a:xfrm>
+      </p:grpSpPr>
+      <p:sp>
+        <p:nvSpPr>
+          <p:cNvPr id="2" name="Title 1"/>
+          <p:cNvSpPr>
+            <a:spLocks noGrp="1"/>
+          </p:cNvSpPr>
+          <p:nvPr>
+            <p:ph type="title"/>
+          </p:nvPr>
+        </p:nvSpPr>
+        <p:spPr/>
+        <p:txBody>
+          <a:bodyPr/>
+          <a:lstStyle/>
+          <a:p>
+            <a:r>
+              <a:rPr lang="en-US" dirty="0"/>
+              <a:t>Typical scenarios (4)</a:t>
+            </a:r>
+          </a:p>
+        </p:txBody>
+      </p:sp>
+      <p:sp>
+        <p:nvSpPr>
+          <p:cNvPr id="3" name="Text Placeholder 2"/>
+          <p:cNvSpPr>
+            <a:spLocks noGrp="1"/>
+          </p:cNvSpPr>
+          <p:nvPr>
+            <p:ph type="body" idx="1"/>
+          </p:nvPr>
+        </p:nvSpPr>
+        <p:spPr>
+          <a:xfrm>
+            <a:off x="457200" y="1600200"/>
+            <a:ext cx="8229600" cy="4490884"/>
+          </a:xfrm>
+        </p:spPr>
+        <p:txBody>
+          <a:bodyPr/>
+          <a:lstStyle/>
+          <a:p>
+            <a:r>
+              <a:rPr lang="en-US" sz="2800" dirty="0"/>
+              <a:t>You feel stuck, so you search the web looking for ideas, and you find a program that solves a similar problem, possibly written by another student in some previous semester.</a:t>
+            </a:r>
+          </a:p>
+          <a:p>
+            <a:r>
+              <a:rPr lang="en-US" sz="2800" dirty="0"/>
+              <a:t>So you copy that program’s design or part of its code.</a:t>
+            </a:r>
+          </a:p>
+          <a:p>
+            <a:r>
+              <a:rPr lang="en-US" sz="2800" dirty="0"/>
+              <a:t>What happens next:</a:t>
+            </a:r>
+          </a:p>
+          <a:p>
+            <a:r>
+              <a:rPr lang="en-US" sz="2800" dirty="0"/>
+              <a:t>Your plagiarism will be detected, and you will be sent to OSCCR.</a:t>
+            </a:r>
+          </a:p>
+          <a:p>
+            <a:endParaRPr lang="en-US" dirty="0"/>
+          </a:p>
+        </p:txBody>
+      </p:sp>
+    </p:spTree>
+    <p:extLst>
+      <p:ext uri="{BB962C8B-B14F-4D97-AF65-F5344CB8AC3E}">
+        <p14:creationId xmlns:p14="http://schemas.microsoft.com/office/powerpoint/2010/main" val="3732906072"/>
+      </p:ext>
+    </p:extLst>
+  </p:cSld>
+  <p:clrMapOvr>
+    <a:masterClrMapping/>
+  </p:clrMapOvr>
+</p:sld>
+</file>
+
+<file path=ppt/slides/slide14.xml><?xml version="1.0" encoding="utf-8"?>
+<p:sld xmlns:a="http://schemas.openxmlformats.org/drawingml/2006/main" xmlns:r="http://schemas.openxmlformats.org/officeDocument/2006/relationships" xmlns:p="http://schemas.openxmlformats.org/presentationml/2006/main">
+  <p:cSld>
+    <p:spTree>
+      <p:nvGrpSpPr>
+        <p:cNvPr id="1" name="Shape 168"/>
+        <p:cNvGrpSpPr/>
+        <p:nvPr/>
+      </p:nvGrpSpPr>
+      <p:grpSpPr>
+        <a:xfrm>
+          <a:off x="0" y="0"/>
+          <a:ext cx="0" cy="0"/>
+          <a:chOff x="0" y="0"/>
+          <a:chExt cx="0" cy="0"/>
+        </a:xfrm>
+      </p:grpSpPr>
+      <p:sp>
+        <p:nvSpPr>
+          <p:cNvPr id="169" name="Shape 169"/>
+          <p:cNvSpPr txBox="1">
+            <a:spLocks noGrp="1"/>
+          </p:cNvSpPr>
+          <p:nvPr>
+            <p:ph type="title"/>
+          </p:nvPr>
+        </p:nvSpPr>
+        <p:spPr>
+          <a:xfrm>
+            <a:off x="457200" y="274637"/>
+            <a:ext cx="8229600" cy="1143000"/>
+          </a:xfrm>
+          <a:prstGeom prst="rect">
+            <a:avLst/>
+          </a:prstGeom>
+        </p:spPr>
+        <p:txBody>
+          <a:bodyPr lIns="91425" tIns="91425" rIns="91425" bIns="91425" anchor="ctr" anchorCtr="0">
+            <a:noAutofit/>
+          </a:bodyPr>
+          <a:lstStyle/>
+          <a:p>
+            <a:pPr>
+              <a:buNone/>
+            </a:pPr>
+            <a:r>
+              <a:rPr lang="en"/>
+              <a:t>What happens if I get caught?</a:t>
+            </a:r>
+          </a:p>
+        </p:txBody>
+      </p:sp>
+      <p:sp>
+        <p:nvSpPr>
+          <p:cNvPr id="170" name="Shape 170"/>
+          <p:cNvSpPr txBox="1">
+            <a:spLocks noGrp="1"/>
+          </p:cNvSpPr>
+          <p:nvPr>
+            <p:ph type="body" idx="1"/>
+          </p:nvPr>
+        </p:nvSpPr>
+        <p:spPr>
+          <a:xfrm>
+            <a:off x="457200" y="1600200"/>
+            <a:ext cx="8229600" cy="4526100"/>
+          </a:xfrm>
+          <a:prstGeom prst="rect">
+            <a:avLst/>
+          </a:prstGeom>
+        </p:spPr>
+        <p:txBody>
+          <a:bodyPr lIns="91425" tIns="91425" rIns="91425" bIns="91425" anchor="t" anchorCtr="0">
+            <a:noAutofit/>
+          </a:bodyPr>
+          <a:lstStyle/>
+          <a:p>
+            <a:pPr marL="457200" lvl="0" indent="-381000" rtl="0">
+              <a:buClr>
+                <a:schemeClr val="dk1"/>
+              </a:buClr>
+              <a:buSzPct val="100000"/>
+              <a:buFont typeface="Calibri"/>
+              <a:buChar char="●"/>
+            </a:pPr>
+            <a:r>
+              <a:rPr lang="en" sz="2400" dirty="0"/>
+              <a:t>You will get called to the instructor’s office and he or she will show you what you did.</a:t>
+            </a:r>
+          </a:p>
+          <a:p>
+            <a:pPr marL="457200" lvl="0" indent="-381000" rtl="0">
+              <a:buClr>
+                <a:schemeClr val="dk1"/>
+              </a:buClr>
+              <a:buSzPct val="100000"/>
+              <a:buFont typeface="Calibri"/>
+              <a:buChar char="●"/>
+            </a:pPr>
+            <a:r>
+              <a:rPr lang="en" sz="2400" dirty="0"/>
+              <a:t>You will receive a grade penalty in the course.</a:t>
+            </a:r>
+          </a:p>
+          <a:p>
+            <a:pPr marL="457200" lvl="0" indent="-381000" rtl="0">
+              <a:buClr>
+                <a:schemeClr val="dk1"/>
+              </a:buClr>
+              <a:buSzPct val="100000"/>
+              <a:buFont typeface="Calibri"/>
+              <a:buChar char="●"/>
+            </a:pPr>
+            <a:r>
+              <a:rPr lang="en" sz="2400" dirty="0"/>
+              <a:t>You will be sent to OSCCR.</a:t>
+            </a:r>
+          </a:p>
+          <a:p>
+            <a:pPr marL="914400" lvl="1" indent="-381000" rtl="0">
+              <a:buClr>
+                <a:schemeClr val="dk1"/>
+              </a:buClr>
+              <a:buSzPct val="100000"/>
+              <a:buFont typeface="Calibri"/>
+              <a:buChar char="○"/>
+            </a:pPr>
+            <a:r>
+              <a:rPr lang="en" sz="2400" dirty="0"/>
+              <a:t>They will assign a non-academic penalty (typically some form of suspension, possibly deferred if there are no future violations)</a:t>
+            </a:r>
+          </a:p>
+          <a:p>
+            <a:pPr marL="914400" lvl="1" indent="-381000" rtl="0">
+              <a:buClr>
+                <a:schemeClr val="dk1"/>
+              </a:buClr>
+              <a:buSzPct val="100000"/>
+              <a:buFont typeface="Calibri"/>
+              <a:buChar char="○"/>
+            </a:pPr>
+            <a:r>
+              <a:rPr lang="en" sz="2400" dirty="0"/>
+              <a:t>A second OSCCR violation typically results in expulsion from the University.</a:t>
+            </a:r>
+          </a:p>
+          <a:p>
+            <a:pPr marL="1371600" lvl="2" indent="-381000">
+              <a:buClr>
+                <a:schemeClr val="dk1"/>
+              </a:buClr>
+              <a:buSzPct val="75000"/>
+              <a:buFont typeface="Calibri"/>
+              <a:buChar char="■"/>
+            </a:pPr>
+            <a:r>
+              <a:rPr lang="en" dirty="0"/>
+              <a:t>I have seen this happen!</a:t>
+            </a:r>
+          </a:p>
+        </p:txBody>
+      </p:sp>
+    </p:spTree>
+  </p:cSld>
+  <p:clrMapOvr>
+    <a:masterClrMapping/>
+  </p:clrMapOvr>
+  <p:transition spd="slow">
+    <p:cut/>
+  </p:transition>
+</p:sld>
+</file>
+
+<file path=ppt/slides/slide15.xml><?xml version="1.0" encoding="utf-8"?>
+<p:sld xmlns:a="http://schemas.openxmlformats.org/drawingml/2006/main" xmlns:r="http://schemas.openxmlformats.org/officeDocument/2006/relationships" xmlns:p="http://schemas.openxmlformats.org/presentationml/2006/main">
+  <p:cSld>
+    <p:spTree>
+      <p:nvGrpSpPr>
+        <p:cNvPr id="1" name=""/>
+        <p:cNvGrpSpPr/>
+        <p:nvPr/>
+      </p:nvGrpSpPr>
+      <p:grpSpPr>
+        <a:xfrm>
+          <a:off x="0" y="0"/>
+          <a:ext cx="0" cy="0"/>
+          <a:chOff x="0" y="0"/>
+          <a:chExt cx="0" cy="0"/>
+        </a:xfrm>
+      </p:grpSpPr>
+      <p:sp>
+        <p:nvSpPr>
+          <p:cNvPr id="2" name="Title 1"/>
+          <p:cNvSpPr>
+            <a:spLocks noGrp="1"/>
+          </p:cNvSpPr>
+          <p:nvPr>
+            <p:ph type="title"/>
+          </p:nvPr>
+        </p:nvSpPr>
+        <p:spPr/>
+        <p:txBody>
+          <a:bodyPr/>
+          <a:lstStyle/>
+          <a:p>
+            <a:r>
+              <a:rPr lang="en-US" dirty="0"/>
+              <a:t>What else happens</a:t>
+            </a:r>
+          </a:p>
+        </p:txBody>
+      </p:sp>
+      <p:sp>
+        <p:nvSpPr>
+          <p:cNvPr id="3" name="Text Placeholder 2"/>
+          <p:cNvSpPr>
+            <a:spLocks noGrp="1"/>
+          </p:cNvSpPr>
+          <p:nvPr>
+            <p:ph type="body" idx="1"/>
+          </p:nvPr>
+        </p:nvSpPr>
+        <p:spPr/>
+        <p:txBody>
+          <a:bodyPr/>
+          <a:lstStyle/>
+          <a:p>
+            <a:r>
+              <a:rPr lang="en-US" dirty="0"/>
+              <a:t>You will also be sent to the CCIS Disciplinary Committee.</a:t>
+            </a:r>
+          </a:p>
+          <a:p>
+            <a:pPr lvl="1"/>
+            <a:r>
+              <a:rPr lang="en-US" dirty="0"/>
+              <a:t>They will assess additional penalties</a:t>
+            </a:r>
+          </a:p>
+          <a:p>
+            <a:pPr lvl="1"/>
+            <a:r>
+              <a:rPr lang="en-US" dirty="0"/>
+              <a:t>A second offense (or a sufficiently major first offense) may result in penalties up to and including dismissal from the program.  [This has happened!!]</a:t>
+            </a:r>
+          </a:p>
+        </p:txBody>
+      </p:sp>
+    </p:spTree>
+    <p:extLst>
+      <p:ext uri="{BB962C8B-B14F-4D97-AF65-F5344CB8AC3E}">
+        <p14:creationId xmlns:p14="http://schemas.microsoft.com/office/powerpoint/2010/main" val="809042306"/>
+      </p:ext>
+    </p:extLst>
+  </p:cSld>
+  <p:clrMapOvr>
+    <a:masterClrMapping/>
+  </p:clrMapOvr>
+</p:sld>
+</file>
+
+<file path=ppt/slides/slide16.xml><?xml version="1.0" encoding="utf-8"?>
+<p:sld xmlns:a="http://schemas.openxmlformats.org/drawingml/2006/main" xmlns:r="http://schemas.openxmlformats.org/officeDocument/2006/relationships" xmlns:p="http://schemas.openxmlformats.org/presentationml/2006/main">
+  <p:cSld>
+    <p:spTree>
+      <p:nvGrpSpPr>
+        <p:cNvPr id="1" name="Shape 174"/>
+        <p:cNvGrpSpPr/>
+        <p:nvPr/>
+      </p:nvGrpSpPr>
+      <p:grpSpPr>
+        <a:xfrm>
+          <a:off x="0" y="0"/>
+          <a:ext cx="0" cy="0"/>
+          <a:chOff x="0" y="0"/>
+          <a:chExt cx="0" cy="0"/>
+        </a:xfrm>
+      </p:grpSpPr>
+      <p:sp>
+        <p:nvSpPr>
+          <p:cNvPr id="175" name="Shape 175"/>
+          <p:cNvSpPr txBox="1">
+            <a:spLocks noGrp="1"/>
+          </p:cNvSpPr>
+          <p:nvPr>
+            <p:ph type="title"/>
+          </p:nvPr>
+        </p:nvSpPr>
+        <p:spPr>
+          <a:xfrm>
+            <a:off x="457200" y="274637"/>
+            <a:ext cx="8229600" cy="1143000"/>
+          </a:xfrm>
+          <a:prstGeom prst="rect">
+            <a:avLst/>
+          </a:prstGeom>
+        </p:spPr>
+        <p:txBody>
+          <a:bodyPr lIns="91425" tIns="91425" rIns="91425" bIns="91425" anchor="ctr" anchorCtr="0">
+            <a:noAutofit/>
+          </a:bodyPr>
+          <a:lstStyle/>
+          <a:p>
+            <a:pPr>
+              <a:buNone/>
+            </a:pPr>
+            <a:r>
+              <a:rPr lang="en" sz="4000" dirty="0"/>
+              <a:t>What happens if I don’t get caught?</a:t>
+            </a:r>
+          </a:p>
+        </p:txBody>
+      </p:sp>
+      <p:sp>
+        <p:nvSpPr>
+          <p:cNvPr id="176" name="Shape 176"/>
+          <p:cNvSpPr txBox="1">
+            <a:spLocks noGrp="1"/>
+          </p:cNvSpPr>
+          <p:nvPr>
+            <p:ph type="body" idx="1"/>
+          </p:nvPr>
+        </p:nvSpPr>
+        <p:spPr>
+          <a:xfrm>
+            <a:off x="457200" y="1600200"/>
+            <a:ext cx="8229600" cy="4526100"/>
+          </a:xfrm>
+          <a:prstGeom prst="rect">
+            <a:avLst/>
+          </a:prstGeom>
+        </p:spPr>
+        <p:txBody>
+          <a:bodyPr lIns="91425" tIns="91425" rIns="91425" bIns="91425" anchor="t" anchorCtr="0">
+            <a:noAutofit/>
+          </a:bodyPr>
+          <a:lstStyle/>
+          <a:p>
+            <a:pPr marL="457200" lvl="0" indent="-419100" rtl="0">
+              <a:buClr>
+                <a:schemeClr val="dk1"/>
+              </a:buClr>
+              <a:buSzPct val="100000"/>
+              <a:buFont typeface="Calibri"/>
+              <a:buChar char="●"/>
+            </a:pPr>
+            <a:r>
+              <a:rPr lang="en" sz="3000" dirty="0"/>
+              <a:t>You go on to the next course, and do poorly because you are unprepared</a:t>
+            </a:r>
+          </a:p>
+          <a:p>
+            <a:pPr marL="457200" lvl="0" indent="-419100" rtl="0">
+              <a:buClr>
+                <a:schemeClr val="dk1"/>
+              </a:buClr>
+              <a:buSzPct val="100000"/>
+              <a:buFont typeface="Calibri"/>
+              <a:buChar char="●"/>
+            </a:pPr>
+            <a:r>
+              <a:rPr lang="en" sz="3000" dirty="0"/>
+              <a:t>You go out on an interview, and do poorly because you are unprepared</a:t>
+            </a:r>
+          </a:p>
+          <a:p>
+            <a:pPr marL="457200" lvl="0" indent="-419100" rtl="0">
+              <a:buClr>
+                <a:schemeClr val="dk1"/>
+              </a:buClr>
+              <a:buSzPct val="100000"/>
+              <a:buFont typeface="Calibri"/>
+              <a:buChar char="●"/>
+            </a:pPr>
+            <a:r>
+              <a:rPr lang="en" sz="3000" dirty="0"/>
+              <a:t>You manage to get a job, but do poorly because you are unprepared.</a:t>
+            </a:r>
+          </a:p>
+          <a:p>
+            <a:pPr marL="457200" lvl="0" indent="-419100">
+              <a:buClr>
+                <a:schemeClr val="dk1"/>
+              </a:buClr>
+              <a:buSzPct val="100000"/>
+              <a:buFont typeface="Calibri"/>
+              <a:buChar char="●"/>
+            </a:pPr>
+            <a:r>
+              <a:rPr lang="en" sz="3000" dirty="0"/>
+              <a:t>Your co-op employer is so disappointed by your performance that he decides not to interview any more NU students.</a:t>
+            </a:r>
+          </a:p>
+        </p:txBody>
+      </p:sp>
+    </p:spTree>
+  </p:cSld>
+  <p:clrMapOvr>
+    <a:masterClrMapping/>
+  </p:clrMapOvr>
+  <p:transition spd="slow">
+    <p:cut/>
+  </p:transition>
+</p:sld>
+</file>
+
+<file path=ppt/slides/slide17.xml><?xml version="1.0" encoding="utf-8"?>
+<p:sld xmlns:a="http://schemas.openxmlformats.org/drawingml/2006/main" xmlns:r="http://schemas.openxmlformats.org/officeDocument/2006/relationships" xmlns:p="http://schemas.openxmlformats.org/presentationml/2006/main">
+  <p:cSld>
+    <p:spTree>
+      <p:nvGrpSpPr>
+        <p:cNvPr id="1" name="Shape 180"/>
+        <p:cNvGrpSpPr/>
+        <p:nvPr/>
+      </p:nvGrpSpPr>
+      <p:grpSpPr>
+        <a:xfrm>
+          <a:off x="0" y="0"/>
+          <a:ext cx="0" cy="0"/>
+          <a:chOff x="0" y="0"/>
+          <a:chExt cx="0" cy="0"/>
+        </a:xfrm>
+      </p:grpSpPr>
+      <p:sp>
+        <p:nvSpPr>
+          <p:cNvPr id="181" name="Shape 181"/>
+          <p:cNvSpPr txBox="1">
+            <a:spLocks noGrp="1"/>
+          </p:cNvSpPr>
+          <p:nvPr>
+            <p:ph type="title"/>
+          </p:nvPr>
+        </p:nvSpPr>
+        <p:spPr>
+          <a:xfrm>
+            <a:off x="457200" y="274637"/>
+            <a:ext cx="8229600" cy="1143000"/>
+          </a:xfrm>
+          <a:prstGeom prst="rect">
+            <a:avLst/>
+          </a:prstGeom>
+        </p:spPr>
+        <p:txBody>
+          <a:bodyPr lIns="91425" tIns="91425" rIns="91425" bIns="91425" anchor="ctr" anchorCtr="0">
+            <a:noAutofit/>
+          </a:bodyPr>
+          <a:lstStyle/>
+          <a:p>
+            <a:pPr>
+              <a:buNone/>
+            </a:pPr>
+            <a:r>
+              <a:rPr lang="en"/>
+              <a:t>Avoiding Problems (1)</a:t>
+            </a:r>
+          </a:p>
+        </p:txBody>
+      </p:sp>
+      <p:sp>
+        <p:nvSpPr>
+          <p:cNvPr id="182" name="Shape 182"/>
+          <p:cNvSpPr txBox="1">
+            <a:spLocks noGrp="1"/>
+          </p:cNvSpPr>
+          <p:nvPr>
+            <p:ph type="body" idx="1"/>
+          </p:nvPr>
+        </p:nvSpPr>
+        <p:spPr>
+          <a:xfrm>
+            <a:off x="457200" y="1600200"/>
+            <a:ext cx="8229600" cy="4526100"/>
+          </a:xfrm>
+          <a:prstGeom prst="rect">
+            <a:avLst/>
+          </a:prstGeom>
+        </p:spPr>
+        <p:txBody>
+          <a:bodyPr lIns="91425" tIns="91425" rIns="91425" bIns="91425" anchor="t" anchorCtr="0">
+            <a:noAutofit/>
+          </a:bodyPr>
+          <a:lstStyle/>
+          <a:p>
+            <a:pPr marL="457200" lvl="0" indent="-419100" rtl="0">
+              <a:buClr>
+                <a:schemeClr val="dk1"/>
+              </a:buClr>
+              <a:buSzPct val="100000"/>
+              <a:buFont typeface="Calibri"/>
+              <a:buChar char="●"/>
+            </a:pPr>
+            <a:r>
+              <a:rPr lang="en" sz="3000">
+                <a:solidFill>
+                  <a:srgbClr val="000000"/>
+                </a:solidFill>
+              </a:rPr>
+              <a:t>Students typically report that this course requires about 20 hours of work per week, so budget your time accordingly. </a:t>
+            </a:r>
+          </a:p>
+          <a:p>
+            <a:pPr marL="457200" lvl="0" indent="-419100" rtl="0">
+              <a:buClr>
+                <a:schemeClr val="dk1"/>
+              </a:buClr>
+              <a:buSzPct val="100000"/>
+              <a:buFont typeface="Calibri"/>
+              <a:buChar char="●"/>
+            </a:pPr>
+            <a:r>
+              <a:rPr lang="en" sz="3000">
+                <a:solidFill>
+                  <a:srgbClr val="000000"/>
+                </a:solidFill>
+              </a:rPr>
+              <a:t>We know that students who are under time pressure are far more likely to resort to theft. </a:t>
+            </a:r>
+          </a:p>
+          <a:p>
+            <a:pPr marL="457200" lvl="0" indent="-419100" rtl="0">
+              <a:buClr>
+                <a:schemeClr val="dk1"/>
+              </a:buClr>
+              <a:buSzPct val="100000"/>
+              <a:buFont typeface="Calibri"/>
+              <a:buChar char="●"/>
+            </a:pPr>
+            <a:r>
+              <a:rPr lang="en" sz="3000">
+                <a:solidFill>
+                  <a:srgbClr val="000000"/>
+                </a:solidFill>
+              </a:rPr>
+              <a:t>Time pressure or stress is not an acceptable excuse. </a:t>
+            </a:r>
+          </a:p>
+          <a:p>
+            <a:pPr marL="457200" lvl="0" indent="-419100">
+              <a:buClr>
+                <a:schemeClr val="dk1"/>
+              </a:buClr>
+              <a:buSzPct val="100000"/>
+              <a:buFont typeface="Calibri"/>
+              <a:buChar char="●"/>
+            </a:pPr>
+            <a:r>
+              <a:rPr lang="en" sz="3000" b="1">
+                <a:solidFill>
+                  <a:srgbClr val="FF0000"/>
+                </a:solidFill>
+              </a:rPr>
+              <a:t>The measure of character is not what you do when things are easy; it is what you do when things get tough.</a:t>
+            </a:r>
+          </a:p>
+        </p:txBody>
+      </p:sp>
+    </p:spTree>
+  </p:cSld>
+  <p:clrMapOvr>
+    <a:masterClrMapping/>
+  </p:clrMapOvr>
+  <p:transition spd="slow">
+    <p:cut/>
+  </p:transition>
+</p:sld>
+</file>
+
+<file path=ppt/slides/slide18.xml><?xml version="1.0" encoding="utf-8"?>
+<p:sld xmlns:a="http://schemas.openxmlformats.org/drawingml/2006/main" xmlns:r="http://schemas.openxmlformats.org/officeDocument/2006/relationships" xmlns:p="http://schemas.openxmlformats.org/presentationml/2006/main">
+  <p:cSld>
+    <p:spTree>
+      <p:nvGrpSpPr>
+        <p:cNvPr id="1" name="Shape 186"/>
+        <p:cNvGrpSpPr/>
+        <p:nvPr/>
+      </p:nvGrpSpPr>
+      <p:grpSpPr>
+        <a:xfrm>
+          <a:off x="0" y="0"/>
+          <a:ext cx="0" cy="0"/>
+          <a:chOff x="0" y="0"/>
+          <a:chExt cx="0" cy="0"/>
+        </a:xfrm>
+      </p:grpSpPr>
+      <p:sp>
+        <p:nvSpPr>
+          <p:cNvPr id="187" name="Shape 187"/>
+          <p:cNvSpPr txBox="1">
+            <a:spLocks noGrp="1"/>
+          </p:cNvSpPr>
+          <p:nvPr>
+            <p:ph type="title"/>
+          </p:nvPr>
+        </p:nvSpPr>
+        <p:spPr>
+          <a:xfrm>
+            <a:off x="457200" y="274637"/>
+            <a:ext cx="8229600" cy="1143000"/>
+          </a:xfrm>
+          <a:prstGeom prst="rect">
+            <a:avLst/>
+          </a:prstGeom>
+        </p:spPr>
+        <p:txBody>
+          <a:bodyPr lIns="91425" tIns="91425" rIns="91425" bIns="91425" anchor="ctr" anchorCtr="0">
+            <a:noAutofit/>
+          </a:bodyPr>
+          <a:lstStyle/>
+          <a:p>
+            <a:pPr>
+              <a:buNone/>
+            </a:pPr>
+            <a:r>
+              <a:rPr lang="en"/>
+              <a:t>Avoiding Problems (2)</a:t>
+            </a:r>
+          </a:p>
+        </p:txBody>
+      </p:sp>
+      <p:sp>
+        <p:nvSpPr>
+          <p:cNvPr id="188" name="Shape 188"/>
+          <p:cNvSpPr txBox="1">
+            <a:spLocks noGrp="1"/>
+          </p:cNvSpPr>
+          <p:nvPr>
+            <p:ph type="body" idx="1"/>
+          </p:nvPr>
+        </p:nvSpPr>
+        <p:spPr>
+          <a:xfrm>
+            <a:off x="457200" y="1600200"/>
+            <a:ext cx="8229600" cy="4526100"/>
+          </a:xfrm>
+          <a:prstGeom prst="rect">
+            <a:avLst/>
+          </a:prstGeom>
+        </p:spPr>
+        <p:txBody>
+          <a:bodyPr lIns="91425" tIns="91425" rIns="91425" bIns="91425" anchor="t" anchorCtr="0">
+            <a:noAutofit/>
+          </a:bodyPr>
+          <a:lstStyle/>
+          <a:p>
+            <a:pPr marL="457200" lvl="0" indent="-381000" rtl="0">
+              <a:buClr>
+                <a:srgbClr val="000000"/>
+              </a:buClr>
+              <a:buSzPct val="100000"/>
+              <a:buFont typeface="Calibri"/>
+              <a:buChar char="●"/>
+            </a:pPr>
+            <a:r>
+              <a:rPr lang="en" sz="2400" dirty="0">
+                <a:solidFill>
+                  <a:srgbClr val="000000"/>
+                </a:solidFill>
+              </a:rPr>
+              <a:t>Guard your work! </a:t>
+            </a:r>
+          </a:p>
+          <a:p>
+            <a:pPr marL="457200" lvl="0" indent="-381000" rtl="0">
+              <a:buClr>
+                <a:srgbClr val="000000"/>
+              </a:buClr>
+              <a:buSzPct val="100000"/>
+              <a:buFont typeface="Calibri"/>
+              <a:buChar char="●"/>
+            </a:pPr>
+            <a:r>
+              <a:rPr lang="en" sz="2400" dirty="0">
+                <a:solidFill>
+                  <a:srgbClr val="000000"/>
+                </a:solidFill>
+              </a:rPr>
+              <a:t>If you keep your work on your home machine, be sure your machine is secure, both from Internet hostiles and from your roommates, etc.</a:t>
+            </a:r>
+          </a:p>
+          <a:p>
+            <a:pPr marL="914400" lvl="1" indent="-381000" rtl="0">
+              <a:buClr>
+                <a:srgbClr val="000000"/>
+              </a:buClr>
+              <a:buSzPct val="100000"/>
+              <a:buFont typeface="Calibri"/>
+              <a:buChar char="○"/>
+            </a:pPr>
+            <a:r>
+              <a:rPr lang="en" sz="2400" dirty="0">
+                <a:solidFill>
+                  <a:srgbClr val="000000"/>
+                </a:solidFill>
+              </a:rPr>
+              <a:t>Keep your machine locked! It only takes a minute for your roommate, or for the person sitting next to you in the hallway, to stick a USB drive in your machine and steal your work. </a:t>
+            </a:r>
+          </a:p>
+          <a:p>
+            <a:pPr marL="457200" lvl="0" indent="-381000" rtl="0">
+              <a:buClr>
+                <a:srgbClr val="000000"/>
+              </a:buClr>
+              <a:buSzPct val="100000"/>
+              <a:buFont typeface="Calibri"/>
+              <a:buChar char="●"/>
+            </a:pPr>
+            <a:r>
+              <a:rPr lang="en" sz="2400" b="1" dirty="0">
+                <a:solidFill>
+                  <a:srgbClr val="000000"/>
+                </a:solidFill>
+              </a:rPr>
+              <a:t>Don't discount this; we have encountered theft by roommates on a regular basis in the past.</a:t>
+            </a:r>
+          </a:p>
+          <a:p>
+            <a:pPr marL="914400" lvl="1" indent="-381000">
+              <a:buClr>
+                <a:srgbClr val="000000"/>
+              </a:buClr>
+              <a:buSzPct val="100000"/>
+              <a:buFont typeface="Calibri"/>
+              <a:buChar char="○"/>
+            </a:pPr>
+            <a:r>
+              <a:rPr lang="en" sz="2400" dirty="0">
+                <a:solidFill>
+                  <a:srgbClr val="000000"/>
+                </a:solidFill>
+              </a:rPr>
+              <a:t>Remember that physical security is a prerequisite for information security.</a:t>
+            </a:r>
+          </a:p>
+        </p:txBody>
+      </p:sp>
+    </p:spTree>
+  </p:cSld>
+  <p:clrMapOvr>
+    <a:masterClrMapping/>
+  </p:clrMapOvr>
+  <p:transition spd="slow">
+    <p:cut/>
+  </p:transition>
+</p:sld>
+</file>
+
+<file path=ppt/slides/slide19.xml><?xml version="1.0" encoding="utf-8"?>
+<p:sld xmlns:a="http://schemas.openxmlformats.org/drawingml/2006/main" xmlns:r="http://schemas.openxmlformats.org/officeDocument/2006/relationships" xmlns:p="http://schemas.openxmlformats.org/presentationml/2006/main">
+  <p:cSld>
+    <p:spTree>
+      <p:nvGrpSpPr>
+        <p:cNvPr id="1" name=""/>
+        <p:cNvGrpSpPr/>
+        <p:nvPr/>
+      </p:nvGrpSpPr>
+      <p:grpSpPr>
+        <a:xfrm>
+          <a:off x="0" y="0"/>
+          <a:ext cx="0" cy="0"/>
+          <a:chOff x="0" y="0"/>
+          <a:chExt cx="0" cy="0"/>
+        </a:xfrm>
+      </p:grpSpPr>
+      <p:sp>
+        <p:nvSpPr>
+          <p:cNvPr id="2" name="Title 1"/>
+          <p:cNvSpPr>
+            <a:spLocks noGrp="1"/>
+          </p:cNvSpPr>
+          <p:nvPr>
+            <p:ph type="title"/>
+          </p:nvPr>
+        </p:nvSpPr>
+        <p:spPr/>
+        <p:txBody>
+          <a:bodyPr/>
+          <a:lstStyle/>
+          <a:p>
+            <a:r>
+              <a:rPr lang="en-US" dirty="0"/>
+              <a:t>Avoiding problems (3)</a:t>
+            </a:r>
+          </a:p>
+        </p:txBody>
+      </p:sp>
+      <p:sp>
+        <p:nvSpPr>
+          <p:cNvPr id="3" name="Text Placeholder 2"/>
+          <p:cNvSpPr>
+            <a:spLocks noGrp="1"/>
+          </p:cNvSpPr>
+          <p:nvPr>
+            <p:ph type="body" idx="1"/>
+          </p:nvPr>
+        </p:nvSpPr>
+        <p:spPr/>
+        <p:txBody>
+          <a:bodyPr/>
+          <a:lstStyle/>
+          <a:p>
+            <a:r>
+              <a:rPr lang="en-US" dirty="0"/>
+              <a:t>Do not post your course work in any public repository, including github.com</a:t>
+            </a:r>
+          </a:p>
+          <a:p>
+            <a:pPr lvl="1"/>
+            <a:r>
+              <a:rPr lang="en-US" dirty="0"/>
+              <a:t>This will help keep your successors out of trouble!</a:t>
+            </a:r>
+          </a:p>
+          <a:p>
+            <a:pPr lvl="1"/>
+            <a:r>
+              <a:rPr lang="en-US" dirty="0"/>
+              <a:t>Also, posting your work publicly may itself be a violation of the academic code of conduct</a:t>
+            </a:r>
+          </a:p>
+          <a:p>
+            <a:r>
+              <a:rPr lang="en-US" dirty="0"/>
+              <a:t>If you need to show your course work to a prospective employer, put it on Dropbox and give them a private link.</a:t>
+            </a:r>
+          </a:p>
+        </p:txBody>
+      </p:sp>
+    </p:spTree>
+    <p:extLst>
+      <p:ext uri="{BB962C8B-B14F-4D97-AF65-F5344CB8AC3E}">
+        <p14:creationId xmlns:p14="http://schemas.microsoft.com/office/powerpoint/2010/main" val="852736906"/>
+      </p:ext>
+    </p:extLst>
+  </p:cSld>
+  <p:clrMapOvr>
+    <a:masterClrMapping/>
+  </p:clrMapOvr>
+</p:sld>
+</file>
+
+<file path=ppt/slides/slide2.xml><?xml version="1.0" encoding="utf-8"?>
+<p:sld xmlns:a="http://schemas.openxmlformats.org/drawingml/2006/main" xmlns:r="http://schemas.openxmlformats.org/officeDocument/2006/relationships" xmlns:p="http://schemas.openxmlformats.org/presentationml/2006/main">
+  <p:cSld>
+    <p:spTree>
+      <p:nvGrpSpPr>
+        <p:cNvPr id="1" name=""/>
+        <p:cNvGrpSpPr/>
+        <p:nvPr/>
+      </p:nvGrpSpPr>
+      <p:grpSpPr>
+        <a:xfrm>
+          <a:off x="0" y="0"/>
+          <a:ext cx="0" cy="0"/>
+          <a:chOff x="0" y="0"/>
+          <a:chExt cx="0" cy="0"/>
+        </a:xfrm>
+      </p:grpSpPr>
+      <p:sp>
+        <p:nvSpPr>
+          <p:cNvPr id="2" name="Title 1"/>
+          <p:cNvSpPr>
+            <a:spLocks noGrp="1"/>
+          </p:cNvSpPr>
+          <p:nvPr>
+            <p:ph type="title"/>
+          </p:nvPr>
+        </p:nvSpPr>
+        <p:spPr/>
+        <p:txBody>
+          <a:bodyPr/>
+          <a:lstStyle/>
+          <a:p>
+            <a:r>
+              <a:rPr lang="en-US" dirty="0"/>
+              <a:t>Learning Objectives</a:t>
+            </a:r>
+          </a:p>
+        </p:txBody>
+      </p:sp>
+      <p:sp>
+        <p:nvSpPr>
+          <p:cNvPr id="3" name="Content Placeholder 2"/>
+          <p:cNvSpPr>
+            <a:spLocks noGrp="1"/>
+          </p:cNvSpPr>
+          <p:nvPr>
+            <p:ph idx="1"/>
+          </p:nvPr>
+        </p:nvSpPr>
+        <p:spPr/>
+        <p:txBody>
+          <a:bodyPr/>
+          <a:lstStyle/>
+          <a:p>
+            <a:r>
+              <a:rPr lang="en-US" sz="2400" dirty="0"/>
+              <a:t>This lesson is designed to acquaint you with our expectations for your academic honesty.</a:t>
+            </a:r>
+          </a:p>
+          <a:p>
+            <a:r>
+              <a:rPr lang="en-US" sz="2400" dirty="0"/>
+              <a:t>By the end of the lesson you should know:</a:t>
+            </a:r>
+          </a:p>
+          <a:p>
+            <a:pPr lvl="1"/>
+            <a:r>
+              <a:rPr lang="en-US" sz="2400" dirty="0"/>
+              <a:t>Why Academic Honesty is important, and who cares about it</a:t>
+            </a:r>
+          </a:p>
+          <a:p>
+            <a:pPr lvl="1"/>
+            <a:r>
+              <a:rPr lang="en-US" sz="2400" dirty="0"/>
+              <a:t>The definition of Academic Honesty, and how it applies to this course</a:t>
+            </a:r>
+          </a:p>
+          <a:p>
+            <a:pPr lvl="1"/>
+            <a:r>
+              <a:rPr lang="en-US" sz="2400" dirty="0"/>
+              <a:t>What will happen if you violate the academic integrity policy.</a:t>
+            </a:r>
+          </a:p>
+          <a:p>
+            <a:pPr lvl="1"/>
+            <a:r>
+              <a:rPr lang="en-US" sz="2400" dirty="0"/>
+              <a:t>How to avoid situations that may lead to Academic Honesty violations</a:t>
+            </a:r>
+          </a:p>
+          <a:p>
+            <a:pPr lvl="1"/>
+            <a:endParaRPr lang="en-US" dirty="0"/>
+          </a:p>
+        </p:txBody>
+      </p:sp>
+      <p:sp>
+        <p:nvSpPr>
+          <p:cNvPr id="4" name="Slide Number Placeholder 3"/>
+          <p:cNvSpPr>
+            <a:spLocks noGrp="1"/>
+          </p:cNvSpPr>
+          <p:nvPr>
+            <p:ph type="sldNum" sz="quarter" idx="12"/>
+          </p:nvPr>
+        </p:nvSpPr>
+        <p:spPr/>
+        <p:txBody>
+          <a:bodyPr/>
+          <a:lstStyle/>
+          <a:p>
+            <a:fld id="{2AF3B5EA-18B6-4040-9F78-6052AF49C681}" type="slidenum">
+              <a:rPr lang="en-US" smtClean="0"/>
+              <a:t>2</a:t>
+            </a:fld>
+            <a:endParaRPr lang="en-US"/>
+          </a:p>
+        </p:txBody>
+      </p:sp>
+    </p:spTree>
+    <p:extLst>
+      <p:ext uri="{BB962C8B-B14F-4D97-AF65-F5344CB8AC3E}">
+        <p14:creationId xmlns:p14="http://schemas.microsoft.com/office/powerpoint/2010/main" val="367176687"/>
+      </p:ext>
+    </p:extLst>
+  </p:cSld>
+  <p:clrMapOvr>
+    <a:masterClrMapping/>
+  </p:clrMapOvr>
+</p:sld>
+</file>
+
+<file path=ppt/slides/slide20.xml><?xml version="1.0" encoding="utf-8"?>
+<p:sld xmlns:a="http://schemas.openxmlformats.org/drawingml/2006/main" xmlns:r="http://schemas.openxmlformats.org/officeDocument/2006/relationships" xmlns:p="http://schemas.openxmlformats.org/presentationml/2006/main">
+  <p:cSld>
+    <p:spTree>
+      <p:nvGrpSpPr>
+        <p:cNvPr id="1" name="Shape 192"/>
+        <p:cNvGrpSpPr/>
+        <p:nvPr/>
+      </p:nvGrpSpPr>
+      <p:grpSpPr>
+        <a:xfrm>
+          <a:off x="0" y="0"/>
+          <a:ext cx="0" cy="0"/>
+          <a:chOff x="0" y="0"/>
+          <a:chExt cx="0" cy="0"/>
+        </a:xfrm>
+      </p:grpSpPr>
+      <p:sp>
+        <p:nvSpPr>
+          <p:cNvPr id="193" name="Shape 193"/>
+          <p:cNvSpPr txBox="1">
+            <a:spLocks noGrp="1"/>
+          </p:cNvSpPr>
+          <p:nvPr>
+            <p:ph type="title"/>
+          </p:nvPr>
+        </p:nvSpPr>
+        <p:spPr>
+          <a:xfrm>
+            <a:off x="457200" y="274637"/>
+            <a:ext cx="8229600" cy="1143000"/>
+          </a:xfrm>
+          <a:prstGeom prst="rect">
+            <a:avLst/>
+          </a:prstGeom>
+        </p:spPr>
+        <p:txBody>
+          <a:bodyPr lIns="91425" tIns="91425" rIns="91425" bIns="91425" anchor="ctr" anchorCtr="0">
+            <a:noAutofit/>
+          </a:bodyPr>
+          <a:lstStyle/>
+          <a:p>
+            <a:pPr>
+              <a:buNone/>
+            </a:pPr>
+            <a:r>
+              <a:rPr lang="en"/>
+              <a:t>Sorry about that...</a:t>
+            </a:r>
+          </a:p>
+        </p:txBody>
+      </p:sp>
+      <p:sp>
+        <p:nvSpPr>
+          <p:cNvPr id="194" name="Shape 194"/>
+          <p:cNvSpPr txBox="1">
+            <a:spLocks noGrp="1"/>
+          </p:cNvSpPr>
+          <p:nvPr>
+            <p:ph type="body" idx="1"/>
+          </p:nvPr>
+        </p:nvSpPr>
+        <p:spPr>
+          <a:xfrm>
+            <a:off x="457200" y="1600200"/>
+            <a:ext cx="8229600" cy="4526100"/>
+          </a:xfrm>
+          <a:prstGeom prst="rect">
+            <a:avLst/>
+          </a:prstGeom>
+        </p:spPr>
+        <p:txBody>
+          <a:bodyPr lIns="91425" tIns="91425" rIns="91425" bIns="91425" anchor="t" anchorCtr="0">
+            <a:noAutofit/>
+          </a:bodyPr>
+          <a:lstStyle/>
+          <a:p>
+            <a:pPr marL="457200" lvl="0" indent="-419100" rtl="0">
+              <a:buClr>
+                <a:schemeClr val="dk1"/>
+              </a:buClr>
+              <a:buSzPct val="100000"/>
+              <a:buFont typeface="Calibri"/>
+              <a:buChar char="●"/>
+            </a:pPr>
+            <a:r>
+              <a:rPr lang="en" sz="3000" dirty="0"/>
+              <a:t>I know that most of you are honest, and none of this will apply to you</a:t>
+            </a:r>
+          </a:p>
+          <a:p>
+            <a:pPr marL="457200" lvl="0" indent="-419100" rtl="0">
+              <a:buClr>
+                <a:schemeClr val="dk1"/>
+              </a:buClr>
+              <a:buSzPct val="100000"/>
+              <a:buFont typeface="Calibri"/>
+              <a:buChar char="●"/>
+            </a:pPr>
+            <a:r>
+              <a:rPr lang="en" sz="3000" dirty="0"/>
+              <a:t>BUT cheating happens often enough that we need to have policies about it, and you need to know them.</a:t>
+            </a:r>
+          </a:p>
+          <a:p>
+            <a:pPr marL="457200" lvl="0" indent="-419100" rtl="0">
+              <a:buClr>
+                <a:schemeClr val="dk1"/>
+              </a:buClr>
+              <a:buSzPct val="100000"/>
+              <a:buFont typeface="Calibri"/>
+              <a:buChar char="●"/>
+            </a:pPr>
+            <a:r>
+              <a:rPr lang="en" sz="3000" dirty="0"/>
+              <a:t>If you have any questions about any actions that you have done or are thinking about, please come talk to the course staff immediately.</a:t>
+            </a:r>
+          </a:p>
+          <a:p>
+            <a:pPr marL="457200" lvl="0" indent="-419100">
+              <a:buClr>
+                <a:schemeClr val="dk1"/>
+              </a:buClr>
+              <a:buSzPct val="100000"/>
+              <a:buFont typeface="Calibri"/>
+              <a:buChar char="●"/>
+            </a:pPr>
+            <a:r>
+              <a:rPr lang="en" sz="3000" dirty="0"/>
+              <a:t>You can send the instructors a private message on Piazza. </a:t>
+            </a:r>
+          </a:p>
+        </p:txBody>
+      </p:sp>
+    </p:spTree>
+  </p:cSld>
+  <p:clrMapOvr>
+    <a:masterClrMapping/>
+  </p:clrMapOvr>
+  <p:transition spd="slow">
+    <p:cut/>
+  </p:transition>
+</p:sld>
+</file>
+
+<file path=ppt/slides/slide21.xml><?xml version="1.0" encoding="utf-8"?>
+<p:sld xmlns:a="http://schemas.openxmlformats.org/drawingml/2006/main" xmlns:r="http://schemas.openxmlformats.org/officeDocument/2006/relationships" xmlns:p="http://schemas.openxmlformats.org/presentationml/2006/main">
+  <p:cSld>
+    <p:spTree>
+      <p:nvGrpSpPr>
+        <p:cNvPr id="1" name=""/>
+        <p:cNvGrpSpPr/>
+        <p:nvPr/>
+      </p:nvGrpSpPr>
+      <p:grpSpPr>
+        <a:xfrm>
+          <a:off x="0" y="0"/>
+          <a:ext cx="0" cy="0"/>
+          <a:chOff x="0" y="0"/>
+          <a:chExt cx="0" cy="0"/>
+        </a:xfrm>
+      </p:grpSpPr>
+      <p:sp>
+        <p:nvSpPr>
+          <p:cNvPr id="2" name="Title 1"/>
+          <p:cNvSpPr>
+            <a:spLocks noGrp="1"/>
+          </p:cNvSpPr>
+          <p:nvPr>
+            <p:ph type="title"/>
+          </p:nvPr>
+        </p:nvSpPr>
+        <p:spPr/>
+        <p:txBody>
+          <a:bodyPr/>
+          <a:lstStyle/>
+          <a:p>
+            <a:r>
+              <a:rPr lang="en-US" dirty="0"/>
+              <a:t>Summary</a:t>
+            </a:r>
+          </a:p>
+        </p:txBody>
+      </p:sp>
+      <p:sp>
+        <p:nvSpPr>
+          <p:cNvPr id="3" name="Content Placeholder 2"/>
+          <p:cNvSpPr>
+            <a:spLocks noGrp="1"/>
+          </p:cNvSpPr>
+          <p:nvPr>
+            <p:ph idx="1"/>
+          </p:nvPr>
+        </p:nvSpPr>
+        <p:spPr/>
+        <p:txBody>
+          <a:bodyPr/>
+          <a:lstStyle/>
+          <a:p>
+            <a:r>
+              <a:rPr lang="en-US" sz="2800" dirty="0"/>
+              <a:t>You should now know:</a:t>
+            </a:r>
+          </a:p>
+          <a:p>
+            <a:pPr lvl="1"/>
+            <a:r>
+              <a:rPr lang="en-US" dirty="0"/>
+              <a:t>why Academic Honesty is important, and who cares about it</a:t>
+            </a:r>
+          </a:p>
+          <a:p>
+            <a:pPr lvl="1"/>
+            <a:r>
+              <a:rPr lang="en-US" dirty="0"/>
+              <a:t>the definition of Academic Honesty, and how it applies to this course</a:t>
+            </a:r>
+          </a:p>
+          <a:p>
+            <a:pPr lvl="1"/>
+            <a:r>
+              <a:rPr lang="en-US" dirty="0"/>
+              <a:t>what will happen if you violate the academic integrity policy</a:t>
+            </a:r>
+          </a:p>
+          <a:p>
+            <a:pPr lvl="1"/>
+            <a:r>
+              <a:rPr lang="en-US" dirty="0"/>
+              <a:t>how to avoid situations that may lead to Academic Honesty violations</a:t>
+            </a:r>
+          </a:p>
+        </p:txBody>
+      </p:sp>
+      <p:sp>
+        <p:nvSpPr>
+          <p:cNvPr id="4" name="Slide Number Placeholder 3"/>
+          <p:cNvSpPr>
+            <a:spLocks noGrp="1"/>
+          </p:cNvSpPr>
+          <p:nvPr>
+            <p:ph type="sldNum" sz="quarter" idx="12"/>
+          </p:nvPr>
+        </p:nvSpPr>
+        <p:spPr/>
+        <p:txBody>
+          <a:bodyPr/>
+          <a:lstStyle/>
+          <a:p>
+            <a:fld id="{2AF3B5EA-18B6-4040-9F78-6052AF49C681}" type="slidenum">
+              <a:rPr lang="en-US" smtClean="0"/>
+              <a:t>21</a:t>
+            </a:fld>
+            <a:endParaRPr lang="en-US"/>
+          </a:p>
+        </p:txBody>
+      </p:sp>
+    </p:spTree>
+    <p:extLst>
+      <p:ext uri="{BB962C8B-B14F-4D97-AF65-F5344CB8AC3E}">
+        <p14:creationId xmlns:p14="http://schemas.microsoft.com/office/powerpoint/2010/main" val="1883502249"/>
+      </p:ext>
+    </p:extLst>
+  </p:cSld>
+  <p:clrMapOvr>
+    <a:masterClrMapping/>
+  </p:clrMapOvr>
+</p:sld>
+</file>
+
+<file path=ppt/slides/slide22.xml><?xml version="1.0" encoding="utf-8"?>
+<p:sld xmlns:a="http://schemas.openxmlformats.org/drawingml/2006/main" xmlns:r="http://schemas.openxmlformats.org/officeDocument/2006/relationships" xmlns:p="http://schemas.openxmlformats.org/presentationml/2006/main">
+  <p:cSld>
+    <p:spTree>
+      <p:nvGrpSpPr>
+        <p:cNvPr id="1" name=""/>
+        <p:cNvGrpSpPr/>
+        <p:nvPr/>
+      </p:nvGrpSpPr>
+      <p:grpSpPr>
+        <a:xfrm>
+          <a:off x="0" y="0"/>
+          <a:ext cx="0" cy="0"/>
+          <a:chOff x="0" y="0"/>
+          <a:chExt cx="0" cy="0"/>
+        </a:xfrm>
+      </p:grpSpPr>
+      <p:sp>
+        <p:nvSpPr>
+          <p:cNvPr id="2" name="Title 1"/>
+          <p:cNvSpPr>
+            <a:spLocks noGrp="1"/>
+          </p:cNvSpPr>
+          <p:nvPr>
+            <p:ph type="title"/>
+          </p:nvPr>
+        </p:nvSpPr>
+        <p:spPr/>
+        <p:txBody>
+          <a:bodyPr/>
+          <a:lstStyle/>
+          <a:p>
+            <a:r>
+              <a:rPr lang="en-US" dirty="0"/>
+              <a:t>Next Steps</a:t>
+            </a:r>
+          </a:p>
+        </p:txBody>
+      </p:sp>
+      <p:sp>
+        <p:nvSpPr>
+          <p:cNvPr id="3" name="Content Placeholder 2"/>
+          <p:cNvSpPr>
+            <a:spLocks noGrp="1"/>
+          </p:cNvSpPr>
+          <p:nvPr>
+            <p:ph idx="1"/>
+          </p:nvPr>
+        </p:nvSpPr>
+        <p:spPr/>
+        <p:txBody>
+          <a:bodyPr/>
+          <a:lstStyle/>
+          <a:p>
+            <a:r>
+              <a:rPr lang="en-US"/>
+              <a:t>If </a:t>
+            </a:r>
+            <a:r>
+              <a:rPr lang="en-US" dirty="0"/>
+              <a:t>you have questions about this lesson, ask them on the Discussion Board</a:t>
+            </a:r>
+          </a:p>
+          <a:p>
+            <a:r>
+              <a:rPr lang="en-US" dirty="0"/>
+              <a:t>Go on to the next lesson</a:t>
+            </a:r>
+          </a:p>
+        </p:txBody>
+      </p:sp>
+      <p:sp>
+        <p:nvSpPr>
+          <p:cNvPr id="4" name="Slide Number Placeholder 3"/>
+          <p:cNvSpPr>
+            <a:spLocks noGrp="1"/>
+          </p:cNvSpPr>
+          <p:nvPr>
+            <p:ph type="sldNum" sz="quarter" idx="12"/>
+          </p:nvPr>
+        </p:nvSpPr>
+        <p:spPr/>
+        <p:txBody>
+          <a:bodyPr/>
+          <a:lstStyle/>
+          <a:p>
+            <a:fld id="{2AF3B5EA-18B6-4040-9F78-6052AF49C681}" type="slidenum">
+              <a:rPr lang="en-US" smtClean="0"/>
+              <a:t>22</a:t>
+            </a:fld>
+            <a:endParaRPr lang="en-US"/>
+          </a:p>
+        </p:txBody>
+      </p:sp>
+    </p:spTree>
+    <p:extLst>
+      <p:ext uri="{BB962C8B-B14F-4D97-AF65-F5344CB8AC3E}">
+        <p14:creationId xmlns:p14="http://schemas.microsoft.com/office/powerpoint/2010/main" val="2944796508"/>
+      </p:ext>
+    </p:extLst>
+  </p:cSld>
+  <p:clrMapOvr>
+    <a:masterClrMapping/>
+  </p:clrMapOvr>
+</p:sld>
+</file>
+
+<file path=ppt/slides/slide3.xml><?xml version="1.0" encoding="utf-8"?>
+<p:sld xmlns:a="http://schemas.openxmlformats.org/drawingml/2006/main" xmlns:r="http://schemas.openxmlformats.org/officeDocument/2006/relationships" xmlns:p="http://schemas.openxmlformats.org/presentationml/2006/main">
+  <p:cSld>
+    <p:spTree>
+      <p:nvGrpSpPr>
+        <p:cNvPr id="1" name="Shape 114"/>
+        <p:cNvGrpSpPr/>
+        <p:nvPr/>
+      </p:nvGrpSpPr>
+      <p:grpSpPr>
+        <a:xfrm>
+          <a:off x="0" y="0"/>
+          <a:ext cx="0" cy="0"/>
+          <a:chOff x="0" y="0"/>
+          <a:chExt cx="0" cy="0"/>
+        </a:xfrm>
+      </p:grpSpPr>
+      <p:sp>
+        <p:nvSpPr>
+          <p:cNvPr id="115" name="Shape 115"/>
+          <p:cNvSpPr txBox="1">
+            <a:spLocks noGrp="1"/>
+          </p:cNvSpPr>
+          <p:nvPr>
+            <p:ph type="title"/>
+          </p:nvPr>
+        </p:nvSpPr>
+        <p:spPr>
+          <a:xfrm>
+            <a:off x="457200" y="274637"/>
+            <a:ext cx="8229600" cy="1143000"/>
+          </a:xfrm>
+          <a:prstGeom prst="rect">
+            <a:avLst/>
+          </a:prstGeom>
+        </p:spPr>
+        <p:txBody>
+          <a:bodyPr lIns="91425" tIns="91425" rIns="91425" bIns="91425" anchor="ctr" anchorCtr="0">
+            <a:noAutofit/>
+          </a:bodyPr>
+          <a:lstStyle/>
+          <a:p>
+            <a:pPr>
+              <a:buNone/>
+            </a:pPr>
+            <a:r>
+              <a:rPr lang="en" dirty="0"/>
+              <a:t>Why is Academic Honesty Important?</a:t>
+            </a:r>
+          </a:p>
+        </p:txBody>
+      </p:sp>
+      <p:sp>
+        <p:nvSpPr>
+          <p:cNvPr id="116" name="Shape 116"/>
+          <p:cNvSpPr txBox="1">
+            <a:spLocks noGrp="1"/>
+          </p:cNvSpPr>
+          <p:nvPr>
+            <p:ph type="body" idx="1"/>
+          </p:nvPr>
+        </p:nvSpPr>
+        <p:spPr>
+          <a:xfrm>
+            <a:off x="457200" y="1600200"/>
+            <a:ext cx="8229600" cy="4526100"/>
+          </a:xfrm>
+          <a:prstGeom prst="rect">
+            <a:avLst/>
+          </a:prstGeom>
+        </p:spPr>
+        <p:txBody>
+          <a:bodyPr lIns="91425" tIns="91425" rIns="91425" bIns="91425" anchor="t" anchorCtr="0">
+            <a:noAutofit/>
+          </a:bodyPr>
+          <a:lstStyle/>
+          <a:p>
+            <a:pPr marL="457200" lvl="0" indent="-419100" rtl="0">
+              <a:buClr>
+                <a:schemeClr val="dk1"/>
+              </a:buClr>
+              <a:buSzPct val="100000"/>
+              <a:buFont typeface="Calibri"/>
+              <a:buChar char="●"/>
+            </a:pPr>
+            <a:r>
+              <a:rPr lang="en" sz="3000">
+                <a:solidFill>
+                  <a:srgbClr val="FF0000"/>
+                </a:solidFill>
+              </a:rPr>
+              <a:t>Your</a:t>
+            </a:r>
+            <a:r>
+              <a:rPr lang="en" sz="3000"/>
+              <a:t> diploma represents the University’s certification that </a:t>
+            </a:r>
+            <a:r>
+              <a:rPr lang="en" sz="3000" i="1">
+                <a:solidFill>
+                  <a:srgbClr val="FF0000"/>
+                </a:solidFill>
+              </a:rPr>
+              <a:t>you</a:t>
+            </a:r>
+            <a:r>
+              <a:rPr lang="en" sz="3000"/>
+              <a:t> have attained a certain level of knowledge in your program.</a:t>
+            </a:r>
+          </a:p>
+          <a:p>
+            <a:pPr marL="457200" lvl="0" indent="-419100" rtl="0">
+              <a:buClr>
+                <a:schemeClr val="dk1"/>
+              </a:buClr>
+              <a:buSzPct val="100000"/>
+              <a:buFont typeface="Calibri"/>
+              <a:buChar char="●"/>
+            </a:pPr>
+            <a:r>
+              <a:rPr lang="en" sz="3000">
+                <a:solidFill>
+                  <a:srgbClr val="FF0000"/>
+                </a:solidFill>
+              </a:rPr>
+              <a:t>Your</a:t>
+            </a:r>
+            <a:r>
+              <a:rPr lang="en" sz="3000"/>
+              <a:t> grade in this course represents my certification that </a:t>
+            </a:r>
+            <a:r>
+              <a:rPr lang="en" sz="3000" i="1">
+                <a:solidFill>
+                  <a:srgbClr val="FF0000"/>
+                </a:solidFill>
+              </a:rPr>
+              <a:t>you</a:t>
+            </a:r>
+            <a:r>
+              <a:rPr lang="en" sz="3000"/>
+              <a:t> have attained a certain level of knowledge in this course.</a:t>
+            </a:r>
+          </a:p>
+          <a:p>
+            <a:pPr marL="457200" lvl="0" indent="-419100">
+              <a:buClr>
+                <a:schemeClr val="dk1"/>
+              </a:buClr>
+              <a:buSzPct val="100000"/>
+              <a:buFont typeface="Calibri"/>
+              <a:buChar char="●"/>
+            </a:pPr>
+            <a:r>
+              <a:rPr lang="en" sz="3000"/>
+              <a:t>“</a:t>
+            </a:r>
+            <a:r>
+              <a:rPr lang="en" sz="3000" i="1">
+                <a:solidFill>
+                  <a:srgbClr val="FF0000"/>
+                </a:solidFill>
+              </a:rPr>
+              <a:t>You</a:t>
+            </a:r>
+            <a:r>
+              <a:rPr lang="en" sz="3000"/>
+              <a:t>” means </a:t>
+            </a:r>
+            <a:r>
+              <a:rPr lang="en" sz="3000" i="1">
+                <a:solidFill>
+                  <a:srgbClr val="FF0000"/>
+                </a:solidFill>
+              </a:rPr>
+              <a:t>you</a:t>
+            </a:r>
+            <a:r>
+              <a:rPr lang="en" sz="3000"/>
+              <a:t>, not “you with a little help from your friends.”</a:t>
+            </a:r>
+          </a:p>
+        </p:txBody>
+      </p:sp>
+    </p:spTree>
+  </p:cSld>
+  <p:clrMapOvr>
+    <a:masterClrMapping/>
+  </p:clrMapOvr>
+  <p:transition spd="slow">
+    <p:cut/>
+  </p:transition>
+</p:sld>
+</file>
+
+<file path=ppt/slides/slide4.xml><?xml version="1.0" encoding="utf-8"?>
+<p:sld xmlns:a="http://schemas.openxmlformats.org/drawingml/2006/main" xmlns:r="http://schemas.openxmlformats.org/officeDocument/2006/relationships" xmlns:p="http://schemas.openxmlformats.org/presentationml/2006/main">
+  <p:cSld>
+    <p:spTree>
+      <p:nvGrpSpPr>
+        <p:cNvPr id="1" name="Shape 120"/>
+        <p:cNvGrpSpPr/>
+        <p:nvPr/>
+      </p:nvGrpSpPr>
+      <p:grpSpPr>
+        <a:xfrm>
+          <a:off x="0" y="0"/>
+          <a:ext cx="0" cy="0"/>
+          <a:chOff x="0" y="0"/>
+          <a:chExt cx="0" cy="0"/>
+        </a:xfrm>
+      </p:grpSpPr>
+      <p:sp>
+        <p:nvSpPr>
+          <p:cNvPr id="121" name="Shape 121"/>
+          <p:cNvSpPr txBox="1">
+            <a:spLocks noGrp="1"/>
+          </p:cNvSpPr>
+          <p:nvPr>
+            <p:ph type="title"/>
+          </p:nvPr>
+        </p:nvSpPr>
+        <p:spPr>
+          <a:xfrm>
+            <a:off x="457200" y="274637"/>
+            <a:ext cx="8229600" cy="1143000"/>
+          </a:xfrm>
+          <a:prstGeom prst="rect">
+            <a:avLst/>
+          </a:prstGeom>
+        </p:spPr>
+        <p:txBody>
+          <a:bodyPr lIns="91425" tIns="91425" rIns="91425" bIns="91425" anchor="ctr" anchorCtr="0">
+            <a:noAutofit/>
+          </a:bodyPr>
+          <a:lstStyle/>
+          <a:p>
+            <a:pPr>
+              <a:buNone/>
+            </a:pPr>
+            <a:r>
+              <a:rPr lang="en"/>
+              <a:t>Who cares?</a:t>
+            </a:r>
+          </a:p>
+        </p:txBody>
+      </p:sp>
+      <p:sp>
+        <p:nvSpPr>
+          <p:cNvPr id="122" name="Shape 122"/>
+          <p:cNvSpPr txBox="1">
+            <a:spLocks noGrp="1"/>
+          </p:cNvSpPr>
+          <p:nvPr>
+            <p:ph type="body" idx="1"/>
+          </p:nvPr>
+        </p:nvSpPr>
+        <p:spPr>
+          <a:xfrm>
+            <a:off x="457200" y="1600200"/>
+            <a:ext cx="8229600" cy="4526100"/>
+          </a:xfrm>
+          <a:prstGeom prst="rect">
+            <a:avLst/>
+          </a:prstGeom>
+        </p:spPr>
+        <p:txBody>
+          <a:bodyPr lIns="91425" tIns="91425" rIns="91425" bIns="91425" anchor="t" anchorCtr="0">
+            <a:noAutofit/>
+          </a:bodyPr>
+          <a:lstStyle/>
+          <a:p>
+            <a:pPr marL="457200" lvl="0" indent="-419100" rtl="0">
+              <a:buClr>
+                <a:schemeClr val="dk1"/>
+              </a:buClr>
+              <a:buSzPct val="100000"/>
+              <a:buFont typeface="Calibri"/>
+              <a:buChar char="●"/>
+            </a:pPr>
+            <a:r>
+              <a:rPr lang="en" sz="3000" dirty="0"/>
+              <a:t>Employers care. </a:t>
+            </a:r>
+          </a:p>
+          <a:p>
+            <a:pPr marL="914400" lvl="1" indent="-419100" rtl="0">
+              <a:buClr>
+                <a:schemeClr val="dk1"/>
+              </a:buClr>
+              <a:buSzPct val="100000"/>
+              <a:buFont typeface="Calibri"/>
+              <a:buChar char="○"/>
+            </a:pPr>
+            <a:r>
+              <a:rPr lang="en" sz="3000" dirty="0"/>
+              <a:t>When they see an NU diploma, they expect </a:t>
+            </a:r>
+            <a:r>
+              <a:rPr lang="en" sz="3000" i="1" dirty="0">
+                <a:solidFill>
+                  <a:srgbClr val="FF0000"/>
+                </a:solidFill>
+              </a:rPr>
+              <a:t>that individual</a:t>
+            </a:r>
+            <a:r>
+              <a:rPr lang="en" sz="3000" dirty="0"/>
+              <a:t> to have reached a certain level of achievement</a:t>
+            </a:r>
+          </a:p>
+          <a:p>
+            <a:pPr marL="457200" lvl="0" indent="-419100" rtl="0">
+              <a:buClr>
+                <a:schemeClr val="dk1"/>
+              </a:buClr>
+              <a:buSzPct val="100000"/>
+              <a:buFont typeface="Calibri"/>
+              <a:buChar char="●"/>
+            </a:pPr>
+            <a:r>
+              <a:rPr lang="en" sz="3000" dirty="0"/>
+              <a:t>Faculty and Advisors care.</a:t>
+            </a:r>
+          </a:p>
+          <a:p>
+            <a:pPr marL="914400" lvl="1" indent="-419100">
+              <a:buClr>
+                <a:schemeClr val="dk1"/>
+              </a:buClr>
+              <a:buSzPct val="100000"/>
+              <a:buFont typeface="Calibri"/>
+              <a:buChar char="○"/>
+            </a:pPr>
+            <a:r>
+              <a:rPr lang="en" sz="3000" dirty="0"/>
+              <a:t>When they see a grade in this course, they expect </a:t>
+            </a:r>
+            <a:r>
+              <a:rPr lang="en" sz="3000" i="1" dirty="0">
+                <a:solidFill>
+                  <a:srgbClr val="FF0000"/>
+                </a:solidFill>
+              </a:rPr>
+              <a:t>that individual</a:t>
+            </a:r>
+            <a:r>
+              <a:rPr lang="en" sz="3000" dirty="0"/>
+              <a:t> to have reached a certain level of knowledge.</a:t>
+            </a:r>
+          </a:p>
+        </p:txBody>
+      </p:sp>
+    </p:spTree>
+  </p:cSld>
+  <p:clrMapOvr>
+    <a:masterClrMapping/>
+  </p:clrMapOvr>
+  <p:transition spd="slow">
+    <p:cut/>
+  </p:transition>
+</p:sld>
+</file>
+
+<file path=ppt/slides/slide5.xml><?xml version="1.0" encoding="utf-8"?>
+<p:sld xmlns:a="http://schemas.openxmlformats.org/drawingml/2006/main" xmlns:r="http://schemas.openxmlformats.org/officeDocument/2006/relationships" xmlns:p="http://schemas.openxmlformats.org/presentationml/2006/main">
+  <p:cSld>
+    <p:spTree>
+      <p:nvGrpSpPr>
+        <p:cNvPr id="1" name="Shape 126"/>
+        <p:cNvGrpSpPr/>
+        <p:nvPr/>
+      </p:nvGrpSpPr>
+      <p:grpSpPr>
+        <a:xfrm>
+          <a:off x="0" y="0"/>
+          <a:ext cx="0" cy="0"/>
+          <a:chOff x="0" y="0"/>
+          <a:chExt cx="0" cy="0"/>
+        </a:xfrm>
+      </p:grpSpPr>
+      <p:sp>
+        <p:nvSpPr>
+          <p:cNvPr id="127" name="Shape 127"/>
+          <p:cNvSpPr txBox="1">
+            <a:spLocks noGrp="1"/>
+          </p:cNvSpPr>
+          <p:nvPr>
+            <p:ph type="title"/>
+          </p:nvPr>
+        </p:nvSpPr>
+        <p:spPr>
+          <a:xfrm>
+            <a:off x="457200" y="274637"/>
+            <a:ext cx="8229600" cy="1143000"/>
+          </a:xfrm>
+          <a:prstGeom prst="rect">
+            <a:avLst/>
+          </a:prstGeom>
+        </p:spPr>
+        <p:txBody>
+          <a:bodyPr lIns="91425" tIns="91425" rIns="91425" bIns="91425" anchor="ctr" anchorCtr="0">
+            <a:noAutofit/>
+          </a:bodyPr>
+          <a:lstStyle/>
+          <a:p>
+            <a:pPr>
+              <a:buNone/>
+            </a:pPr>
+            <a:r>
+              <a:rPr lang="en"/>
+              <a:t>Who else cares?</a:t>
+            </a:r>
+          </a:p>
+        </p:txBody>
+      </p:sp>
+      <p:sp>
+        <p:nvSpPr>
+          <p:cNvPr id="128" name="Shape 128"/>
+          <p:cNvSpPr txBox="1">
+            <a:spLocks noGrp="1"/>
+          </p:cNvSpPr>
+          <p:nvPr>
+            <p:ph type="body" idx="1"/>
+          </p:nvPr>
+        </p:nvSpPr>
+        <p:spPr>
+          <a:xfrm>
+            <a:off x="457200" y="1600200"/>
+            <a:ext cx="8229600" cy="4526100"/>
+          </a:xfrm>
+          <a:prstGeom prst="rect">
+            <a:avLst/>
+          </a:prstGeom>
+        </p:spPr>
+        <p:txBody>
+          <a:bodyPr lIns="91425" tIns="91425" rIns="91425" bIns="91425" anchor="t" anchorCtr="0">
+            <a:noAutofit/>
+          </a:bodyPr>
+          <a:lstStyle/>
+          <a:p>
+            <a:pPr marL="457200" lvl="0" indent="-419100" rtl="0">
+              <a:buClr>
+                <a:schemeClr val="dk1"/>
+              </a:buClr>
+              <a:buSzPct val="100000"/>
+              <a:buFont typeface="Calibri"/>
+              <a:buChar char="●"/>
+            </a:pPr>
+            <a:r>
+              <a:rPr lang="en" sz="3000"/>
+              <a:t>Your classmates care.</a:t>
+            </a:r>
+          </a:p>
+          <a:p>
+            <a:pPr marL="914400" lvl="1" indent="-419100" rtl="0">
+              <a:buClr>
+                <a:schemeClr val="dk1"/>
+              </a:buClr>
+              <a:buSzPct val="100000"/>
+              <a:buFont typeface="Calibri"/>
+              <a:buChar char="○"/>
+            </a:pPr>
+            <a:r>
+              <a:rPr lang="en" sz="3000"/>
+              <a:t>An honest student gets angry when his or her classmate gets a reward without putting in the effort.</a:t>
+            </a:r>
+          </a:p>
+          <a:p>
+            <a:pPr marL="457200" lvl="0" indent="-419100" rtl="0">
+              <a:buClr>
+                <a:schemeClr val="dk1"/>
+              </a:buClr>
+              <a:buSzPct val="100000"/>
+              <a:buFont typeface="Calibri"/>
+              <a:buChar char="●"/>
+            </a:pPr>
+            <a:r>
+              <a:rPr lang="en" sz="3000"/>
+              <a:t>The University cares.</a:t>
+            </a:r>
+          </a:p>
+          <a:p>
+            <a:pPr marL="914400" lvl="1" indent="-419100">
+              <a:buClr>
+                <a:schemeClr val="dk1"/>
+              </a:buClr>
+              <a:buSzPct val="100000"/>
+              <a:buFont typeface="Calibri"/>
+              <a:buChar char="○"/>
+            </a:pPr>
+            <a:r>
+              <a:rPr lang="en" sz="3000"/>
+              <a:t>Every time a student goes out into the world with an NU diploma and doesn’t perform well, it makes the whole University look bad.</a:t>
+            </a:r>
+          </a:p>
+        </p:txBody>
+      </p:sp>
+    </p:spTree>
+  </p:cSld>
+  <p:clrMapOvr>
+    <a:masterClrMapping/>
+  </p:clrMapOvr>
+  <p:transition spd="slow">
+    <p:cut/>
+  </p:transition>
+</p:sld>
+</file>
+
+<file path=ppt/slides/slide6.xml><?xml version="1.0" encoding="utf-8"?>
+<p:sld xmlns:a="http://schemas.openxmlformats.org/drawingml/2006/main" xmlns:r="http://schemas.openxmlformats.org/officeDocument/2006/relationships" xmlns:p="http://schemas.openxmlformats.org/presentationml/2006/main">
+  <p:cSld>
+    <p:spTree>
+      <p:nvGrpSpPr>
+        <p:cNvPr id="1" name=""/>
+        <p:cNvGrpSpPr/>
+        <p:nvPr/>
+      </p:nvGrpSpPr>
+      <p:grpSpPr>
+        <a:xfrm>
+          <a:off x="0" y="0"/>
+          <a:ext cx="0" cy="0"/>
+          <a:chOff x="0" y="0"/>
+          <a:chExt cx="0" cy="0"/>
+        </a:xfrm>
+      </p:grpSpPr>
+      <p:sp>
+        <p:nvSpPr>
+          <p:cNvPr id="2" name="Title 1"/>
+          <p:cNvSpPr>
+            <a:spLocks noGrp="1"/>
+          </p:cNvSpPr>
+          <p:nvPr>
+            <p:ph type="title"/>
+          </p:nvPr>
+        </p:nvSpPr>
+        <p:spPr/>
+        <p:txBody>
+          <a:bodyPr/>
+          <a:lstStyle/>
+          <a:p>
+            <a:r>
+              <a:rPr lang="en-US" dirty="0"/>
+              <a:t>Why Industry Cares</a:t>
+            </a:r>
+          </a:p>
+        </p:txBody>
+      </p:sp>
+      <p:sp>
+        <p:nvSpPr>
+          <p:cNvPr id="3" name="Text Placeholder 2"/>
+          <p:cNvSpPr>
+            <a:spLocks noGrp="1"/>
+          </p:cNvSpPr>
+          <p:nvPr>
+            <p:ph type="body" idx="1"/>
+          </p:nvPr>
+        </p:nvSpPr>
+        <p:spPr/>
+        <p:txBody>
+          <a:bodyPr/>
+          <a:lstStyle/>
+          <a:p>
+            <a:r>
+              <a:rPr lang="en-US" dirty="0"/>
+              <a:t>Most economically important applications of computer science involve intellectual property</a:t>
+            </a:r>
+          </a:p>
+          <a:p>
+            <a:r>
+              <a:rPr lang="en-US" dirty="0"/>
+              <a:t>Employees who cheat can cost their employer a great deal of money</a:t>
+            </a:r>
+          </a:p>
+          <a:p>
+            <a:r>
+              <a:rPr lang="en-US" dirty="0"/>
+              <a:t>Students who cheat in school are more likely to become employees who cheat.</a:t>
+            </a:r>
+          </a:p>
+        </p:txBody>
+      </p:sp>
+    </p:spTree>
+    <p:extLst>
+      <p:ext uri="{BB962C8B-B14F-4D97-AF65-F5344CB8AC3E}">
+        <p14:creationId xmlns:p14="http://schemas.microsoft.com/office/powerpoint/2010/main" val="3872707243"/>
+      </p:ext>
+    </p:extLst>
+  </p:cSld>
+  <p:clrMapOvr>
+    <a:masterClrMapping/>
+  </p:clrMapOvr>
+</p:sld>
+</file>
+
+<file path=ppt/slides/slide7.xml><?xml version="1.0" encoding="utf-8"?>
+<p:sld xmlns:a="http://schemas.openxmlformats.org/drawingml/2006/main" xmlns:r="http://schemas.openxmlformats.org/officeDocument/2006/relationships" xmlns:p="http://schemas.openxmlformats.org/presentationml/2006/main">
+  <p:cSld>
+    <p:spTree>
+      <p:nvGrpSpPr>
+        <p:cNvPr id="1" name="Shape 132"/>
+        <p:cNvGrpSpPr/>
+        <p:nvPr/>
+      </p:nvGrpSpPr>
+      <p:grpSpPr>
+        <a:xfrm>
+          <a:off x="0" y="0"/>
+          <a:ext cx="0" cy="0"/>
+          <a:chOff x="0" y="0"/>
+          <a:chExt cx="0" cy="0"/>
+        </a:xfrm>
+      </p:grpSpPr>
+      <p:sp>
+        <p:nvSpPr>
+          <p:cNvPr id="133" name="Shape 133"/>
+          <p:cNvSpPr txBox="1">
+            <a:spLocks noGrp="1"/>
+          </p:cNvSpPr>
+          <p:nvPr>
+            <p:ph type="title"/>
+          </p:nvPr>
+        </p:nvSpPr>
+        <p:spPr>
+          <a:xfrm>
+            <a:off x="457200" y="274637"/>
+            <a:ext cx="8229600" cy="1143000"/>
+          </a:xfrm>
+          <a:prstGeom prst="rect">
+            <a:avLst/>
+          </a:prstGeom>
+        </p:spPr>
+        <p:txBody>
+          <a:bodyPr lIns="91425" tIns="91425" rIns="91425" bIns="91425" anchor="ctr" anchorCtr="0">
+            <a:noAutofit/>
+          </a:bodyPr>
+          <a:lstStyle/>
+          <a:p>
+            <a:pPr>
+              <a:buNone/>
+            </a:pPr>
+            <a:r>
+              <a:rPr lang="en"/>
+              <a:t>CCIS Cheating Policy</a:t>
+            </a:r>
+          </a:p>
+        </p:txBody>
+      </p:sp>
+      <p:sp>
+        <p:nvSpPr>
+          <p:cNvPr id="134" name="Shape 134"/>
+          <p:cNvSpPr txBox="1">
+            <a:spLocks noGrp="1"/>
+          </p:cNvSpPr>
+          <p:nvPr>
+            <p:ph type="body" idx="1"/>
+          </p:nvPr>
+        </p:nvSpPr>
+        <p:spPr>
+          <a:xfrm>
+            <a:off x="457200" y="1600200"/>
+            <a:ext cx="8229600" cy="4526100"/>
+          </a:xfrm>
+          <a:prstGeom prst="rect">
+            <a:avLst/>
+          </a:prstGeom>
+        </p:spPr>
+        <p:txBody>
+          <a:bodyPr lIns="91425" tIns="91425" rIns="91425" bIns="91425" anchor="t" anchorCtr="0">
+            <a:noAutofit/>
+          </a:bodyPr>
+          <a:lstStyle/>
+          <a:p>
+            <a:pPr marL="457200" lvl="0" indent="-419100" rtl="0">
+              <a:buClr>
+                <a:schemeClr val="dk1"/>
+              </a:buClr>
+              <a:buSzPct val="100000"/>
+              <a:buFont typeface="Calibri"/>
+              <a:buChar char="●"/>
+            </a:pPr>
+            <a:r>
+              <a:rPr lang="en" sz="3000" dirty="0"/>
+              <a:t>All violations of the University academic integrity policy </a:t>
+            </a:r>
+            <a:r>
+              <a:rPr lang="en" sz="3000" dirty="0">
+                <a:solidFill>
+                  <a:srgbClr val="FF0000"/>
+                </a:solidFill>
+              </a:rPr>
+              <a:t>must</a:t>
+            </a:r>
+            <a:r>
+              <a:rPr lang="en" sz="3000" dirty="0"/>
+              <a:t> be reported to OSCCR.</a:t>
+            </a:r>
+          </a:p>
+          <a:p>
+            <a:pPr marL="914400" lvl="1" indent="-419100" rtl="0">
+              <a:buClr>
+                <a:schemeClr val="dk1"/>
+              </a:buClr>
+              <a:buSzPct val="100000"/>
+              <a:buFont typeface="Calibri"/>
+              <a:buChar char="○"/>
+            </a:pPr>
+            <a:r>
+              <a:rPr lang="en" sz="3000" dirty="0"/>
+              <a:t>OSCCR = </a:t>
+            </a:r>
+            <a:r>
+              <a:rPr lang="en" sz="3000" u="sng" dirty="0">
+                <a:solidFill>
+                  <a:schemeClr val="hlink"/>
+                </a:solidFill>
+                <a:hlinkClick r:id="rId3"/>
+              </a:rPr>
+              <a:t>Office of Student Conduct and Conflict Resolution</a:t>
+            </a:r>
+            <a:r>
+              <a:rPr lang="en" sz="3000" dirty="0"/>
+              <a:t>.</a:t>
+            </a:r>
+          </a:p>
+          <a:p>
+            <a:pPr marL="457200" lvl="0" indent="-419100">
+              <a:buClr>
+                <a:schemeClr val="dk1"/>
+              </a:buClr>
+              <a:buSzPct val="100000"/>
+              <a:buFont typeface="Calibri"/>
+              <a:buChar char="●"/>
+            </a:pPr>
+            <a:r>
+              <a:rPr lang="en" sz="3000" dirty="0"/>
+              <a:t>Students who cheat often do so in multiple courses.  By reporting all violations to OSCCR, we guarantee that such students are suitably punished.</a:t>
+            </a:r>
+          </a:p>
+        </p:txBody>
+      </p:sp>
+    </p:spTree>
+  </p:cSld>
+  <p:clrMapOvr>
+    <a:masterClrMapping/>
+  </p:clrMapOvr>
+  <p:transition spd="slow">
+    <p:cut/>
+  </p:transition>
+</p:sld>
+</file>
+
+<file path=ppt/slides/slide8.xml><?xml version="1.0" encoding="utf-8"?>
+<p:sld xmlns:a="http://schemas.openxmlformats.org/drawingml/2006/main" xmlns:r="http://schemas.openxmlformats.org/officeDocument/2006/relationships" xmlns:p="http://schemas.openxmlformats.org/presentationml/2006/main">
+  <p:cSld>
+    <p:spTree>
+      <p:nvGrpSpPr>
+        <p:cNvPr id="1" name="Shape 138"/>
+        <p:cNvGrpSpPr/>
+        <p:nvPr/>
+      </p:nvGrpSpPr>
+      <p:grpSpPr>
+        <a:xfrm>
+          <a:off x="0" y="0"/>
+          <a:ext cx="0" cy="0"/>
+          <a:chOff x="0" y="0"/>
+          <a:chExt cx="0" cy="0"/>
+        </a:xfrm>
+      </p:grpSpPr>
+      <p:sp>
+        <p:nvSpPr>
+          <p:cNvPr id="139" name="Shape 139"/>
+          <p:cNvSpPr txBox="1">
+            <a:spLocks noGrp="1"/>
+          </p:cNvSpPr>
+          <p:nvPr>
+            <p:ph type="title"/>
+          </p:nvPr>
+        </p:nvSpPr>
+        <p:spPr>
+          <a:xfrm>
+            <a:off x="457200" y="274637"/>
+            <a:ext cx="8229600" cy="1143000"/>
+          </a:xfrm>
+          <a:prstGeom prst="rect">
+            <a:avLst/>
+          </a:prstGeom>
+        </p:spPr>
+        <p:txBody>
+          <a:bodyPr lIns="91425" tIns="91425" rIns="91425" bIns="91425" anchor="ctr" anchorCtr="0">
+            <a:noAutofit/>
+          </a:bodyPr>
+          <a:lstStyle/>
+          <a:p>
+            <a:pPr>
+              <a:buNone/>
+            </a:pPr>
+            <a:r>
+              <a:rPr lang="en" sz="4000" dirty="0"/>
+              <a:t>University Academic Integrity Policy</a:t>
+            </a:r>
+          </a:p>
+        </p:txBody>
+      </p:sp>
+      <p:sp>
+        <p:nvSpPr>
+          <p:cNvPr id="140" name="Shape 140"/>
+          <p:cNvSpPr txBox="1">
+            <a:spLocks noGrp="1"/>
+          </p:cNvSpPr>
+          <p:nvPr>
+            <p:ph type="body" idx="1"/>
+          </p:nvPr>
+        </p:nvSpPr>
+        <p:spPr>
+          <a:xfrm>
+            <a:off x="457200" y="1600200"/>
+            <a:ext cx="8229600" cy="4526100"/>
+          </a:xfrm>
+          <a:prstGeom prst="rect">
+            <a:avLst/>
+          </a:prstGeom>
+        </p:spPr>
+        <p:txBody>
+          <a:bodyPr lIns="91425" tIns="91425" rIns="91425" bIns="91425" anchor="t" anchorCtr="0">
+            <a:noAutofit/>
+          </a:bodyPr>
+          <a:lstStyle/>
+          <a:p>
+            <a:pPr marL="0" lvl="0" indent="0" rtl="0">
+              <a:buNone/>
+            </a:pPr>
+            <a:r>
+              <a:rPr lang="en" sz="1400">
+                <a:solidFill>
+                  <a:srgbClr val="333333"/>
+                </a:solidFill>
+              </a:rPr>
+              <a:t>The following is a broad overview, but not an all-encompassing definition, of what constitutes a violation of academic integrity. [</a:t>
+            </a:r>
+            <a:r>
+              <a:rPr lang="en" sz="1400" u="sng">
+                <a:solidFill>
+                  <a:schemeClr val="hlink"/>
+                </a:solidFill>
+                <a:hlinkClick r:id="rId3"/>
+              </a:rPr>
+              <a:t>from OSCCR website</a:t>
+            </a:r>
+            <a:r>
+              <a:rPr lang="en" sz="1400">
+                <a:solidFill>
+                  <a:srgbClr val="333333"/>
+                </a:solidFill>
+              </a:rPr>
+              <a:t>] </a:t>
+            </a:r>
+          </a:p>
+          <a:p>
+            <a:pPr marL="0" lvl="0" indent="0" rtl="0">
+              <a:buNone/>
+            </a:pPr>
+            <a:r>
+              <a:rPr lang="en" sz="1400" b="1">
+                <a:solidFill>
+                  <a:srgbClr val="333333"/>
+                </a:solidFill>
+              </a:rPr>
+              <a:t>Cheating:</a:t>
+            </a:r>
+            <a:r>
+              <a:rPr lang="en" sz="1400">
+                <a:solidFill>
+                  <a:srgbClr val="333333"/>
+                </a:solidFill>
+              </a:rPr>
+              <a:t> The University defines cheating as using or attempting to use unauthorized materials, information, or study aids in any academic exercise. </a:t>
+            </a:r>
+            <a:r>
+              <a:rPr lang="en" sz="1400" b="1">
+                <a:solidFill>
+                  <a:srgbClr val="FF0000"/>
+                </a:solidFill>
+              </a:rPr>
+              <a:t>When completing any academic assignment, a student shall rely on his or her own mastery of the subject.</a:t>
+            </a:r>
+            <a:r>
+              <a:rPr lang="en" sz="1400" b="1">
+                <a:solidFill>
+                  <a:srgbClr val="000000"/>
+                </a:solidFill>
+              </a:rPr>
+              <a:t> </a:t>
+            </a:r>
+            <a:r>
+              <a:rPr lang="en" sz="1400">
+                <a:solidFill>
+                  <a:srgbClr val="000000"/>
+                </a:solidFill>
+              </a:rPr>
+              <a:t>[emphasis added]</a:t>
+            </a:r>
+          </a:p>
+          <a:p>
+            <a:pPr marL="0" lvl="0" indent="0" rtl="0">
+              <a:buNone/>
+            </a:pPr>
+            <a:r>
+              <a:rPr lang="en" sz="1400" b="1">
+                <a:solidFill>
+                  <a:srgbClr val="333333"/>
+                </a:solidFill>
+              </a:rPr>
+              <a:t>Fabrication:</a:t>
+            </a:r>
+            <a:r>
+              <a:rPr lang="en" sz="1400">
+                <a:solidFill>
+                  <a:srgbClr val="333333"/>
+                </a:solidFill>
+              </a:rPr>
+              <a:t> The University defines fabrication as falsification, misrepresentation, or invention of any information, data, or citation in an academic exercise.  </a:t>
+            </a:r>
+          </a:p>
+          <a:p>
+            <a:pPr marL="0" lvl="0" indent="0" rtl="0">
+              <a:buNone/>
+            </a:pPr>
+            <a:r>
+              <a:rPr lang="en" sz="1400" b="1">
+                <a:solidFill>
+                  <a:srgbClr val="333333"/>
+                </a:solidFill>
+              </a:rPr>
+              <a:t>Plagiarism:</a:t>
+            </a:r>
+            <a:r>
+              <a:rPr lang="en" sz="1400">
+                <a:solidFill>
+                  <a:srgbClr val="333333"/>
+                </a:solidFill>
+              </a:rPr>
+              <a:t> The University defines plagiarism as using as one’s own the words, ideas, data, code, or other original academic material of another without providing proper citation or attribution. Plagiarism can apply to any assignment, either final or drafted copies, and it can occur either accidentally or deliberately. Claiming that one has “forgotten” to document ideas or material taken from another source does not exempt one from plagiarizing. </a:t>
+            </a:r>
+          </a:p>
+          <a:p>
+            <a:pPr marL="0" lvl="0" indent="0" rtl="0">
+              <a:spcAft>
+                <a:spcPts val="1000"/>
+              </a:spcAft>
+              <a:buNone/>
+            </a:pPr>
+            <a:r>
+              <a:rPr lang="en" sz="1400" b="1">
+                <a:solidFill>
+                  <a:srgbClr val="333333"/>
+                </a:solidFill>
+              </a:rPr>
+              <a:t>Unauthorized Collaboration:</a:t>
+            </a:r>
+            <a:r>
+              <a:rPr lang="en" sz="1400">
+                <a:solidFill>
+                  <a:srgbClr val="333333"/>
+                </a:solidFill>
+              </a:rPr>
+              <a:t> The University defines unauthorized collaboration as instances when students submit individual academic works that are substantially similar to one another. While several students may have the same source material, any analysis, interpretation, or reporting of data required by an assignment </a:t>
+            </a:r>
+            <a:r>
+              <a:rPr lang="en" sz="1400" b="1">
+                <a:solidFill>
+                  <a:srgbClr val="FF0000"/>
+                </a:solidFill>
+              </a:rPr>
+              <a:t>must be each individual’s independent work unless the instructor has explicitly granted permission for group work. </a:t>
+            </a:r>
+            <a:r>
+              <a:rPr lang="en" sz="1400">
+                <a:solidFill>
+                  <a:srgbClr val="333333"/>
+                </a:solidFill>
+              </a:rPr>
+              <a:t>  [emphasis added]</a:t>
+            </a:r>
+          </a:p>
+          <a:p>
+            <a:pPr marL="0" lvl="0" indent="0" rtl="0">
+              <a:lnSpc>
+                <a:spcPct val="100000"/>
+              </a:lnSpc>
+              <a:spcBef>
+                <a:spcPts val="0"/>
+              </a:spcBef>
+              <a:spcAft>
+                <a:spcPts val="1700"/>
+              </a:spcAft>
+              <a:buNone/>
+            </a:pPr>
+            <a:r>
+              <a:rPr lang="en" sz="1400" b="1">
+                <a:solidFill>
+                  <a:srgbClr val="333333"/>
+                </a:solidFill>
+              </a:rPr>
+              <a:t>Participation in Academically Dishonest Activities:</a:t>
+            </a:r>
+            <a:r>
+              <a:rPr lang="en" sz="1400">
+                <a:solidFill>
+                  <a:srgbClr val="333333"/>
+                </a:solidFill>
+              </a:rPr>
+              <a:t> The University defines participation in academically dishonest activities as  any action taken by a student with the intention of gaining an unfair advantage over other students.  </a:t>
+            </a:r>
+          </a:p>
+        </p:txBody>
+      </p:sp>
+    </p:spTree>
+  </p:cSld>
+  <p:clrMapOvr>
+    <a:masterClrMapping/>
+  </p:clrMapOvr>
+  <p:transition spd="slow">
+    <p:cut/>
+  </p:transition>
+</p:sld>
+</file>
+
+<file path=ppt/slides/slide9.xml><?xml version="1.0" encoding="utf-8"?>
+<p:sld xmlns:a="http://schemas.openxmlformats.org/drawingml/2006/main" xmlns:r="http://schemas.openxmlformats.org/officeDocument/2006/relationships" xmlns:p="http://schemas.openxmlformats.org/presentationml/2006/main">
+  <p:cSld>
+    <p:spTree>
+      <p:nvGrpSpPr>
+        <p:cNvPr id="1" name="Shape 144"/>
+        <p:cNvGrpSpPr/>
+        <p:nvPr/>
+      </p:nvGrpSpPr>
+      <p:grpSpPr>
+        <a:xfrm>
+          <a:off x="0" y="0"/>
+          <a:ext cx="0" cy="0"/>
+          <a:chOff x="0" y="0"/>
+          <a:chExt cx="0" cy="0"/>
+        </a:xfrm>
+      </p:grpSpPr>
+      <p:sp>
+        <p:nvSpPr>
+          <p:cNvPr id="145" name="Shape 145"/>
+          <p:cNvSpPr txBox="1">
+            <a:spLocks noGrp="1"/>
+          </p:cNvSpPr>
+          <p:nvPr>
+            <p:ph type="title"/>
+          </p:nvPr>
+        </p:nvSpPr>
+        <p:spPr>
+          <a:xfrm>
+            <a:off x="457200" y="274637"/>
+            <a:ext cx="8229600" cy="1143000"/>
+          </a:xfrm>
+          <a:prstGeom prst="rect">
+            <a:avLst/>
+          </a:prstGeom>
+        </p:spPr>
+        <p:txBody>
+          <a:bodyPr lIns="91425" tIns="91425" rIns="91425" bIns="91425" anchor="ctr" anchorCtr="0">
+            <a:noAutofit/>
+          </a:bodyPr>
+          <a:lstStyle/>
+          <a:p>
+            <a:pPr>
+              <a:buNone/>
+            </a:pPr>
+            <a:r>
+              <a:rPr lang="en"/>
+              <a:t>The Short Version:</a:t>
+            </a:r>
+          </a:p>
+        </p:txBody>
+      </p:sp>
+      <p:sp>
+        <p:nvSpPr>
+          <p:cNvPr id="146" name="Shape 146"/>
+          <p:cNvSpPr txBox="1">
+            <a:spLocks noGrp="1"/>
+          </p:cNvSpPr>
+          <p:nvPr>
+            <p:ph type="body" idx="1"/>
+          </p:nvPr>
+        </p:nvSpPr>
+        <p:spPr>
+          <a:xfrm>
+            <a:off x="457200" y="1600200"/>
+            <a:ext cx="8229600" cy="4526100"/>
+          </a:xfrm>
+          <a:prstGeom prst="rect">
+            <a:avLst/>
+          </a:prstGeom>
+        </p:spPr>
+        <p:txBody>
+          <a:bodyPr lIns="91425" tIns="91425" rIns="91425" bIns="91425" anchor="t" anchorCtr="0">
+            <a:noAutofit/>
+          </a:bodyPr>
+          <a:lstStyle/>
+          <a:p>
+            <a:pPr marL="0" lvl="0" indent="0" algn="ctr" rtl="0">
+              <a:lnSpc>
+                <a:spcPct val="115000"/>
+              </a:lnSpc>
+              <a:spcBef>
+                <a:spcPts val="2400"/>
+              </a:spcBef>
+              <a:spcAft>
+                <a:spcPts val="600"/>
+              </a:spcAft>
+              <a:buClr>
+                <a:srgbClr val="000000"/>
+              </a:buClr>
+              <a:buSzPct val="25000"/>
+              <a:buFont typeface="Arial"/>
+              <a:buNone/>
+            </a:pPr>
+            <a:r>
+              <a:rPr lang="en" sz="4800" b="1" dirty="0">
+                <a:solidFill>
+                  <a:srgbClr val="FF0000"/>
+                </a:solidFill>
+                <a:latin typeface="Arial"/>
+                <a:ea typeface="Arial"/>
+                <a:cs typeface="Arial"/>
+                <a:sym typeface="Arial"/>
+              </a:rPr>
+              <a:t>DON'T SHARE INFORMATION</a:t>
+            </a:r>
+          </a:p>
+          <a:p>
+            <a:endParaRPr lang="en" sz="4800" b="1" dirty="0">
+              <a:solidFill>
+                <a:srgbClr val="FF0000"/>
+              </a:solidFill>
+              <a:latin typeface="Arial"/>
+              <a:ea typeface="Arial"/>
+              <a:cs typeface="Arial"/>
+              <a:sym typeface="Arial"/>
+            </a:endParaRPr>
+          </a:p>
+          <a:p>
+            <a:pPr marL="0" lvl="0" indent="0" rtl="0">
+              <a:lnSpc>
+                <a:spcPct val="100000"/>
+              </a:lnSpc>
+              <a:spcBef>
+                <a:spcPts val="0"/>
+              </a:spcBef>
+              <a:buNone/>
+            </a:pPr>
+            <a:r>
+              <a:rPr lang="en" sz="2400" dirty="0">
+                <a:solidFill>
+                  <a:srgbClr val="000000"/>
+                </a:solidFill>
+              </a:rPr>
+              <a:t>If you share your design ideas, or tests, or comments, or</a:t>
+            </a:r>
+          </a:p>
+          <a:p>
+            <a:pPr marL="0" lvl="0" indent="0" rtl="0">
+              <a:lnSpc>
+                <a:spcPct val="100000"/>
+              </a:lnSpc>
+              <a:spcBef>
+                <a:spcPts val="0"/>
+              </a:spcBef>
+              <a:buNone/>
+            </a:pPr>
+            <a:r>
+              <a:rPr lang="en-US" sz="2400" dirty="0">
+                <a:solidFill>
+                  <a:srgbClr val="000000"/>
+                </a:solidFill>
+              </a:rPr>
+              <a:t>F</a:t>
+            </a:r>
+            <a:r>
+              <a:rPr lang="en" sz="2400" dirty="0">
+                <a:solidFill>
+                  <a:srgbClr val="000000"/>
+                </a:solidFill>
+              </a:rPr>
+              <a:t>iles, or even portions of files with somebody else, we </a:t>
+            </a:r>
+            <a:r>
+              <a:rPr lang="en" sz="2400" i="1" dirty="0">
+                <a:solidFill>
+                  <a:srgbClr val="000000"/>
+                </a:solidFill>
+              </a:rPr>
+              <a:t>will</a:t>
+            </a:r>
+            <a:r>
+              <a:rPr lang="en" sz="2400" dirty="0">
+                <a:solidFill>
+                  <a:srgbClr val="000000"/>
+                </a:solidFill>
+              </a:rPr>
+              <a:t> detect it and you </a:t>
+            </a:r>
+            <a:r>
+              <a:rPr lang="en" sz="2400" i="1" dirty="0">
+                <a:solidFill>
+                  <a:srgbClr val="000000"/>
+                </a:solidFill>
+              </a:rPr>
+              <a:t>will</a:t>
+            </a:r>
+            <a:r>
+              <a:rPr lang="en" sz="2400" dirty="0">
+                <a:solidFill>
+                  <a:srgbClr val="000000"/>
+                </a:solidFill>
+              </a:rPr>
+              <a:t> get sent to OSCCR. Period. End of story.</a:t>
+            </a:r>
+          </a:p>
+          <a:p>
+            <a:endParaRPr lang="en" sz="2400" dirty="0">
+              <a:solidFill>
+                <a:srgbClr val="000000"/>
+              </a:solidFill>
+            </a:endParaRPr>
+          </a:p>
+        </p:txBody>
+      </p:sp>
+    </p:spTree>
+  </p:cSld>
+  <p:clrMapOvr>
+    <a:masterClrMapping/>
+  </p:clrMapOvr>
+  <p:transition spd="slow">
+    <p:cut/>
+  </p:transition>
 </p:sld>
 </file>
 

--- a/Slides/Lesson 0.3 Academic Honesty.pptx
+++ b/Slides/Lesson 0.3 Academic Honesty.pptx
@@ -11500,7 +11500,7 @@
                   <a:srgbClr val="000000"/>
                 </a:solidFill>
               </a:rPr>
-              <a:t>You think: I’ll just take a peek at his solution </a:t>
+              <a:t>You think: I’ll just take a peek at his solution. </a:t>
             </a:r>
           </a:p>
           <a:p>
@@ -11524,7 +11524,7 @@
                   <a:srgbClr val="000000"/>
                 </a:solidFill>
               </a:rPr>
-              <a:t>And then you think: I’ll mail myself a copy so I can look at it more closely</a:t>
+              <a:t>And then you think: I’ll mail myself a copy so I can look at it more closely.</a:t>
             </a:r>
           </a:p>
           <a:p>
@@ -11936,128 +11936,6 @@
                       </p:childTnLst>
                     </p:cTn>
                   </p:par>
-                  <p:par>
-                    <p:cTn id="28" fill="hold">
-                      <p:stCondLst>
-                        <p:cond delay="indefinite"/>
-                      </p:stCondLst>
-                      <p:childTnLst>
-                        <p:par>
-                          <p:cTn id="29" fill="hold">
-                            <p:stCondLst>
-                              <p:cond delay="0"/>
-                            </p:stCondLst>
-                            <p:childTnLst>
-                              <p:par>
-                                <p:cTn id="30" presetID="10" presetClass="entr" presetSubtype="0" fill="hold" nodeType="clickEffect">
-                                  <p:stCondLst>
-                                    <p:cond delay="0"/>
-                                  </p:stCondLst>
-                                  <p:childTnLst>
-                                    <p:set>
-                                      <p:cBhvr>
-                                        <p:cTn id="31" dur="1" fill="hold">
-                                          <p:stCondLst>
-                                            <p:cond delay="0"/>
-                                          </p:stCondLst>
-                                        </p:cTn>
-                                        <p:tgtEl>
-                                          <p:spTgt spid="158">
-                                            <p:txEl>
-                                              <p:pRg st="5" end="5"/>
-                                            </p:txEl>
-                                          </p:spTgt>
-                                        </p:tgtEl>
-                                        <p:attrNameLst>
-                                          <p:attrName>style.visibility</p:attrName>
-                                        </p:attrNameLst>
-                                      </p:cBhvr>
-                                      <p:to>
-                                        <p:strVal val="visible"/>
-                                      </p:to>
-                                    </p:set>
-                                    <p:animEffect transition="in" filter="fade">
-                                      <p:cBhvr>
-                                        <p:cTn id="32" dur="1000"/>
-                                        <p:tgtEl>
-                                          <p:spTgt spid="158">
-                                            <p:txEl>
-                                              <p:pRg st="5" end="5"/>
-                                            </p:txEl>
-                                          </p:spTgt>
-                                        </p:tgtEl>
-                                      </p:cBhvr>
-                                    </p:animEffect>
-                                  </p:childTnLst>
-                                </p:cTn>
-                              </p:par>
-                            </p:childTnLst>
-                          </p:cTn>
-                        </p:par>
-                      </p:childTnLst>
-                    </p:cTn>
-                  </p:par>
-                  <p:par>
-                    <p:cTn id="33" fill="hold">
-                      <p:stCondLst>
-                        <p:cond delay="indefinite"/>
-                      </p:stCondLst>
-                      <p:childTnLst>
-                        <p:par>
-                          <p:cTn id="34" fill="hold">
-                            <p:stCondLst>
-                              <p:cond delay="0"/>
-                            </p:stCondLst>
-                            <p:childTnLst>
-                              <p:par>
-                                <p:cTn id="35" presetID="10" presetClass="entr" presetSubtype="0" fill="hold" nodeType="clickEffect">
-                                  <p:stCondLst>
-                                    <p:cond delay="0"/>
-                                  </p:stCondLst>
-                                  <p:childTnLst>
-                                    <p:set>
-                                      <p:cBhvr>
-                                        <p:cTn id="36" dur="1" fill="hold">
-                                          <p:stCondLst>
-                                            <p:cond delay="0"/>
-                                          </p:stCondLst>
-                                        </p:cTn>
-                                        <p:tgtEl>
-                                          <p:spTgt spid="158">
-                                            <p:txEl>
-                                              <p:pRg st="6" end="6"/>
-                                            </p:txEl>
-                                          </p:spTgt>
-                                        </p:tgtEl>
-                                        <p:attrNameLst>
-                                          <p:attrName>style.visibility</p:attrName>
-                                        </p:attrNameLst>
-                                      </p:cBhvr>
-                                      <p:to>
-                                        <p:strVal val="visible"/>
-                                      </p:to>
-                                    </p:set>
-                                    <p:animEffect transition="in" filter="fade">
-                                      <p:cBhvr>
-                                        <p:cTn id="37" dur="1000"/>
-                                        <p:tgtEl>
-                                          <p:spTgt spid="158">
-                                            <p:txEl>
-                                              <p:pRg st="6" end="6"/>
-                                            </p:txEl>
-                                          </p:spTgt>
-                                        </p:tgtEl>
-                                      </p:cBhvr>
-                                    </p:animEffect>
-                                  </p:childTnLst>
-                                </p:cTn>
-                              </p:par>
-                            </p:childTnLst>
-                          </p:cTn>
-                        </p:par>
-                      </p:childTnLst>
-                    </p:cTn>
-                  </p:par>
                 </p:childTnLst>
               </p:cTn>
               <p:prevCondLst>
@@ -12175,7 +12053,7 @@
               <a:buChar char="•"/>
             </a:pPr>
             <a:r>
-              <a:rPr lang="en" sz="2400">
+              <a:rPr lang="en" sz="2400" dirty="0">
                 <a:solidFill>
                   <a:srgbClr val="000000"/>
                 </a:solidFill>
@@ -12199,7 +12077,7 @@
               <a:buChar char="•"/>
             </a:pPr>
             <a:r>
-              <a:rPr lang="en" sz="2400">
+              <a:rPr lang="en" sz="2400" dirty="0">
                 <a:solidFill>
                   <a:srgbClr val="000000"/>
                 </a:solidFill>
@@ -12223,7 +12101,7 @@
               <a:buChar char="•"/>
             </a:pPr>
             <a:r>
-              <a:rPr lang="en" sz="2400">
+              <a:rPr lang="en" sz="2400" dirty="0">
                 <a:solidFill>
                   <a:srgbClr val="000000"/>
                 </a:solidFill>
@@ -12247,7 +12125,7 @@
               <a:buChar char="•"/>
             </a:pPr>
             <a:r>
-              <a:rPr lang="en" sz="2400">
+              <a:rPr lang="en" sz="2400" dirty="0">
                 <a:solidFill>
                   <a:srgbClr val="000000"/>
                 </a:solidFill>
@@ -12256,7 +12134,7 @@
             </a:r>
           </a:p>
           <a:p>
-            <a:endParaRPr lang="en" sz="2400">
+            <a:endParaRPr lang="en" sz="2400" dirty="0">
               <a:solidFill>
                 <a:srgbClr val="000000"/>
               </a:solidFill>
@@ -12524,67 +12402,6 @@
                       </p:childTnLst>
                     </p:cTn>
                   </p:par>
-                  <p:par>
-                    <p:cTn id="23" fill="hold">
-                      <p:stCondLst>
-                        <p:cond delay="indefinite"/>
-                      </p:stCondLst>
-                      <p:childTnLst>
-                        <p:par>
-                          <p:cTn id="24" fill="hold">
-                            <p:stCondLst>
-                              <p:cond delay="0"/>
-                            </p:stCondLst>
-                            <p:childTnLst>
-                              <p:par>
-                                <p:cTn id="25" presetID="10" presetClass="entr" presetSubtype="0" fill="hold" nodeType="clickEffect">
-                                  <p:stCondLst>
-                                    <p:cond delay="0"/>
-                                  </p:stCondLst>
-                                  <p:childTnLst>
-                                    <p:set>
-                                      <p:cBhvr>
-                                        <p:cTn id="26" dur="1" fill="hold">
-                                          <p:stCondLst>
-                                            <p:cond delay="0"/>
-                                          </p:stCondLst>
-                                        </p:cTn>
-                                        <p:tgtEl>
-                                          <p:spTgt spid="164">
-                                            <p:txEl>
-                                              <p:pRg st="4" end="4"/>
-                                            </p:txEl>
-                                          </p:spTgt>
-                                        </p:tgtEl>
-                                        <p:attrNameLst>
-                                          <p:attrName>style.visibility</p:attrName>
-                                        </p:attrNameLst>
-                                      </p:cBhvr>
-                                      <p:to>
-                                        <p:strVal val="visible"/>
-                                      </p:to>
-                                    </p:set>
-                                    <p:animEffect transition="in" filter="fade">
-                                      <p:cBhvr>
-                                        <p:cTn id="27" dur="1000"/>
-                                        <p:tgtEl>
-                                          <p:spTgt spid="164">
-                                            <p:txEl>
-                                              <p:pRg st="4" end="4"/>
-                                            </p:txEl>
-                                          </p:spTgt>
-                                        </p:tgtEl>
-                                      </p:cBhvr>
-                                    </p:animEffect>
-                                  </p:childTnLst>
-                                </p:cTn>
-                              </p:par>
-                            </p:childTnLst>
-                          </p:cTn>
-                        </p:par>
-                      </p:childTnLst>
-                    </p:cTn>
-                  </p:par>
                 </p:childTnLst>
               </p:cTn>
               <p:prevCondLst>
@@ -12839,7 +12656,7 @@
             </a:pPr>
             <a:r>
               <a:rPr lang="en" sz="2400" dirty="0"/>
-              <a:t>They will assign a non-academic penalty (typically some form of suspension, possibly deferred if there are no future violations)</a:t>
+              <a:t>They will assign a non-academic penalty (typically some form of suspension, possibly deferred if there are no future violations).</a:t>
             </a:r>
           </a:p>
           <a:p>
@@ -13619,14 +13436,14 @@
             <a:pPr lvl="1"/>
             <a:r>
               <a:rPr lang="en-US" sz="2400" dirty="0"/>
-              <a:t>Why Academic Honesty is important, and who cares about it</a:t>
+              <a:t>Why Academic Honesty is important, and who cares about it.</a:t>
             </a:r>
           </a:p>
           <a:p>
             <a:pPr lvl="1"/>
             <a:r>
               <a:rPr lang="en-US" sz="2400" dirty="0"/>
-              <a:t>The definition of Academic Honesty, and how it applies to this course</a:t>
+              <a:t>The definition of Academic Honesty, and how it applies to this course.</a:t>
             </a:r>
           </a:p>
           <a:p>
@@ -13640,7 +13457,7 @@
             <a:pPr lvl="1"/>
             <a:r>
               <a:rPr lang="en-US" sz="2400" dirty="0"/>
-              <a:t>How to avoid situations that may lead to Academic Honesty violations</a:t>
+              <a:t>How to avoid situations that may lead to Academic Honesty violations.</a:t>
             </a:r>
           </a:p>
           <a:p>
@@ -13772,8 +13589,13 @@
             </a:pPr>
             <a:r>
               <a:rPr lang="en" sz="3000" dirty="0"/>
-              <a:t>I know that most of you are honest, and none of this will apply to you</a:t>
+              <a:t>I know that most of you are honest, and none of this will apply </a:t>
             </a:r>
+            <a:r>
+              <a:rPr lang="en" sz="3000"/>
+              <a:t>to you.</a:t>
+            </a:r>
+            <a:endParaRPr lang="en" sz="3000" dirty="0"/>
           </a:p>
           <a:p>
             <a:pPr marL="457200" lvl="0" indent="-419100" rtl="0">
@@ -14370,7 +14192,7 @@
             </a:r>
             <a:r>
               <a:rPr lang="en" sz="3000" dirty="0"/>
-              <a:t> to have reached a certain level of achievement</a:t>
+              <a:t> to have reached a certain level of achievement.</a:t>
             </a:r>
           </a:p>
           <a:p>
@@ -14627,13 +14449,13 @@
           <a:p>
             <a:r>
               <a:rPr lang="en-US" dirty="0"/>
-              <a:t>Most economically important applications of computer science involve intellectual property</a:t>
+              <a:t>Most economically important applications of computer science involve intellectual property.</a:t>
             </a:r>
           </a:p>
           <a:p>
             <a:r>
               <a:rPr lang="en-US" dirty="0"/>
-              <a:t>Employees who cheat can cost their employer a great deal of money</a:t>
+              <a:t>Employees who cheat can cost their employer a great deal of money.</a:t>
             </a:r>
           </a:p>
           <a:p>

--- a/Slides/Lesson 0.3 Academic Honesty.pptx
+++ b/Slides/Lesson 0.3 Academic Honesty.pptx
@@ -10325,6 +10325,7 @@
     <p:sldLayoutId id="2147483664" r:id="rId11"/>
     <p:sldLayoutId id="2147483665" r:id="rId12"/>
   </p:sldLayoutIdLst>
+  <p:hf hdr="0" ftr="0" dt="0"/>
   <p:txStyles>
     <p:titleStyle>
       <a:defPPr marR="0" algn="l" rtl="0">
@@ -10967,46 +10968,6 @@
           </a:p>
         </p:txBody>
       </p:sp>
-      <p:sp>
-        <p:nvSpPr>
-          <p:cNvPr id="106" name="Shape 106"/>
-          <p:cNvSpPr txBox="1">
-            <a:spLocks noGrp="1"/>
-          </p:cNvSpPr>
-          <p:nvPr>
-            <p:ph type="sldNum" idx="12"/>
-          </p:nvPr>
-        </p:nvSpPr>
-        <p:spPr>
-          <a:xfrm>
-            <a:off x="6553200" y="6356350"/>
-            <a:ext cx="2133599" cy="365099"/>
-          </a:xfrm>
-          <a:prstGeom prst="rect">
-            <a:avLst/>
-          </a:prstGeom>
-          <a:noFill/>
-          <a:ln>
-            <a:noFill/>
-          </a:ln>
-        </p:spPr>
-        <p:txBody>
-          <a:bodyPr lIns="91425" tIns="45700" rIns="91425" bIns="45700" anchor="ctr" anchorCtr="0">
-            <a:noAutofit/>
-          </a:bodyPr>
-          <a:lstStyle/>
-          <a:p>
-            <a:pPr marL="0" marR="0" lvl="0" indent="0" algn="r" rtl="0">
-              <a:buSzPct val="25000"/>
-              <a:buNone/>
-            </a:pPr>
-            <a:r>
-              <a:rPr lang="en"/>
-              <a:t> </a:t>
-            </a:r>
-          </a:p>
-        </p:txBody>
-      </p:sp>
       <p:grpSp>
         <p:nvGrpSpPr>
           <p:cNvPr id="107" name="Shape 107"/>
@@ -11158,6 +11119,25 @@
           </p:spPr>
         </p:sp>
       </p:grpSp>
+      <p:sp>
+        <p:nvSpPr>
+          <p:cNvPr id="3" name="Slide Number Placeholder 2"/>
+          <p:cNvSpPr>
+            <a:spLocks noGrp="1"/>
+          </p:cNvSpPr>
+          <p:nvPr>
+            <p:ph type="sldNum" idx="12"/>
+          </p:nvPr>
+        </p:nvSpPr>
+        <p:spPr/>
+        <p:txBody>
+          <a:bodyPr/>
+          <a:lstStyle/>
+          <a:p>
+            <a:endParaRPr lang="en-US"/>
+          </a:p>
+        </p:txBody>
+      </p:sp>
     </p:spTree>
   </p:cSld>
   <p:clrMapOvr>
@@ -11368,6 +11348,25 @@
           </a:p>
         </p:txBody>
       </p:sp>
+      <p:sp>
+        <p:nvSpPr>
+          <p:cNvPr id="3" name="Slide Number Placeholder 2"/>
+          <p:cNvSpPr>
+            <a:spLocks noGrp="1"/>
+          </p:cNvSpPr>
+          <p:nvPr>
+            <p:ph type="sldNum" idx="12"/>
+          </p:nvPr>
+        </p:nvSpPr>
+        <p:spPr/>
+        <p:txBody>
+          <a:bodyPr/>
+          <a:lstStyle/>
+          <a:p>
+            <a:endParaRPr lang="en-US"/>
+          </a:p>
+        </p:txBody>
+      </p:sp>
     </p:spTree>
   </p:cSld>
   <p:clrMapOvr>
@@ -11612,6 +11611,25 @@
                 <a:srgbClr val="000000"/>
               </a:solidFill>
             </a:endParaRPr>
+          </a:p>
+        </p:txBody>
+      </p:sp>
+      <p:sp>
+        <p:nvSpPr>
+          <p:cNvPr id="3" name="Slide Number Placeholder 2"/>
+          <p:cNvSpPr>
+            <a:spLocks noGrp="1"/>
+          </p:cNvSpPr>
+          <p:nvPr>
+            <p:ph type="sldNum" idx="12"/>
+          </p:nvPr>
+        </p:nvSpPr>
+        <p:spPr/>
+        <p:txBody>
+          <a:bodyPr/>
+          <a:lstStyle/>
+          <a:p>
+            <a:endParaRPr lang="en-US"/>
           </a:p>
         </p:txBody>
       </p:sp>
@@ -12142,6 +12160,25 @@
           </a:p>
         </p:txBody>
       </p:sp>
+      <p:sp>
+        <p:nvSpPr>
+          <p:cNvPr id="3" name="Slide Number Placeholder 2"/>
+          <p:cNvSpPr>
+            <a:spLocks noGrp="1"/>
+          </p:cNvSpPr>
+          <p:nvPr>
+            <p:ph type="sldNum" idx="12"/>
+          </p:nvPr>
+        </p:nvSpPr>
+        <p:spPr/>
+        <p:txBody>
+          <a:bodyPr/>
+          <a:lstStyle/>
+          <a:p>
+            <a:endParaRPr lang="en-US"/>
+          </a:p>
+        </p:txBody>
+      </p:sp>
     </p:spTree>
   </p:cSld>
   <p:clrMapOvr>
@@ -12514,6 +12551,25 @@
           </a:p>
         </p:txBody>
       </p:sp>
+      <p:sp>
+        <p:nvSpPr>
+          <p:cNvPr id="5" name="Slide Number Placeholder 4"/>
+          <p:cNvSpPr>
+            <a:spLocks noGrp="1"/>
+          </p:cNvSpPr>
+          <p:nvPr>
+            <p:ph type="sldNum" idx="12"/>
+          </p:nvPr>
+        </p:nvSpPr>
+        <p:spPr/>
+        <p:txBody>
+          <a:bodyPr/>
+          <a:lstStyle/>
+          <a:p>
+            <a:endParaRPr lang="en-US"/>
+          </a:p>
+        </p:txBody>
+      </p:sp>
     </p:spTree>
     <p:extLst>
       <p:ext uri="{BB962C8B-B14F-4D97-AF65-F5344CB8AC3E}">
@@ -12689,6 +12745,25 @@
           </a:p>
         </p:txBody>
       </p:sp>
+      <p:sp>
+        <p:nvSpPr>
+          <p:cNvPr id="3" name="Slide Number Placeholder 2"/>
+          <p:cNvSpPr>
+            <a:spLocks noGrp="1"/>
+          </p:cNvSpPr>
+          <p:nvPr>
+            <p:ph type="sldNum" idx="12"/>
+          </p:nvPr>
+        </p:nvSpPr>
+        <p:spPr/>
+        <p:txBody>
+          <a:bodyPr/>
+          <a:lstStyle/>
+          <a:p>
+            <a:endParaRPr lang="en-US"/>
+          </a:p>
+        </p:txBody>
+      </p:sp>
     </p:spTree>
   </p:cSld>
   <p:clrMapOvr>
@@ -12772,6 +12847,25 @@
               <a:rPr lang="en-US" dirty="0"/>
               <a:t>A second offense (or a sufficiently major first offense) may result in penalties up to and including dismissal from the program.  [This has happened!!]</a:t>
             </a:r>
+          </a:p>
+        </p:txBody>
+      </p:sp>
+      <p:sp>
+        <p:nvSpPr>
+          <p:cNvPr id="5" name="Slide Number Placeholder 4"/>
+          <p:cNvSpPr>
+            <a:spLocks noGrp="1"/>
+          </p:cNvSpPr>
+          <p:nvPr>
+            <p:ph type="sldNum" idx="12"/>
+          </p:nvPr>
+        </p:nvSpPr>
+        <p:spPr/>
+        <p:txBody>
+          <a:bodyPr/>
+          <a:lstStyle/>
+          <a:p>
+            <a:endParaRPr lang="en-US"/>
           </a:p>
         </p:txBody>
       </p:sp>
@@ -12922,6 +13016,25 @@
           </a:p>
         </p:txBody>
       </p:sp>
+      <p:sp>
+        <p:nvSpPr>
+          <p:cNvPr id="3" name="Slide Number Placeholder 2"/>
+          <p:cNvSpPr>
+            <a:spLocks noGrp="1"/>
+          </p:cNvSpPr>
+          <p:nvPr>
+            <p:ph type="sldNum" idx="12"/>
+          </p:nvPr>
+        </p:nvSpPr>
+        <p:spPr/>
+        <p:txBody>
+          <a:bodyPr/>
+          <a:lstStyle/>
+          <a:p>
+            <a:endParaRPr lang="en-US"/>
+          </a:p>
+        </p:txBody>
+      </p:sp>
     </p:spTree>
   </p:cSld>
   <p:clrMapOvr>
@@ -13083,6 +13196,25 @@
           </a:p>
         </p:txBody>
       </p:sp>
+      <p:sp>
+        <p:nvSpPr>
+          <p:cNvPr id="3" name="Slide Number Placeholder 2"/>
+          <p:cNvSpPr>
+            <a:spLocks noGrp="1"/>
+          </p:cNvSpPr>
+          <p:nvPr>
+            <p:ph type="sldNum" idx="12"/>
+          </p:nvPr>
+        </p:nvSpPr>
+        <p:spPr/>
+        <p:txBody>
+          <a:bodyPr/>
+          <a:lstStyle/>
+          <a:p>
+            <a:endParaRPr lang="en-US"/>
+          </a:p>
+        </p:txBody>
+      </p:sp>
     </p:spTree>
   </p:cSld>
   <p:clrMapOvr>
@@ -13262,6 +13394,25 @@
           </a:p>
         </p:txBody>
       </p:sp>
+      <p:sp>
+        <p:nvSpPr>
+          <p:cNvPr id="3" name="Slide Number Placeholder 2"/>
+          <p:cNvSpPr>
+            <a:spLocks noGrp="1"/>
+          </p:cNvSpPr>
+          <p:nvPr>
+            <p:ph type="sldNum" idx="12"/>
+          </p:nvPr>
+        </p:nvSpPr>
+        <p:spPr/>
+        <p:txBody>
+          <a:bodyPr/>
+          <a:lstStyle/>
+          <a:p>
+            <a:endParaRPr lang="en-US"/>
+          </a:p>
+        </p:txBody>
+      </p:sp>
     </p:spTree>
   </p:cSld>
   <p:clrMapOvr>
@@ -13351,6 +13502,25 @@
               <a:rPr lang="en-US" dirty="0"/>
               <a:t>If you need to show your course work to a prospective employer, put it on Dropbox and give them a private link.</a:t>
             </a:r>
+          </a:p>
+        </p:txBody>
+      </p:sp>
+      <p:sp>
+        <p:nvSpPr>
+          <p:cNvPr id="5" name="Slide Number Placeholder 4"/>
+          <p:cNvSpPr>
+            <a:spLocks noGrp="1"/>
+          </p:cNvSpPr>
+          <p:nvPr>
+            <p:ph type="sldNum" idx="12"/>
+          </p:nvPr>
+        </p:nvSpPr>
+        <p:spPr/>
+        <p:txBody>
+          <a:bodyPr/>
+          <a:lstStyle/>
+          <a:p>
+            <a:endParaRPr lang="en-US"/>
           </a:p>
         </p:txBody>
       </p:sp>
@@ -13468,12 +13638,12 @@
       </p:sp>
       <p:sp>
         <p:nvSpPr>
-          <p:cNvPr id="4" name="Slide Number Placeholder 3"/>
+          <p:cNvPr id="6" name="Slide Number Placeholder 5"/>
           <p:cNvSpPr>
             <a:spLocks noGrp="1"/>
           </p:cNvSpPr>
           <p:nvPr>
-            <p:ph type="sldNum" sz="quarter" idx="12"/>
+            <p:ph type="sldNum" idx="12"/>
           </p:nvPr>
         </p:nvSpPr>
         <p:spPr/>
@@ -13481,10 +13651,6 @@
           <a:bodyPr/>
           <a:lstStyle/>
           <a:p>
-            <a:fld id="{2AF3B5EA-18B6-4040-9F78-6052AF49C681}" type="slidenum">
-              <a:rPr lang="en-US" smtClean="0"/>
-              <a:t>2</a:t>
-            </a:fld>
             <a:endParaRPr lang="en-US"/>
           </a:p>
         </p:txBody>
@@ -13641,6 +13807,25 @@
           </a:p>
         </p:txBody>
       </p:sp>
+      <p:sp>
+        <p:nvSpPr>
+          <p:cNvPr id="3" name="Slide Number Placeholder 2"/>
+          <p:cNvSpPr>
+            <a:spLocks noGrp="1"/>
+          </p:cNvSpPr>
+          <p:nvPr>
+            <p:ph type="sldNum" idx="12"/>
+          </p:nvPr>
+        </p:nvSpPr>
+        <p:spPr/>
+        <p:txBody>
+          <a:bodyPr/>
+          <a:lstStyle/>
+          <a:p>
+            <a:endParaRPr lang="en-US"/>
+          </a:p>
+        </p:txBody>
+      </p:sp>
     </p:spTree>
   </p:cSld>
   <p:clrMapOvr>
@@ -13743,12 +13928,12 @@
       </p:sp>
       <p:sp>
         <p:nvSpPr>
-          <p:cNvPr id="4" name="Slide Number Placeholder 3"/>
+          <p:cNvPr id="6" name="Slide Number Placeholder 5"/>
           <p:cNvSpPr>
             <a:spLocks noGrp="1"/>
           </p:cNvSpPr>
           <p:nvPr>
-            <p:ph type="sldNum" sz="quarter" idx="12"/>
+            <p:ph type="sldNum" idx="12"/>
           </p:nvPr>
         </p:nvSpPr>
         <p:spPr/>
@@ -13756,10 +13941,6 @@
           <a:bodyPr/>
           <a:lstStyle/>
           <a:p>
-            <a:fld id="{2AF3B5EA-18B6-4040-9F78-6052AF49C681}" type="slidenum">
-              <a:rPr lang="en-US" smtClean="0"/>
-              <a:t>21</a:t>
-            </a:fld>
             <a:endParaRPr lang="en-US"/>
           </a:p>
         </p:txBody>
@@ -13850,12 +14031,12 @@
       </p:sp>
       <p:sp>
         <p:nvSpPr>
-          <p:cNvPr id="4" name="Slide Number Placeholder 3"/>
+          <p:cNvPr id="6" name="Slide Number Placeholder 5"/>
           <p:cNvSpPr>
             <a:spLocks noGrp="1"/>
           </p:cNvSpPr>
           <p:nvPr>
-            <p:ph type="sldNum" sz="quarter" idx="12"/>
+            <p:ph type="sldNum" idx="12"/>
           </p:nvPr>
         </p:nvSpPr>
         <p:spPr/>
@@ -13863,10 +14044,6 @@
           <a:bodyPr/>
           <a:lstStyle/>
           <a:p>
-            <a:fld id="{2AF3B5EA-18B6-4040-9F78-6052AF49C681}" type="slidenum">
-              <a:rPr lang="en-US" smtClean="0"/>
-              <a:t>22</a:t>
-            </a:fld>
             <a:endParaRPr lang="en-US"/>
           </a:p>
         </p:txBody>
@@ -14068,6 +14245,25 @@
           </a:p>
         </p:txBody>
       </p:sp>
+      <p:sp>
+        <p:nvSpPr>
+          <p:cNvPr id="3" name="Slide Number Placeholder 2"/>
+          <p:cNvSpPr>
+            <a:spLocks noGrp="1"/>
+          </p:cNvSpPr>
+          <p:nvPr>
+            <p:ph type="sldNum" idx="12"/>
+          </p:nvPr>
+        </p:nvSpPr>
+        <p:spPr/>
+        <p:txBody>
+          <a:bodyPr/>
+          <a:lstStyle/>
+          <a:p>
+            <a:endParaRPr lang="en-US"/>
+          </a:p>
+        </p:txBody>
+      </p:sp>
     </p:spTree>
   </p:cSld>
   <p:clrMapOvr>
@@ -14237,6 +14433,25 @@
           </a:p>
         </p:txBody>
       </p:sp>
+      <p:sp>
+        <p:nvSpPr>
+          <p:cNvPr id="3" name="Slide Number Placeholder 2"/>
+          <p:cNvSpPr>
+            <a:spLocks noGrp="1"/>
+          </p:cNvSpPr>
+          <p:nvPr>
+            <p:ph type="sldNum" idx="12"/>
+          </p:nvPr>
+        </p:nvSpPr>
+        <p:spPr/>
+        <p:txBody>
+          <a:bodyPr/>
+          <a:lstStyle/>
+          <a:p>
+            <a:endParaRPr lang="en-US" dirty="0"/>
+          </a:p>
+        </p:txBody>
+      </p:sp>
     </p:spTree>
   </p:cSld>
   <p:clrMapOvr>
@@ -14382,6 +14597,25 @@
           </a:p>
         </p:txBody>
       </p:sp>
+      <p:sp>
+        <p:nvSpPr>
+          <p:cNvPr id="3" name="Slide Number Placeholder 2"/>
+          <p:cNvSpPr>
+            <a:spLocks noGrp="1"/>
+          </p:cNvSpPr>
+          <p:nvPr>
+            <p:ph type="sldNum" idx="12"/>
+          </p:nvPr>
+        </p:nvSpPr>
+        <p:spPr/>
+        <p:txBody>
+          <a:bodyPr/>
+          <a:lstStyle/>
+          <a:p>
+            <a:endParaRPr lang="en-US"/>
+          </a:p>
+        </p:txBody>
+      </p:sp>
     </p:spTree>
   </p:cSld>
   <p:clrMapOvr>
@@ -14463,6 +14697,25 @@
               <a:rPr lang="en-US" dirty="0"/>
               <a:t>Students who cheat in school are more likely to become employees who cheat.</a:t>
             </a:r>
+          </a:p>
+        </p:txBody>
+      </p:sp>
+      <p:sp>
+        <p:nvSpPr>
+          <p:cNvPr id="5" name="Slide Number Placeholder 4"/>
+          <p:cNvSpPr>
+            <a:spLocks noGrp="1"/>
+          </p:cNvSpPr>
+          <p:nvPr>
+            <p:ph type="sldNum" idx="12"/>
+          </p:nvPr>
+        </p:nvSpPr>
+        <p:spPr/>
+        <p:txBody>
+          <a:bodyPr/>
+          <a:lstStyle/>
+          <a:p>
+            <a:endParaRPr lang="en-US"/>
           </a:p>
         </p:txBody>
       </p:sp>
@@ -14624,6 +14877,25 @@
           </a:p>
         </p:txBody>
       </p:sp>
+      <p:sp>
+        <p:nvSpPr>
+          <p:cNvPr id="3" name="Slide Number Placeholder 2"/>
+          <p:cNvSpPr>
+            <a:spLocks noGrp="1"/>
+          </p:cNvSpPr>
+          <p:nvPr>
+            <p:ph type="sldNum" idx="12"/>
+          </p:nvPr>
+        </p:nvSpPr>
+        <p:spPr/>
+        <p:txBody>
+          <a:bodyPr/>
+          <a:lstStyle/>
+          <a:p>
+            <a:endParaRPr lang="en-US"/>
+          </a:p>
+        </p:txBody>
+      </p:sp>
     </p:spTree>
   </p:cSld>
   <p:clrMapOvr>
@@ -14900,6 +15172,25 @@
           </a:p>
         </p:txBody>
       </p:sp>
+      <p:sp>
+        <p:nvSpPr>
+          <p:cNvPr id="3" name="Slide Number Placeholder 2"/>
+          <p:cNvSpPr>
+            <a:spLocks noGrp="1"/>
+          </p:cNvSpPr>
+          <p:nvPr>
+            <p:ph type="sldNum" idx="12"/>
+          </p:nvPr>
+        </p:nvSpPr>
+        <p:spPr/>
+        <p:txBody>
+          <a:bodyPr/>
+          <a:lstStyle/>
+          <a:p>
+            <a:endParaRPr lang="en-US"/>
+          </a:p>
+        </p:txBody>
+      </p:sp>
     </p:spTree>
   </p:cSld>
   <p:clrMapOvr>
@@ -15113,6 +15404,25 @@
                 <a:srgbClr val="000000"/>
               </a:solidFill>
             </a:endParaRPr>
+          </a:p>
+        </p:txBody>
+      </p:sp>
+      <p:sp>
+        <p:nvSpPr>
+          <p:cNvPr id="3" name="Slide Number Placeholder 2"/>
+          <p:cNvSpPr>
+            <a:spLocks noGrp="1"/>
+          </p:cNvSpPr>
+          <p:nvPr>
+            <p:ph type="sldNum" idx="12"/>
+          </p:nvPr>
+        </p:nvSpPr>
+        <p:spPr/>
+        <p:txBody>
+          <a:bodyPr/>
+          <a:lstStyle/>
+          <a:p>
+            <a:endParaRPr lang="en-US"/>
           </a:p>
         </p:txBody>
       </p:sp>
